--- a/Acceso a datos/Tema 2/TRANSACCIONES EN JDBC.pptx
+++ b/Acceso a datos/Tema 2/TRANSACCIONES EN JDBC.pptx
@@ -66,7 +66,7 @@
       </p:grpSpPr>
       <p:sp>
         <p:nvSpPr>
-          <p:cNvPr id="30" name="PlaceHolder 1"/>
+          <p:cNvPr id="27" name="PlaceHolder 1"/>
           <p:cNvSpPr>
             <a:spLocks noGrp="1"/>
           </p:cNvSpPr>
@@ -76,8 +76,8 @@
         </p:nvSpPr>
         <p:spPr>
           <a:xfrm>
-            <a:off x="1371600" y="685800"/>
-            <a:ext cx="9600840" cy="1485720"/>
+            <a:off x="609480" y="273600"/>
+            <a:ext cx="10972440" cy="1144800"/>
           </a:xfrm>
           <a:prstGeom prst="rect">
             <a:avLst/>
@@ -86,18 +86,16 @@
         <p:txBody>
           <a:bodyPr lIns="0" rIns="0" tIns="0" bIns="0" anchor="ctr"/>
           <a:p>
-            <a:endParaRPr b="0" lang="en-US" sz="1800" spc="-1" strike="noStrike">
-              <a:solidFill>
-                <a:srgbClr val="000000"/>
-              </a:solidFill>
-              <a:latin typeface="Franklin Gothic Book"/>
-            </a:endParaRPr>
-          </a:p>
-        </p:txBody>
-      </p:sp>
-      <p:sp>
-        <p:nvSpPr>
-          <p:cNvPr id="31" name="PlaceHolder 2"/>
+            <a:pPr algn="ctr"/>
+            <a:endParaRPr b="0" lang="es-ES" sz="4400" spc="-1" strike="noStrike">
+              <a:latin typeface="Arial"/>
+            </a:endParaRPr>
+          </a:p>
+        </p:txBody>
+      </p:sp>
+      <p:sp>
+        <p:nvSpPr>
+          <p:cNvPr id="28" name="PlaceHolder 2"/>
           <p:cNvSpPr>
             <a:spLocks noGrp="1"/>
           </p:cNvSpPr>
@@ -107,8 +105,8 @@
         </p:nvSpPr>
         <p:spPr>
           <a:xfrm>
-            <a:off x="1371600" y="2286000"/>
-            <a:ext cx="9600840" cy="1707840"/>
+            <a:off x="609480" y="1604520"/>
+            <a:ext cx="10972440" cy="1896840"/>
           </a:xfrm>
           <a:prstGeom prst="rect">
             <a:avLst/>
@@ -119,18 +117,15 @@
             <a:normAutofit/>
           </a:bodyPr>
           <a:p>
-            <a:endParaRPr b="0" lang="en-US" sz="2000" spc="-1" strike="noStrike">
-              <a:solidFill>
-                <a:srgbClr val="191b0e"/>
-              </a:solidFill>
-              <a:latin typeface="Franklin Gothic Book"/>
-            </a:endParaRPr>
-          </a:p>
-        </p:txBody>
-      </p:sp>
-      <p:sp>
-        <p:nvSpPr>
-          <p:cNvPr id="32" name="PlaceHolder 3"/>
+            <a:endParaRPr b="0" lang="es-ES" sz="3200" spc="-1" strike="noStrike">
+              <a:latin typeface="Arial"/>
+            </a:endParaRPr>
+          </a:p>
+        </p:txBody>
+      </p:sp>
+      <p:sp>
+        <p:nvSpPr>
+          <p:cNvPr id="29" name="PlaceHolder 3"/>
           <p:cNvSpPr>
             <a:spLocks noGrp="1"/>
           </p:cNvSpPr>
@@ -140,8 +135,8 @@
         </p:nvSpPr>
         <p:spPr>
           <a:xfrm>
-            <a:off x="1371600" y="4156560"/>
-            <a:ext cx="9600840" cy="1707840"/>
+            <a:off x="609480" y="3682080"/>
+            <a:ext cx="10972440" cy="1896840"/>
           </a:xfrm>
           <a:prstGeom prst="rect">
             <a:avLst/>
@@ -152,11 +147,8 @@
             <a:normAutofit/>
           </a:bodyPr>
           <a:p>
-            <a:endParaRPr b="0" lang="en-US" sz="2000" spc="-1" strike="noStrike">
-              <a:solidFill>
-                <a:srgbClr val="191b0e"/>
-              </a:solidFill>
-              <a:latin typeface="Franklin Gothic Book"/>
+            <a:endParaRPr b="0" lang="es-ES" sz="3200" spc="-1" strike="noStrike">
+              <a:latin typeface="Arial"/>
             </a:endParaRPr>
           </a:p>
         </p:txBody>
@@ -185,7 +177,7 @@
       </p:grpSpPr>
       <p:sp>
         <p:nvSpPr>
-          <p:cNvPr id="33" name="PlaceHolder 1"/>
+          <p:cNvPr id="30" name="PlaceHolder 1"/>
           <p:cNvSpPr>
             <a:spLocks noGrp="1"/>
           </p:cNvSpPr>
@@ -195,8 +187,8 @@
         </p:nvSpPr>
         <p:spPr>
           <a:xfrm>
-            <a:off x="1371600" y="685800"/>
-            <a:ext cx="9600840" cy="1485720"/>
+            <a:off x="609480" y="273600"/>
+            <a:ext cx="10972440" cy="1144800"/>
           </a:xfrm>
           <a:prstGeom prst="rect">
             <a:avLst/>
@@ -205,18 +197,16 @@
         <p:txBody>
           <a:bodyPr lIns="0" rIns="0" tIns="0" bIns="0" anchor="ctr"/>
           <a:p>
-            <a:endParaRPr b="0" lang="en-US" sz="1800" spc="-1" strike="noStrike">
-              <a:solidFill>
-                <a:srgbClr val="000000"/>
-              </a:solidFill>
-              <a:latin typeface="Franklin Gothic Book"/>
-            </a:endParaRPr>
-          </a:p>
-        </p:txBody>
-      </p:sp>
-      <p:sp>
-        <p:nvSpPr>
-          <p:cNvPr id="34" name="PlaceHolder 2"/>
+            <a:pPr algn="ctr"/>
+            <a:endParaRPr b="0" lang="es-ES" sz="4400" spc="-1" strike="noStrike">
+              <a:latin typeface="Arial"/>
+            </a:endParaRPr>
+          </a:p>
+        </p:txBody>
+      </p:sp>
+      <p:sp>
+        <p:nvSpPr>
+          <p:cNvPr id="31" name="PlaceHolder 2"/>
           <p:cNvSpPr>
             <a:spLocks noGrp="1"/>
           </p:cNvSpPr>
@@ -226,8 +216,8 @@
         </p:nvSpPr>
         <p:spPr>
           <a:xfrm>
-            <a:off x="1371600" y="2286000"/>
-            <a:ext cx="4685040" cy="1707840"/>
+            <a:off x="609480" y="1604520"/>
+            <a:ext cx="5354280" cy="1896840"/>
           </a:xfrm>
           <a:prstGeom prst="rect">
             <a:avLst/>
@@ -238,18 +228,15 @@
             <a:normAutofit/>
           </a:bodyPr>
           <a:p>
-            <a:endParaRPr b="0" lang="en-US" sz="2000" spc="-1" strike="noStrike">
-              <a:solidFill>
-                <a:srgbClr val="191b0e"/>
-              </a:solidFill>
-              <a:latin typeface="Franklin Gothic Book"/>
-            </a:endParaRPr>
-          </a:p>
-        </p:txBody>
-      </p:sp>
-      <p:sp>
-        <p:nvSpPr>
-          <p:cNvPr id="35" name="PlaceHolder 3"/>
+            <a:endParaRPr b="0" lang="es-ES" sz="3200" spc="-1" strike="noStrike">
+              <a:latin typeface="Arial"/>
+            </a:endParaRPr>
+          </a:p>
+        </p:txBody>
+      </p:sp>
+      <p:sp>
+        <p:nvSpPr>
+          <p:cNvPr id="32" name="PlaceHolder 3"/>
           <p:cNvSpPr>
             <a:spLocks noGrp="1"/>
           </p:cNvSpPr>
@@ -259,8 +246,8 @@
         </p:nvSpPr>
         <p:spPr>
           <a:xfrm>
-            <a:off x="6291360" y="2286000"/>
-            <a:ext cx="4685040" cy="1707840"/>
+            <a:off x="6231960" y="1604520"/>
+            <a:ext cx="5354280" cy="1896840"/>
           </a:xfrm>
           <a:prstGeom prst="rect">
             <a:avLst/>
@@ -271,18 +258,15 @@
             <a:normAutofit/>
           </a:bodyPr>
           <a:p>
-            <a:endParaRPr b="0" lang="en-US" sz="2000" spc="-1" strike="noStrike">
-              <a:solidFill>
-                <a:srgbClr val="191b0e"/>
-              </a:solidFill>
-              <a:latin typeface="Franklin Gothic Book"/>
-            </a:endParaRPr>
-          </a:p>
-        </p:txBody>
-      </p:sp>
-      <p:sp>
-        <p:nvSpPr>
-          <p:cNvPr id="36" name="PlaceHolder 4"/>
+            <a:endParaRPr b="0" lang="es-ES" sz="3200" spc="-1" strike="noStrike">
+              <a:latin typeface="Arial"/>
+            </a:endParaRPr>
+          </a:p>
+        </p:txBody>
+      </p:sp>
+      <p:sp>
+        <p:nvSpPr>
+          <p:cNvPr id="33" name="PlaceHolder 4"/>
           <p:cNvSpPr>
             <a:spLocks noGrp="1"/>
           </p:cNvSpPr>
@@ -292,8 +276,8 @@
         </p:nvSpPr>
         <p:spPr>
           <a:xfrm>
-            <a:off x="1371600" y="4156560"/>
-            <a:ext cx="4685040" cy="1707840"/>
+            <a:off x="609480" y="3682080"/>
+            <a:ext cx="5354280" cy="1896840"/>
           </a:xfrm>
           <a:prstGeom prst="rect">
             <a:avLst/>
@@ -304,18 +288,15 @@
             <a:normAutofit/>
           </a:bodyPr>
           <a:p>
-            <a:endParaRPr b="0" lang="en-US" sz="2000" spc="-1" strike="noStrike">
-              <a:solidFill>
-                <a:srgbClr val="191b0e"/>
-              </a:solidFill>
-              <a:latin typeface="Franklin Gothic Book"/>
-            </a:endParaRPr>
-          </a:p>
-        </p:txBody>
-      </p:sp>
-      <p:sp>
-        <p:nvSpPr>
-          <p:cNvPr id="37" name="PlaceHolder 5"/>
+            <a:endParaRPr b="0" lang="es-ES" sz="3200" spc="-1" strike="noStrike">
+              <a:latin typeface="Arial"/>
+            </a:endParaRPr>
+          </a:p>
+        </p:txBody>
+      </p:sp>
+      <p:sp>
+        <p:nvSpPr>
+          <p:cNvPr id="34" name="PlaceHolder 5"/>
           <p:cNvSpPr>
             <a:spLocks noGrp="1"/>
           </p:cNvSpPr>
@@ -325,8 +306,8 @@
         </p:nvSpPr>
         <p:spPr>
           <a:xfrm>
-            <a:off x="6291360" y="4156560"/>
-            <a:ext cx="4685040" cy="1707840"/>
+            <a:off x="6231960" y="3682080"/>
+            <a:ext cx="5354280" cy="1896840"/>
           </a:xfrm>
           <a:prstGeom prst="rect">
             <a:avLst/>
@@ -337,11 +318,8 @@
             <a:normAutofit/>
           </a:bodyPr>
           <a:p>
-            <a:endParaRPr b="0" lang="en-US" sz="2000" spc="-1" strike="noStrike">
-              <a:solidFill>
-                <a:srgbClr val="191b0e"/>
-              </a:solidFill>
-              <a:latin typeface="Franklin Gothic Book"/>
+            <a:endParaRPr b="0" lang="es-ES" sz="3200" spc="-1" strike="noStrike">
+              <a:latin typeface="Arial"/>
             </a:endParaRPr>
           </a:p>
         </p:txBody>
@@ -370,7 +348,7 @@
       </p:grpSpPr>
       <p:sp>
         <p:nvSpPr>
-          <p:cNvPr id="38" name="PlaceHolder 1"/>
+          <p:cNvPr id="35" name="PlaceHolder 1"/>
           <p:cNvSpPr>
             <a:spLocks noGrp="1"/>
           </p:cNvSpPr>
@@ -380,8 +358,8 @@
         </p:nvSpPr>
         <p:spPr>
           <a:xfrm>
-            <a:off x="1371600" y="685800"/>
-            <a:ext cx="9600840" cy="1485720"/>
+            <a:off x="609480" y="273600"/>
+            <a:ext cx="10972440" cy="1144800"/>
           </a:xfrm>
           <a:prstGeom prst="rect">
             <a:avLst/>
@@ -390,18 +368,16 @@
         <p:txBody>
           <a:bodyPr lIns="0" rIns="0" tIns="0" bIns="0" anchor="ctr"/>
           <a:p>
-            <a:endParaRPr b="0" lang="en-US" sz="1800" spc="-1" strike="noStrike">
-              <a:solidFill>
-                <a:srgbClr val="000000"/>
-              </a:solidFill>
-              <a:latin typeface="Franklin Gothic Book"/>
-            </a:endParaRPr>
-          </a:p>
-        </p:txBody>
-      </p:sp>
-      <p:sp>
-        <p:nvSpPr>
-          <p:cNvPr id="39" name="PlaceHolder 2"/>
+            <a:pPr algn="ctr"/>
+            <a:endParaRPr b="0" lang="es-ES" sz="4400" spc="-1" strike="noStrike">
+              <a:latin typeface="Arial"/>
+            </a:endParaRPr>
+          </a:p>
+        </p:txBody>
+      </p:sp>
+      <p:sp>
+        <p:nvSpPr>
+          <p:cNvPr id="36" name="PlaceHolder 2"/>
           <p:cNvSpPr>
             <a:spLocks noGrp="1"/>
           </p:cNvSpPr>
@@ -411,8 +387,8 @@
         </p:nvSpPr>
         <p:spPr>
           <a:xfrm>
-            <a:off x="1371600" y="2286000"/>
-            <a:ext cx="3091320" cy="1707840"/>
+            <a:off x="609480" y="1604520"/>
+            <a:ext cx="3533040" cy="1896840"/>
           </a:xfrm>
           <a:prstGeom prst="rect">
             <a:avLst/>
@@ -423,18 +399,15 @@
             <a:normAutofit/>
           </a:bodyPr>
           <a:p>
-            <a:endParaRPr b="0" lang="en-US" sz="2000" spc="-1" strike="noStrike">
-              <a:solidFill>
-                <a:srgbClr val="191b0e"/>
-              </a:solidFill>
-              <a:latin typeface="Franklin Gothic Book"/>
-            </a:endParaRPr>
-          </a:p>
-        </p:txBody>
-      </p:sp>
-      <p:sp>
-        <p:nvSpPr>
-          <p:cNvPr id="40" name="PlaceHolder 3"/>
+            <a:endParaRPr b="0" lang="es-ES" sz="3200" spc="-1" strike="noStrike">
+              <a:latin typeface="Arial"/>
+            </a:endParaRPr>
+          </a:p>
+        </p:txBody>
+      </p:sp>
+      <p:sp>
+        <p:nvSpPr>
+          <p:cNvPr id="37" name="PlaceHolder 3"/>
           <p:cNvSpPr>
             <a:spLocks noGrp="1"/>
           </p:cNvSpPr>
@@ -444,8 +417,8 @@
         </p:nvSpPr>
         <p:spPr>
           <a:xfrm>
-            <a:off x="4617720" y="2286000"/>
-            <a:ext cx="3091320" cy="1707840"/>
+            <a:off x="4319640" y="1604520"/>
+            <a:ext cx="3533040" cy="1896840"/>
           </a:xfrm>
           <a:prstGeom prst="rect">
             <a:avLst/>
@@ -456,18 +429,15 @@
             <a:normAutofit/>
           </a:bodyPr>
           <a:p>
-            <a:endParaRPr b="0" lang="en-US" sz="2000" spc="-1" strike="noStrike">
-              <a:solidFill>
-                <a:srgbClr val="191b0e"/>
-              </a:solidFill>
-              <a:latin typeface="Franklin Gothic Book"/>
-            </a:endParaRPr>
-          </a:p>
-        </p:txBody>
-      </p:sp>
-      <p:sp>
-        <p:nvSpPr>
-          <p:cNvPr id="41" name="PlaceHolder 4"/>
+            <a:endParaRPr b="0" lang="es-ES" sz="3200" spc="-1" strike="noStrike">
+              <a:latin typeface="Arial"/>
+            </a:endParaRPr>
+          </a:p>
+        </p:txBody>
+      </p:sp>
+      <p:sp>
+        <p:nvSpPr>
+          <p:cNvPr id="38" name="PlaceHolder 4"/>
           <p:cNvSpPr>
             <a:spLocks noGrp="1"/>
           </p:cNvSpPr>
@@ -477,8 +447,8 @@
         </p:nvSpPr>
         <p:spPr>
           <a:xfrm>
-            <a:off x="7864200" y="2286000"/>
-            <a:ext cx="3091320" cy="1707840"/>
+            <a:off x="8029800" y="1604520"/>
+            <a:ext cx="3533040" cy="1896840"/>
           </a:xfrm>
           <a:prstGeom prst="rect">
             <a:avLst/>
@@ -489,18 +459,15 @@
             <a:normAutofit/>
           </a:bodyPr>
           <a:p>
-            <a:endParaRPr b="0" lang="en-US" sz="2000" spc="-1" strike="noStrike">
-              <a:solidFill>
-                <a:srgbClr val="191b0e"/>
-              </a:solidFill>
-              <a:latin typeface="Franklin Gothic Book"/>
-            </a:endParaRPr>
-          </a:p>
-        </p:txBody>
-      </p:sp>
-      <p:sp>
-        <p:nvSpPr>
-          <p:cNvPr id="42" name="PlaceHolder 5"/>
+            <a:endParaRPr b="0" lang="es-ES" sz="3200" spc="-1" strike="noStrike">
+              <a:latin typeface="Arial"/>
+            </a:endParaRPr>
+          </a:p>
+        </p:txBody>
+      </p:sp>
+      <p:sp>
+        <p:nvSpPr>
+          <p:cNvPr id="39" name="PlaceHolder 5"/>
           <p:cNvSpPr>
             <a:spLocks noGrp="1"/>
           </p:cNvSpPr>
@@ -510,8 +477,8 @@
         </p:nvSpPr>
         <p:spPr>
           <a:xfrm>
-            <a:off x="1371600" y="4156560"/>
-            <a:ext cx="3091320" cy="1707840"/>
+            <a:off x="609480" y="3682080"/>
+            <a:ext cx="3533040" cy="1896840"/>
           </a:xfrm>
           <a:prstGeom prst="rect">
             <a:avLst/>
@@ -522,18 +489,15 @@
             <a:normAutofit/>
           </a:bodyPr>
           <a:p>
-            <a:endParaRPr b="0" lang="en-US" sz="2000" spc="-1" strike="noStrike">
-              <a:solidFill>
-                <a:srgbClr val="191b0e"/>
-              </a:solidFill>
-              <a:latin typeface="Franklin Gothic Book"/>
-            </a:endParaRPr>
-          </a:p>
-        </p:txBody>
-      </p:sp>
-      <p:sp>
-        <p:nvSpPr>
-          <p:cNvPr id="43" name="PlaceHolder 6"/>
+            <a:endParaRPr b="0" lang="es-ES" sz="3200" spc="-1" strike="noStrike">
+              <a:latin typeface="Arial"/>
+            </a:endParaRPr>
+          </a:p>
+        </p:txBody>
+      </p:sp>
+      <p:sp>
+        <p:nvSpPr>
+          <p:cNvPr id="40" name="PlaceHolder 6"/>
           <p:cNvSpPr>
             <a:spLocks noGrp="1"/>
           </p:cNvSpPr>
@@ -543,8 +507,8 @@
         </p:nvSpPr>
         <p:spPr>
           <a:xfrm>
-            <a:off x="4617720" y="4156560"/>
-            <a:ext cx="3091320" cy="1707840"/>
+            <a:off x="4319640" y="3682080"/>
+            <a:ext cx="3533040" cy="1896840"/>
           </a:xfrm>
           <a:prstGeom prst="rect">
             <a:avLst/>
@@ -555,18 +519,15 @@
             <a:normAutofit/>
           </a:bodyPr>
           <a:p>
-            <a:endParaRPr b="0" lang="en-US" sz="2000" spc="-1" strike="noStrike">
-              <a:solidFill>
-                <a:srgbClr val="191b0e"/>
-              </a:solidFill>
-              <a:latin typeface="Franklin Gothic Book"/>
-            </a:endParaRPr>
-          </a:p>
-        </p:txBody>
-      </p:sp>
-      <p:sp>
-        <p:nvSpPr>
-          <p:cNvPr id="44" name="PlaceHolder 7"/>
+            <a:endParaRPr b="0" lang="es-ES" sz="3200" spc="-1" strike="noStrike">
+              <a:latin typeface="Arial"/>
+            </a:endParaRPr>
+          </a:p>
+        </p:txBody>
+      </p:sp>
+      <p:sp>
+        <p:nvSpPr>
+          <p:cNvPr id="41" name="PlaceHolder 7"/>
           <p:cNvSpPr>
             <a:spLocks noGrp="1"/>
           </p:cNvSpPr>
@@ -576,8 +537,8 @@
         </p:nvSpPr>
         <p:spPr>
           <a:xfrm>
-            <a:off x="7864200" y="4156560"/>
-            <a:ext cx="3091320" cy="1707840"/>
+            <a:off x="8029800" y="3682080"/>
+            <a:ext cx="3533040" cy="1896840"/>
           </a:xfrm>
           <a:prstGeom prst="rect">
             <a:avLst/>
@@ -588,11 +549,8 @@
             <a:normAutofit/>
           </a:bodyPr>
           <a:p>
-            <a:endParaRPr b="0" lang="en-US" sz="2000" spc="-1" strike="noStrike">
-              <a:solidFill>
-                <a:srgbClr val="191b0e"/>
-              </a:solidFill>
-              <a:latin typeface="Franklin Gothic Book"/>
+            <a:endParaRPr b="0" lang="es-ES" sz="3200" spc="-1" strike="noStrike">
+              <a:latin typeface="Arial"/>
             </a:endParaRPr>
           </a:p>
         </p:txBody>
@@ -643,7 +601,7 @@
       </p:grpSpPr>
       <p:sp>
         <p:nvSpPr>
-          <p:cNvPr id="51" name="PlaceHolder 1"/>
+          <p:cNvPr id="45" name="PlaceHolder 1"/>
           <p:cNvSpPr>
             <a:spLocks noGrp="1"/>
           </p:cNvSpPr>
@@ -653,8 +611,8 @@
         </p:nvSpPr>
         <p:spPr>
           <a:xfrm>
-            <a:off x="1371600" y="685800"/>
-            <a:ext cx="9600840" cy="1485720"/>
+            <a:off x="609480" y="273600"/>
+            <a:ext cx="10972440" cy="1144800"/>
           </a:xfrm>
           <a:prstGeom prst="rect">
             <a:avLst/>
@@ -663,18 +621,16 @@
         <p:txBody>
           <a:bodyPr lIns="0" rIns="0" tIns="0" bIns="0" anchor="ctr"/>
           <a:p>
-            <a:endParaRPr b="0" lang="en-US" sz="1800" spc="-1" strike="noStrike">
-              <a:solidFill>
-                <a:srgbClr val="000000"/>
-              </a:solidFill>
-              <a:latin typeface="Franklin Gothic Book"/>
-            </a:endParaRPr>
-          </a:p>
-        </p:txBody>
-      </p:sp>
-      <p:sp>
-        <p:nvSpPr>
-          <p:cNvPr id="52" name="PlaceHolder 2"/>
+            <a:pPr algn="ctr"/>
+            <a:endParaRPr b="0" lang="es-ES" sz="4400" spc="-1" strike="noStrike">
+              <a:latin typeface="Arial"/>
+            </a:endParaRPr>
+          </a:p>
+        </p:txBody>
+      </p:sp>
+      <p:sp>
+        <p:nvSpPr>
+          <p:cNvPr id="46" name="PlaceHolder 2"/>
           <p:cNvSpPr>
             <a:spLocks noGrp="1"/>
           </p:cNvSpPr>
@@ -684,8 +640,8 @@
         </p:nvSpPr>
         <p:spPr>
           <a:xfrm>
-            <a:off x="1371600" y="2286000"/>
-            <a:ext cx="9600840" cy="3580920"/>
+            <a:off x="609480" y="1604520"/>
+            <a:ext cx="10972440" cy="3977280"/>
           </a:xfrm>
           <a:prstGeom prst="rect">
             <a:avLst/>
@@ -725,7 +681,7 @@
       </p:grpSpPr>
       <p:sp>
         <p:nvSpPr>
-          <p:cNvPr id="53" name="PlaceHolder 1"/>
+          <p:cNvPr id="47" name="PlaceHolder 1"/>
           <p:cNvSpPr>
             <a:spLocks noGrp="1"/>
           </p:cNvSpPr>
@@ -735,8 +691,8 @@
         </p:nvSpPr>
         <p:spPr>
           <a:xfrm>
-            <a:off x="1371600" y="685800"/>
-            <a:ext cx="9600840" cy="1485720"/>
+            <a:off x="609480" y="273600"/>
+            <a:ext cx="10972440" cy="1144800"/>
           </a:xfrm>
           <a:prstGeom prst="rect">
             <a:avLst/>
@@ -745,18 +701,16 @@
         <p:txBody>
           <a:bodyPr lIns="0" rIns="0" tIns="0" bIns="0" anchor="ctr"/>
           <a:p>
-            <a:endParaRPr b="0" lang="en-US" sz="1800" spc="-1" strike="noStrike">
-              <a:solidFill>
-                <a:srgbClr val="000000"/>
-              </a:solidFill>
-              <a:latin typeface="Franklin Gothic Book"/>
-            </a:endParaRPr>
-          </a:p>
-        </p:txBody>
-      </p:sp>
-      <p:sp>
-        <p:nvSpPr>
-          <p:cNvPr id="54" name="PlaceHolder 2"/>
+            <a:pPr algn="ctr"/>
+            <a:endParaRPr b="0" lang="es-ES" sz="4400" spc="-1" strike="noStrike">
+              <a:latin typeface="Arial"/>
+            </a:endParaRPr>
+          </a:p>
+        </p:txBody>
+      </p:sp>
+      <p:sp>
+        <p:nvSpPr>
+          <p:cNvPr id="48" name="PlaceHolder 2"/>
           <p:cNvSpPr>
             <a:spLocks noGrp="1"/>
           </p:cNvSpPr>
@@ -766,8 +720,8 @@
         </p:nvSpPr>
         <p:spPr>
           <a:xfrm>
-            <a:off x="1371600" y="2286000"/>
-            <a:ext cx="9600840" cy="3580920"/>
+            <a:off x="609480" y="1604520"/>
+            <a:ext cx="10972440" cy="3977280"/>
           </a:xfrm>
           <a:prstGeom prst="rect">
             <a:avLst/>
@@ -778,11 +732,8 @@
             <a:normAutofit/>
           </a:bodyPr>
           <a:p>
-            <a:endParaRPr b="0" lang="en-US" sz="2000" spc="-1" strike="noStrike">
-              <a:solidFill>
-                <a:srgbClr val="191b0e"/>
-              </a:solidFill>
-              <a:latin typeface="Franklin Gothic Book"/>
+            <a:endParaRPr b="0" lang="es-ES" sz="3200" spc="-1" strike="noStrike">
+              <a:latin typeface="Arial"/>
             </a:endParaRPr>
           </a:p>
         </p:txBody>
@@ -811,7 +762,7 @@
       </p:grpSpPr>
       <p:sp>
         <p:nvSpPr>
-          <p:cNvPr id="55" name="PlaceHolder 1"/>
+          <p:cNvPr id="49" name="PlaceHolder 1"/>
           <p:cNvSpPr>
             <a:spLocks noGrp="1"/>
           </p:cNvSpPr>
@@ -821,8 +772,8 @@
         </p:nvSpPr>
         <p:spPr>
           <a:xfrm>
-            <a:off x="1371600" y="685800"/>
-            <a:ext cx="9600840" cy="1485720"/>
+            <a:off x="609480" y="273600"/>
+            <a:ext cx="10972440" cy="1144800"/>
           </a:xfrm>
           <a:prstGeom prst="rect">
             <a:avLst/>
@@ -831,18 +782,16 @@
         <p:txBody>
           <a:bodyPr lIns="0" rIns="0" tIns="0" bIns="0" anchor="ctr"/>
           <a:p>
-            <a:endParaRPr b="0" lang="en-US" sz="1800" spc="-1" strike="noStrike">
-              <a:solidFill>
-                <a:srgbClr val="000000"/>
-              </a:solidFill>
-              <a:latin typeface="Franklin Gothic Book"/>
-            </a:endParaRPr>
-          </a:p>
-        </p:txBody>
-      </p:sp>
-      <p:sp>
-        <p:nvSpPr>
-          <p:cNvPr id="56" name="PlaceHolder 2"/>
+            <a:pPr algn="ctr"/>
+            <a:endParaRPr b="0" lang="es-ES" sz="4400" spc="-1" strike="noStrike">
+              <a:latin typeface="Arial"/>
+            </a:endParaRPr>
+          </a:p>
+        </p:txBody>
+      </p:sp>
+      <p:sp>
+        <p:nvSpPr>
+          <p:cNvPr id="50" name="PlaceHolder 2"/>
           <p:cNvSpPr>
             <a:spLocks noGrp="1"/>
           </p:cNvSpPr>
@@ -852,8 +801,8 @@
         </p:nvSpPr>
         <p:spPr>
           <a:xfrm>
-            <a:off x="1371600" y="2286000"/>
-            <a:ext cx="4685040" cy="3580920"/>
+            <a:off x="609480" y="1604520"/>
+            <a:ext cx="5354280" cy="3977280"/>
           </a:xfrm>
           <a:prstGeom prst="rect">
             <a:avLst/>
@@ -864,18 +813,15 @@
             <a:normAutofit/>
           </a:bodyPr>
           <a:p>
-            <a:endParaRPr b="0" lang="en-US" sz="2000" spc="-1" strike="noStrike">
-              <a:solidFill>
-                <a:srgbClr val="191b0e"/>
-              </a:solidFill>
-              <a:latin typeface="Franklin Gothic Book"/>
-            </a:endParaRPr>
-          </a:p>
-        </p:txBody>
-      </p:sp>
-      <p:sp>
-        <p:nvSpPr>
-          <p:cNvPr id="57" name="PlaceHolder 3"/>
+            <a:endParaRPr b="0" lang="es-ES" sz="3200" spc="-1" strike="noStrike">
+              <a:latin typeface="Arial"/>
+            </a:endParaRPr>
+          </a:p>
+        </p:txBody>
+      </p:sp>
+      <p:sp>
+        <p:nvSpPr>
+          <p:cNvPr id="51" name="PlaceHolder 3"/>
           <p:cNvSpPr>
             <a:spLocks noGrp="1"/>
           </p:cNvSpPr>
@@ -885,8 +831,8 @@
         </p:nvSpPr>
         <p:spPr>
           <a:xfrm>
-            <a:off x="6291360" y="2286000"/>
-            <a:ext cx="4685040" cy="3580920"/>
+            <a:off x="6231960" y="1604520"/>
+            <a:ext cx="5354280" cy="3977280"/>
           </a:xfrm>
           <a:prstGeom prst="rect">
             <a:avLst/>
@@ -897,11 +843,8 @@
             <a:normAutofit/>
           </a:bodyPr>
           <a:p>
-            <a:endParaRPr b="0" lang="en-US" sz="2000" spc="-1" strike="noStrike">
-              <a:solidFill>
-                <a:srgbClr val="191b0e"/>
-              </a:solidFill>
-              <a:latin typeface="Franklin Gothic Book"/>
+            <a:endParaRPr b="0" lang="es-ES" sz="3200" spc="-1" strike="noStrike">
+              <a:latin typeface="Arial"/>
             </a:endParaRPr>
           </a:p>
         </p:txBody>
@@ -930,7 +873,7 @@
       </p:grpSpPr>
       <p:sp>
         <p:nvSpPr>
-          <p:cNvPr id="58" name="PlaceHolder 1"/>
+          <p:cNvPr id="52" name="PlaceHolder 1"/>
           <p:cNvSpPr>
             <a:spLocks noGrp="1"/>
           </p:cNvSpPr>
@@ -940,8 +883,8 @@
         </p:nvSpPr>
         <p:spPr>
           <a:xfrm>
-            <a:off x="1371600" y="685800"/>
-            <a:ext cx="9600840" cy="1485720"/>
+            <a:off x="609480" y="273600"/>
+            <a:ext cx="10972440" cy="1144800"/>
           </a:xfrm>
           <a:prstGeom prst="rect">
             <a:avLst/>
@@ -950,11 +893,9 @@
         <p:txBody>
           <a:bodyPr lIns="0" rIns="0" tIns="0" bIns="0" anchor="ctr"/>
           <a:p>
-            <a:endParaRPr b="0" lang="en-US" sz="1800" spc="-1" strike="noStrike">
-              <a:solidFill>
-                <a:srgbClr val="000000"/>
-              </a:solidFill>
-              <a:latin typeface="Franklin Gothic Book"/>
+            <a:pPr algn="ctr"/>
+            <a:endParaRPr b="0" lang="es-ES" sz="4400" spc="-1" strike="noStrike">
+              <a:latin typeface="Arial"/>
             </a:endParaRPr>
           </a:p>
         </p:txBody>
@@ -983,7 +924,7 @@
       </p:grpSpPr>
       <p:sp>
         <p:nvSpPr>
-          <p:cNvPr id="59" name="PlaceHolder 1"/>
+          <p:cNvPr id="53" name="PlaceHolder 1"/>
           <p:cNvSpPr>
             <a:spLocks noGrp="1"/>
           </p:cNvSpPr>
@@ -993,8 +934,8 @@
         </p:nvSpPr>
         <p:spPr>
           <a:xfrm>
-            <a:off x="1371600" y="685800"/>
-            <a:ext cx="9600840" cy="6888240"/>
+            <a:off x="609480" y="273600"/>
+            <a:ext cx="10972440" cy="5307840"/>
           </a:xfrm>
           <a:prstGeom prst="rect">
             <a:avLst/>
@@ -1034,7 +975,7 @@
       </p:grpSpPr>
       <p:sp>
         <p:nvSpPr>
-          <p:cNvPr id="60" name="PlaceHolder 1"/>
+          <p:cNvPr id="54" name="PlaceHolder 1"/>
           <p:cNvSpPr>
             <a:spLocks noGrp="1"/>
           </p:cNvSpPr>
@@ -1044,8 +985,8 @@
         </p:nvSpPr>
         <p:spPr>
           <a:xfrm>
-            <a:off x="1371600" y="685800"/>
-            <a:ext cx="9600840" cy="1485720"/>
+            <a:off x="609480" y="273600"/>
+            <a:ext cx="10972440" cy="1144800"/>
           </a:xfrm>
           <a:prstGeom prst="rect">
             <a:avLst/>
@@ -1054,18 +995,16 @@
         <p:txBody>
           <a:bodyPr lIns="0" rIns="0" tIns="0" bIns="0" anchor="ctr"/>
           <a:p>
-            <a:endParaRPr b="0" lang="en-US" sz="1800" spc="-1" strike="noStrike">
-              <a:solidFill>
-                <a:srgbClr val="000000"/>
-              </a:solidFill>
-              <a:latin typeface="Franklin Gothic Book"/>
-            </a:endParaRPr>
-          </a:p>
-        </p:txBody>
-      </p:sp>
-      <p:sp>
-        <p:nvSpPr>
-          <p:cNvPr id="61" name="PlaceHolder 2"/>
+            <a:pPr algn="ctr"/>
+            <a:endParaRPr b="0" lang="es-ES" sz="4400" spc="-1" strike="noStrike">
+              <a:latin typeface="Arial"/>
+            </a:endParaRPr>
+          </a:p>
+        </p:txBody>
+      </p:sp>
+      <p:sp>
+        <p:nvSpPr>
+          <p:cNvPr id="55" name="PlaceHolder 2"/>
           <p:cNvSpPr>
             <a:spLocks noGrp="1"/>
           </p:cNvSpPr>
@@ -1075,8 +1014,8 @@
         </p:nvSpPr>
         <p:spPr>
           <a:xfrm>
-            <a:off x="1371600" y="2286000"/>
-            <a:ext cx="4685040" cy="1707840"/>
+            <a:off x="609480" y="1604520"/>
+            <a:ext cx="5354280" cy="1896840"/>
           </a:xfrm>
           <a:prstGeom prst="rect">
             <a:avLst/>
@@ -1087,18 +1026,15 @@
             <a:normAutofit/>
           </a:bodyPr>
           <a:p>
-            <a:endParaRPr b="0" lang="en-US" sz="2000" spc="-1" strike="noStrike">
-              <a:solidFill>
-                <a:srgbClr val="191b0e"/>
-              </a:solidFill>
-              <a:latin typeface="Franklin Gothic Book"/>
-            </a:endParaRPr>
-          </a:p>
-        </p:txBody>
-      </p:sp>
-      <p:sp>
-        <p:nvSpPr>
-          <p:cNvPr id="62" name="PlaceHolder 3"/>
+            <a:endParaRPr b="0" lang="es-ES" sz="3200" spc="-1" strike="noStrike">
+              <a:latin typeface="Arial"/>
+            </a:endParaRPr>
+          </a:p>
+        </p:txBody>
+      </p:sp>
+      <p:sp>
+        <p:nvSpPr>
+          <p:cNvPr id="56" name="PlaceHolder 3"/>
           <p:cNvSpPr>
             <a:spLocks noGrp="1"/>
           </p:cNvSpPr>
@@ -1108,8 +1044,8 @@
         </p:nvSpPr>
         <p:spPr>
           <a:xfrm>
-            <a:off x="6291360" y="2286000"/>
-            <a:ext cx="4685040" cy="3580920"/>
+            <a:off x="6231960" y="1604520"/>
+            <a:ext cx="5354280" cy="3977280"/>
           </a:xfrm>
           <a:prstGeom prst="rect">
             <a:avLst/>
@@ -1120,18 +1056,15 @@
             <a:normAutofit/>
           </a:bodyPr>
           <a:p>
-            <a:endParaRPr b="0" lang="en-US" sz="2000" spc="-1" strike="noStrike">
-              <a:solidFill>
-                <a:srgbClr val="191b0e"/>
-              </a:solidFill>
-              <a:latin typeface="Franklin Gothic Book"/>
-            </a:endParaRPr>
-          </a:p>
-        </p:txBody>
-      </p:sp>
-      <p:sp>
-        <p:nvSpPr>
-          <p:cNvPr id="63" name="PlaceHolder 4"/>
+            <a:endParaRPr b="0" lang="es-ES" sz="3200" spc="-1" strike="noStrike">
+              <a:latin typeface="Arial"/>
+            </a:endParaRPr>
+          </a:p>
+        </p:txBody>
+      </p:sp>
+      <p:sp>
+        <p:nvSpPr>
+          <p:cNvPr id="57" name="PlaceHolder 4"/>
           <p:cNvSpPr>
             <a:spLocks noGrp="1"/>
           </p:cNvSpPr>
@@ -1141,8 +1074,8 @@
         </p:nvSpPr>
         <p:spPr>
           <a:xfrm>
-            <a:off x="1371600" y="4156560"/>
-            <a:ext cx="4685040" cy="1707840"/>
+            <a:off x="609480" y="3682080"/>
+            <a:ext cx="5354280" cy="1896840"/>
           </a:xfrm>
           <a:prstGeom prst="rect">
             <a:avLst/>
@@ -1153,11 +1086,8 @@
             <a:normAutofit/>
           </a:bodyPr>
           <a:p>
-            <a:endParaRPr b="0" lang="en-US" sz="2000" spc="-1" strike="noStrike">
-              <a:solidFill>
-                <a:srgbClr val="191b0e"/>
-              </a:solidFill>
-              <a:latin typeface="Franklin Gothic Book"/>
+            <a:endParaRPr b="0" lang="es-ES" sz="3200" spc="-1" strike="noStrike">
+              <a:latin typeface="Arial"/>
             </a:endParaRPr>
           </a:p>
         </p:txBody>
@@ -1186,7 +1116,7 @@
       </p:grpSpPr>
       <p:sp>
         <p:nvSpPr>
-          <p:cNvPr id="9" name="PlaceHolder 1"/>
+          <p:cNvPr id="6" name="PlaceHolder 1"/>
           <p:cNvSpPr>
             <a:spLocks noGrp="1"/>
           </p:cNvSpPr>
@@ -1196,8 +1126,8 @@
         </p:nvSpPr>
         <p:spPr>
           <a:xfrm>
-            <a:off x="1371600" y="685800"/>
-            <a:ext cx="9600840" cy="1485720"/>
+            <a:off x="609480" y="273600"/>
+            <a:ext cx="10972440" cy="1144800"/>
           </a:xfrm>
           <a:prstGeom prst="rect">
             <a:avLst/>
@@ -1206,18 +1136,16 @@
         <p:txBody>
           <a:bodyPr lIns="0" rIns="0" tIns="0" bIns="0" anchor="ctr"/>
           <a:p>
-            <a:endParaRPr b="0" lang="en-US" sz="1800" spc="-1" strike="noStrike">
-              <a:solidFill>
-                <a:srgbClr val="000000"/>
-              </a:solidFill>
-              <a:latin typeface="Franklin Gothic Book"/>
-            </a:endParaRPr>
-          </a:p>
-        </p:txBody>
-      </p:sp>
-      <p:sp>
-        <p:nvSpPr>
-          <p:cNvPr id="10" name="PlaceHolder 2"/>
+            <a:pPr algn="ctr"/>
+            <a:endParaRPr b="0" lang="es-ES" sz="4400" spc="-1" strike="noStrike">
+              <a:latin typeface="Arial"/>
+            </a:endParaRPr>
+          </a:p>
+        </p:txBody>
+      </p:sp>
+      <p:sp>
+        <p:nvSpPr>
+          <p:cNvPr id="7" name="PlaceHolder 2"/>
           <p:cNvSpPr>
             <a:spLocks noGrp="1"/>
           </p:cNvSpPr>
@@ -1227,8 +1155,8 @@
         </p:nvSpPr>
         <p:spPr>
           <a:xfrm>
-            <a:off x="1371600" y="2286000"/>
-            <a:ext cx="9600840" cy="3580920"/>
+            <a:off x="609480" y="1604520"/>
+            <a:ext cx="10972440" cy="3977280"/>
           </a:xfrm>
           <a:prstGeom prst="rect">
             <a:avLst/>
@@ -1268,7 +1196,7 @@
       </p:grpSpPr>
       <p:sp>
         <p:nvSpPr>
-          <p:cNvPr id="64" name="PlaceHolder 1"/>
+          <p:cNvPr id="58" name="PlaceHolder 1"/>
           <p:cNvSpPr>
             <a:spLocks noGrp="1"/>
           </p:cNvSpPr>
@@ -1278,8 +1206,8 @@
         </p:nvSpPr>
         <p:spPr>
           <a:xfrm>
-            <a:off x="1371600" y="685800"/>
-            <a:ext cx="9600840" cy="1485720"/>
+            <a:off x="609480" y="273600"/>
+            <a:ext cx="10972440" cy="1144800"/>
           </a:xfrm>
           <a:prstGeom prst="rect">
             <a:avLst/>
@@ -1288,18 +1216,16 @@
         <p:txBody>
           <a:bodyPr lIns="0" rIns="0" tIns="0" bIns="0" anchor="ctr"/>
           <a:p>
-            <a:endParaRPr b="0" lang="en-US" sz="1800" spc="-1" strike="noStrike">
-              <a:solidFill>
-                <a:srgbClr val="000000"/>
-              </a:solidFill>
-              <a:latin typeface="Franklin Gothic Book"/>
-            </a:endParaRPr>
-          </a:p>
-        </p:txBody>
-      </p:sp>
-      <p:sp>
-        <p:nvSpPr>
-          <p:cNvPr id="65" name="PlaceHolder 2"/>
+            <a:pPr algn="ctr"/>
+            <a:endParaRPr b="0" lang="es-ES" sz="4400" spc="-1" strike="noStrike">
+              <a:latin typeface="Arial"/>
+            </a:endParaRPr>
+          </a:p>
+        </p:txBody>
+      </p:sp>
+      <p:sp>
+        <p:nvSpPr>
+          <p:cNvPr id="59" name="PlaceHolder 2"/>
           <p:cNvSpPr>
             <a:spLocks noGrp="1"/>
           </p:cNvSpPr>
@@ -1309,8 +1235,8 @@
         </p:nvSpPr>
         <p:spPr>
           <a:xfrm>
-            <a:off x="1371600" y="2286000"/>
-            <a:ext cx="4685040" cy="3580920"/>
+            <a:off x="609480" y="1604520"/>
+            <a:ext cx="5354280" cy="3977280"/>
           </a:xfrm>
           <a:prstGeom prst="rect">
             <a:avLst/>
@@ -1321,18 +1247,15 @@
             <a:normAutofit/>
           </a:bodyPr>
           <a:p>
-            <a:endParaRPr b="0" lang="en-US" sz="2000" spc="-1" strike="noStrike">
-              <a:solidFill>
-                <a:srgbClr val="191b0e"/>
-              </a:solidFill>
-              <a:latin typeface="Franklin Gothic Book"/>
-            </a:endParaRPr>
-          </a:p>
-        </p:txBody>
-      </p:sp>
-      <p:sp>
-        <p:nvSpPr>
-          <p:cNvPr id="66" name="PlaceHolder 3"/>
+            <a:endParaRPr b="0" lang="es-ES" sz="3200" spc="-1" strike="noStrike">
+              <a:latin typeface="Arial"/>
+            </a:endParaRPr>
+          </a:p>
+        </p:txBody>
+      </p:sp>
+      <p:sp>
+        <p:nvSpPr>
+          <p:cNvPr id="60" name="PlaceHolder 3"/>
           <p:cNvSpPr>
             <a:spLocks noGrp="1"/>
           </p:cNvSpPr>
@@ -1342,8 +1265,8 @@
         </p:nvSpPr>
         <p:spPr>
           <a:xfrm>
-            <a:off x="6291360" y="2286000"/>
-            <a:ext cx="4685040" cy="1707840"/>
+            <a:off x="6231960" y="1604520"/>
+            <a:ext cx="5354280" cy="1896840"/>
           </a:xfrm>
           <a:prstGeom prst="rect">
             <a:avLst/>
@@ -1354,18 +1277,15 @@
             <a:normAutofit/>
           </a:bodyPr>
           <a:p>
-            <a:endParaRPr b="0" lang="en-US" sz="2000" spc="-1" strike="noStrike">
-              <a:solidFill>
-                <a:srgbClr val="191b0e"/>
-              </a:solidFill>
-              <a:latin typeface="Franklin Gothic Book"/>
-            </a:endParaRPr>
-          </a:p>
-        </p:txBody>
-      </p:sp>
-      <p:sp>
-        <p:nvSpPr>
-          <p:cNvPr id="67" name="PlaceHolder 4"/>
+            <a:endParaRPr b="0" lang="es-ES" sz="3200" spc="-1" strike="noStrike">
+              <a:latin typeface="Arial"/>
+            </a:endParaRPr>
+          </a:p>
+        </p:txBody>
+      </p:sp>
+      <p:sp>
+        <p:nvSpPr>
+          <p:cNvPr id="61" name="PlaceHolder 4"/>
           <p:cNvSpPr>
             <a:spLocks noGrp="1"/>
           </p:cNvSpPr>
@@ -1375,8 +1295,8 @@
         </p:nvSpPr>
         <p:spPr>
           <a:xfrm>
-            <a:off x="6291360" y="4156560"/>
-            <a:ext cx="4685040" cy="1707840"/>
+            <a:off x="6231960" y="3682080"/>
+            <a:ext cx="5354280" cy="1896840"/>
           </a:xfrm>
           <a:prstGeom prst="rect">
             <a:avLst/>
@@ -1387,11 +1307,8 @@
             <a:normAutofit/>
           </a:bodyPr>
           <a:p>
-            <a:endParaRPr b="0" lang="en-US" sz="2000" spc="-1" strike="noStrike">
-              <a:solidFill>
-                <a:srgbClr val="191b0e"/>
-              </a:solidFill>
-              <a:latin typeface="Franklin Gothic Book"/>
+            <a:endParaRPr b="0" lang="es-ES" sz="3200" spc="-1" strike="noStrike">
+              <a:latin typeface="Arial"/>
             </a:endParaRPr>
           </a:p>
         </p:txBody>
@@ -1420,7 +1337,7 @@
       </p:grpSpPr>
       <p:sp>
         <p:nvSpPr>
-          <p:cNvPr id="68" name="PlaceHolder 1"/>
+          <p:cNvPr id="62" name="PlaceHolder 1"/>
           <p:cNvSpPr>
             <a:spLocks noGrp="1"/>
           </p:cNvSpPr>
@@ -1430,8 +1347,8 @@
         </p:nvSpPr>
         <p:spPr>
           <a:xfrm>
-            <a:off x="1371600" y="685800"/>
-            <a:ext cx="9600840" cy="1485720"/>
+            <a:off x="609480" y="273600"/>
+            <a:ext cx="10972440" cy="1144800"/>
           </a:xfrm>
           <a:prstGeom prst="rect">
             <a:avLst/>
@@ -1440,18 +1357,16 @@
         <p:txBody>
           <a:bodyPr lIns="0" rIns="0" tIns="0" bIns="0" anchor="ctr"/>
           <a:p>
-            <a:endParaRPr b="0" lang="en-US" sz="1800" spc="-1" strike="noStrike">
-              <a:solidFill>
-                <a:srgbClr val="000000"/>
-              </a:solidFill>
-              <a:latin typeface="Franklin Gothic Book"/>
-            </a:endParaRPr>
-          </a:p>
-        </p:txBody>
-      </p:sp>
-      <p:sp>
-        <p:nvSpPr>
-          <p:cNvPr id="69" name="PlaceHolder 2"/>
+            <a:pPr algn="ctr"/>
+            <a:endParaRPr b="0" lang="es-ES" sz="4400" spc="-1" strike="noStrike">
+              <a:latin typeface="Arial"/>
+            </a:endParaRPr>
+          </a:p>
+        </p:txBody>
+      </p:sp>
+      <p:sp>
+        <p:nvSpPr>
+          <p:cNvPr id="63" name="PlaceHolder 2"/>
           <p:cNvSpPr>
             <a:spLocks noGrp="1"/>
           </p:cNvSpPr>
@@ -1461,8 +1376,8 @@
         </p:nvSpPr>
         <p:spPr>
           <a:xfrm>
-            <a:off x="1371600" y="2286000"/>
-            <a:ext cx="4685040" cy="1707840"/>
+            <a:off x="609480" y="1604520"/>
+            <a:ext cx="5354280" cy="1896840"/>
           </a:xfrm>
           <a:prstGeom prst="rect">
             <a:avLst/>
@@ -1473,18 +1388,15 @@
             <a:normAutofit/>
           </a:bodyPr>
           <a:p>
-            <a:endParaRPr b="0" lang="en-US" sz="2000" spc="-1" strike="noStrike">
-              <a:solidFill>
-                <a:srgbClr val="191b0e"/>
-              </a:solidFill>
-              <a:latin typeface="Franklin Gothic Book"/>
-            </a:endParaRPr>
-          </a:p>
-        </p:txBody>
-      </p:sp>
-      <p:sp>
-        <p:nvSpPr>
-          <p:cNvPr id="70" name="PlaceHolder 3"/>
+            <a:endParaRPr b="0" lang="es-ES" sz="3200" spc="-1" strike="noStrike">
+              <a:latin typeface="Arial"/>
+            </a:endParaRPr>
+          </a:p>
+        </p:txBody>
+      </p:sp>
+      <p:sp>
+        <p:nvSpPr>
+          <p:cNvPr id="64" name="PlaceHolder 3"/>
           <p:cNvSpPr>
             <a:spLocks noGrp="1"/>
           </p:cNvSpPr>
@@ -1494,8 +1406,8 @@
         </p:nvSpPr>
         <p:spPr>
           <a:xfrm>
-            <a:off x="6291360" y="2286000"/>
-            <a:ext cx="4685040" cy="1707840"/>
+            <a:off x="6231960" y="1604520"/>
+            <a:ext cx="5354280" cy="1896840"/>
           </a:xfrm>
           <a:prstGeom prst="rect">
             <a:avLst/>
@@ -1506,18 +1418,15 @@
             <a:normAutofit/>
           </a:bodyPr>
           <a:p>
-            <a:endParaRPr b="0" lang="en-US" sz="2000" spc="-1" strike="noStrike">
-              <a:solidFill>
-                <a:srgbClr val="191b0e"/>
-              </a:solidFill>
-              <a:latin typeface="Franklin Gothic Book"/>
-            </a:endParaRPr>
-          </a:p>
-        </p:txBody>
-      </p:sp>
-      <p:sp>
-        <p:nvSpPr>
-          <p:cNvPr id="71" name="PlaceHolder 4"/>
+            <a:endParaRPr b="0" lang="es-ES" sz="3200" spc="-1" strike="noStrike">
+              <a:latin typeface="Arial"/>
+            </a:endParaRPr>
+          </a:p>
+        </p:txBody>
+      </p:sp>
+      <p:sp>
+        <p:nvSpPr>
+          <p:cNvPr id="65" name="PlaceHolder 4"/>
           <p:cNvSpPr>
             <a:spLocks noGrp="1"/>
           </p:cNvSpPr>
@@ -1527,8 +1436,8 @@
         </p:nvSpPr>
         <p:spPr>
           <a:xfrm>
-            <a:off x="1371600" y="4156560"/>
-            <a:ext cx="9600840" cy="1707840"/>
+            <a:off x="609480" y="3682080"/>
+            <a:ext cx="10972440" cy="1896840"/>
           </a:xfrm>
           <a:prstGeom prst="rect">
             <a:avLst/>
@@ -1539,11 +1448,8 @@
             <a:normAutofit/>
           </a:bodyPr>
           <a:p>
-            <a:endParaRPr b="0" lang="en-US" sz="2000" spc="-1" strike="noStrike">
-              <a:solidFill>
-                <a:srgbClr val="191b0e"/>
-              </a:solidFill>
-              <a:latin typeface="Franklin Gothic Book"/>
+            <a:endParaRPr b="0" lang="es-ES" sz="3200" spc="-1" strike="noStrike">
+              <a:latin typeface="Arial"/>
             </a:endParaRPr>
           </a:p>
         </p:txBody>
@@ -1572,7 +1478,7 @@
       </p:grpSpPr>
       <p:sp>
         <p:nvSpPr>
-          <p:cNvPr id="72" name="PlaceHolder 1"/>
+          <p:cNvPr id="66" name="PlaceHolder 1"/>
           <p:cNvSpPr>
             <a:spLocks noGrp="1"/>
           </p:cNvSpPr>
@@ -1582,8 +1488,8 @@
         </p:nvSpPr>
         <p:spPr>
           <a:xfrm>
-            <a:off x="1371600" y="685800"/>
-            <a:ext cx="9600840" cy="1485720"/>
+            <a:off x="609480" y="273600"/>
+            <a:ext cx="10972440" cy="1144800"/>
           </a:xfrm>
           <a:prstGeom prst="rect">
             <a:avLst/>
@@ -1592,18 +1498,16 @@
         <p:txBody>
           <a:bodyPr lIns="0" rIns="0" tIns="0" bIns="0" anchor="ctr"/>
           <a:p>
-            <a:endParaRPr b="0" lang="en-US" sz="1800" spc="-1" strike="noStrike">
-              <a:solidFill>
-                <a:srgbClr val="000000"/>
-              </a:solidFill>
-              <a:latin typeface="Franklin Gothic Book"/>
-            </a:endParaRPr>
-          </a:p>
-        </p:txBody>
-      </p:sp>
-      <p:sp>
-        <p:nvSpPr>
-          <p:cNvPr id="73" name="PlaceHolder 2"/>
+            <a:pPr algn="ctr"/>
+            <a:endParaRPr b="0" lang="es-ES" sz="4400" spc="-1" strike="noStrike">
+              <a:latin typeface="Arial"/>
+            </a:endParaRPr>
+          </a:p>
+        </p:txBody>
+      </p:sp>
+      <p:sp>
+        <p:nvSpPr>
+          <p:cNvPr id="67" name="PlaceHolder 2"/>
           <p:cNvSpPr>
             <a:spLocks noGrp="1"/>
           </p:cNvSpPr>
@@ -1613,8 +1517,8 @@
         </p:nvSpPr>
         <p:spPr>
           <a:xfrm>
-            <a:off x="1371600" y="2286000"/>
-            <a:ext cx="9600840" cy="1707840"/>
+            <a:off x="609480" y="1604520"/>
+            <a:ext cx="10972440" cy="1896840"/>
           </a:xfrm>
           <a:prstGeom prst="rect">
             <a:avLst/>
@@ -1625,18 +1529,15 @@
             <a:normAutofit/>
           </a:bodyPr>
           <a:p>
-            <a:endParaRPr b="0" lang="en-US" sz="2000" spc="-1" strike="noStrike">
-              <a:solidFill>
-                <a:srgbClr val="191b0e"/>
-              </a:solidFill>
-              <a:latin typeface="Franklin Gothic Book"/>
-            </a:endParaRPr>
-          </a:p>
-        </p:txBody>
-      </p:sp>
-      <p:sp>
-        <p:nvSpPr>
-          <p:cNvPr id="74" name="PlaceHolder 3"/>
+            <a:endParaRPr b="0" lang="es-ES" sz="3200" spc="-1" strike="noStrike">
+              <a:latin typeface="Arial"/>
+            </a:endParaRPr>
+          </a:p>
+        </p:txBody>
+      </p:sp>
+      <p:sp>
+        <p:nvSpPr>
+          <p:cNvPr id="68" name="PlaceHolder 3"/>
           <p:cNvSpPr>
             <a:spLocks noGrp="1"/>
           </p:cNvSpPr>
@@ -1646,8 +1547,8 @@
         </p:nvSpPr>
         <p:spPr>
           <a:xfrm>
-            <a:off x="1371600" y="4156560"/>
-            <a:ext cx="9600840" cy="1707840"/>
+            <a:off x="609480" y="3682080"/>
+            <a:ext cx="10972440" cy="1896840"/>
           </a:xfrm>
           <a:prstGeom prst="rect">
             <a:avLst/>
@@ -1658,11 +1559,8 @@
             <a:normAutofit/>
           </a:bodyPr>
           <a:p>
-            <a:endParaRPr b="0" lang="en-US" sz="2000" spc="-1" strike="noStrike">
-              <a:solidFill>
-                <a:srgbClr val="191b0e"/>
-              </a:solidFill>
-              <a:latin typeface="Franklin Gothic Book"/>
+            <a:endParaRPr b="0" lang="es-ES" sz="3200" spc="-1" strike="noStrike">
+              <a:latin typeface="Arial"/>
             </a:endParaRPr>
           </a:p>
         </p:txBody>
@@ -1691,7 +1589,7 @@
       </p:grpSpPr>
       <p:sp>
         <p:nvSpPr>
-          <p:cNvPr id="75" name="PlaceHolder 1"/>
+          <p:cNvPr id="69" name="PlaceHolder 1"/>
           <p:cNvSpPr>
             <a:spLocks noGrp="1"/>
           </p:cNvSpPr>
@@ -1701,8 +1599,8 @@
         </p:nvSpPr>
         <p:spPr>
           <a:xfrm>
-            <a:off x="1371600" y="685800"/>
-            <a:ext cx="9600840" cy="1485720"/>
+            <a:off x="609480" y="273600"/>
+            <a:ext cx="10972440" cy="1144800"/>
           </a:xfrm>
           <a:prstGeom prst="rect">
             <a:avLst/>
@@ -1711,18 +1609,16 @@
         <p:txBody>
           <a:bodyPr lIns="0" rIns="0" tIns="0" bIns="0" anchor="ctr"/>
           <a:p>
-            <a:endParaRPr b="0" lang="en-US" sz="1800" spc="-1" strike="noStrike">
-              <a:solidFill>
-                <a:srgbClr val="000000"/>
-              </a:solidFill>
-              <a:latin typeface="Franklin Gothic Book"/>
-            </a:endParaRPr>
-          </a:p>
-        </p:txBody>
-      </p:sp>
-      <p:sp>
-        <p:nvSpPr>
-          <p:cNvPr id="76" name="PlaceHolder 2"/>
+            <a:pPr algn="ctr"/>
+            <a:endParaRPr b="0" lang="es-ES" sz="4400" spc="-1" strike="noStrike">
+              <a:latin typeface="Arial"/>
+            </a:endParaRPr>
+          </a:p>
+        </p:txBody>
+      </p:sp>
+      <p:sp>
+        <p:nvSpPr>
+          <p:cNvPr id="70" name="PlaceHolder 2"/>
           <p:cNvSpPr>
             <a:spLocks noGrp="1"/>
           </p:cNvSpPr>
@@ -1732,8 +1628,8 @@
         </p:nvSpPr>
         <p:spPr>
           <a:xfrm>
-            <a:off x="1371600" y="2286000"/>
-            <a:ext cx="4685040" cy="1707840"/>
+            <a:off x="609480" y="1604520"/>
+            <a:ext cx="5354280" cy="1896840"/>
           </a:xfrm>
           <a:prstGeom prst="rect">
             <a:avLst/>
@@ -1744,18 +1640,15 @@
             <a:normAutofit/>
           </a:bodyPr>
           <a:p>
-            <a:endParaRPr b="0" lang="en-US" sz="2000" spc="-1" strike="noStrike">
-              <a:solidFill>
-                <a:srgbClr val="191b0e"/>
-              </a:solidFill>
-              <a:latin typeface="Franklin Gothic Book"/>
-            </a:endParaRPr>
-          </a:p>
-        </p:txBody>
-      </p:sp>
-      <p:sp>
-        <p:nvSpPr>
-          <p:cNvPr id="77" name="PlaceHolder 3"/>
+            <a:endParaRPr b="0" lang="es-ES" sz="3200" spc="-1" strike="noStrike">
+              <a:latin typeface="Arial"/>
+            </a:endParaRPr>
+          </a:p>
+        </p:txBody>
+      </p:sp>
+      <p:sp>
+        <p:nvSpPr>
+          <p:cNvPr id="71" name="PlaceHolder 3"/>
           <p:cNvSpPr>
             <a:spLocks noGrp="1"/>
           </p:cNvSpPr>
@@ -1765,8 +1658,8 @@
         </p:nvSpPr>
         <p:spPr>
           <a:xfrm>
-            <a:off x="6291360" y="2286000"/>
-            <a:ext cx="4685040" cy="1707840"/>
+            <a:off x="6231960" y="1604520"/>
+            <a:ext cx="5354280" cy="1896840"/>
           </a:xfrm>
           <a:prstGeom prst="rect">
             <a:avLst/>
@@ -1777,18 +1670,15 @@
             <a:normAutofit/>
           </a:bodyPr>
           <a:p>
-            <a:endParaRPr b="0" lang="en-US" sz="2000" spc="-1" strike="noStrike">
-              <a:solidFill>
-                <a:srgbClr val="191b0e"/>
-              </a:solidFill>
-              <a:latin typeface="Franklin Gothic Book"/>
-            </a:endParaRPr>
-          </a:p>
-        </p:txBody>
-      </p:sp>
-      <p:sp>
-        <p:nvSpPr>
-          <p:cNvPr id="78" name="PlaceHolder 4"/>
+            <a:endParaRPr b="0" lang="es-ES" sz="3200" spc="-1" strike="noStrike">
+              <a:latin typeface="Arial"/>
+            </a:endParaRPr>
+          </a:p>
+        </p:txBody>
+      </p:sp>
+      <p:sp>
+        <p:nvSpPr>
+          <p:cNvPr id="72" name="PlaceHolder 4"/>
           <p:cNvSpPr>
             <a:spLocks noGrp="1"/>
           </p:cNvSpPr>
@@ -1798,8 +1688,8 @@
         </p:nvSpPr>
         <p:spPr>
           <a:xfrm>
-            <a:off x="1371600" y="4156560"/>
-            <a:ext cx="4685040" cy="1707840"/>
+            <a:off x="609480" y="3682080"/>
+            <a:ext cx="5354280" cy="1896840"/>
           </a:xfrm>
           <a:prstGeom prst="rect">
             <a:avLst/>
@@ -1810,18 +1700,15 @@
             <a:normAutofit/>
           </a:bodyPr>
           <a:p>
-            <a:endParaRPr b="0" lang="en-US" sz="2000" spc="-1" strike="noStrike">
-              <a:solidFill>
-                <a:srgbClr val="191b0e"/>
-              </a:solidFill>
-              <a:latin typeface="Franklin Gothic Book"/>
-            </a:endParaRPr>
-          </a:p>
-        </p:txBody>
-      </p:sp>
-      <p:sp>
-        <p:nvSpPr>
-          <p:cNvPr id="79" name="PlaceHolder 5"/>
+            <a:endParaRPr b="0" lang="es-ES" sz="3200" spc="-1" strike="noStrike">
+              <a:latin typeface="Arial"/>
+            </a:endParaRPr>
+          </a:p>
+        </p:txBody>
+      </p:sp>
+      <p:sp>
+        <p:nvSpPr>
+          <p:cNvPr id="73" name="PlaceHolder 5"/>
           <p:cNvSpPr>
             <a:spLocks noGrp="1"/>
           </p:cNvSpPr>
@@ -1831,8 +1718,8 @@
         </p:nvSpPr>
         <p:spPr>
           <a:xfrm>
-            <a:off x="6291360" y="4156560"/>
-            <a:ext cx="4685040" cy="1707840"/>
+            <a:off x="6231960" y="3682080"/>
+            <a:ext cx="5354280" cy="1896840"/>
           </a:xfrm>
           <a:prstGeom prst="rect">
             <a:avLst/>
@@ -1843,11 +1730,8 @@
             <a:normAutofit/>
           </a:bodyPr>
           <a:p>
-            <a:endParaRPr b="0" lang="en-US" sz="2000" spc="-1" strike="noStrike">
-              <a:solidFill>
-                <a:srgbClr val="191b0e"/>
-              </a:solidFill>
-              <a:latin typeface="Franklin Gothic Book"/>
+            <a:endParaRPr b="0" lang="es-ES" sz="3200" spc="-1" strike="noStrike">
+              <a:latin typeface="Arial"/>
             </a:endParaRPr>
           </a:p>
         </p:txBody>
@@ -1876,7 +1760,7 @@
       </p:grpSpPr>
       <p:sp>
         <p:nvSpPr>
-          <p:cNvPr id="80" name="PlaceHolder 1"/>
+          <p:cNvPr id="74" name="PlaceHolder 1"/>
           <p:cNvSpPr>
             <a:spLocks noGrp="1"/>
           </p:cNvSpPr>
@@ -1886,8 +1770,8 @@
         </p:nvSpPr>
         <p:spPr>
           <a:xfrm>
-            <a:off x="1371600" y="685800"/>
-            <a:ext cx="9600840" cy="1485720"/>
+            <a:off x="609480" y="273600"/>
+            <a:ext cx="10972440" cy="1144800"/>
           </a:xfrm>
           <a:prstGeom prst="rect">
             <a:avLst/>
@@ -1896,18 +1780,16 @@
         <p:txBody>
           <a:bodyPr lIns="0" rIns="0" tIns="0" bIns="0" anchor="ctr"/>
           <a:p>
-            <a:endParaRPr b="0" lang="en-US" sz="1800" spc="-1" strike="noStrike">
-              <a:solidFill>
-                <a:srgbClr val="000000"/>
-              </a:solidFill>
-              <a:latin typeface="Franklin Gothic Book"/>
-            </a:endParaRPr>
-          </a:p>
-        </p:txBody>
-      </p:sp>
-      <p:sp>
-        <p:nvSpPr>
-          <p:cNvPr id="81" name="PlaceHolder 2"/>
+            <a:pPr algn="ctr"/>
+            <a:endParaRPr b="0" lang="es-ES" sz="4400" spc="-1" strike="noStrike">
+              <a:latin typeface="Arial"/>
+            </a:endParaRPr>
+          </a:p>
+        </p:txBody>
+      </p:sp>
+      <p:sp>
+        <p:nvSpPr>
+          <p:cNvPr id="75" name="PlaceHolder 2"/>
           <p:cNvSpPr>
             <a:spLocks noGrp="1"/>
           </p:cNvSpPr>
@@ -1917,8 +1799,8 @@
         </p:nvSpPr>
         <p:spPr>
           <a:xfrm>
-            <a:off x="1371600" y="2286000"/>
-            <a:ext cx="3091320" cy="1707840"/>
+            <a:off x="609480" y="1604520"/>
+            <a:ext cx="3533040" cy="1896840"/>
           </a:xfrm>
           <a:prstGeom prst="rect">
             <a:avLst/>
@@ -1929,18 +1811,15 @@
             <a:normAutofit/>
           </a:bodyPr>
           <a:p>
-            <a:endParaRPr b="0" lang="en-US" sz="2000" spc="-1" strike="noStrike">
-              <a:solidFill>
-                <a:srgbClr val="191b0e"/>
-              </a:solidFill>
-              <a:latin typeface="Franklin Gothic Book"/>
-            </a:endParaRPr>
-          </a:p>
-        </p:txBody>
-      </p:sp>
-      <p:sp>
-        <p:nvSpPr>
-          <p:cNvPr id="82" name="PlaceHolder 3"/>
+            <a:endParaRPr b="0" lang="es-ES" sz="3200" spc="-1" strike="noStrike">
+              <a:latin typeface="Arial"/>
+            </a:endParaRPr>
+          </a:p>
+        </p:txBody>
+      </p:sp>
+      <p:sp>
+        <p:nvSpPr>
+          <p:cNvPr id="76" name="PlaceHolder 3"/>
           <p:cNvSpPr>
             <a:spLocks noGrp="1"/>
           </p:cNvSpPr>
@@ -1950,8 +1829,8 @@
         </p:nvSpPr>
         <p:spPr>
           <a:xfrm>
-            <a:off x="4617720" y="2286000"/>
-            <a:ext cx="3091320" cy="1707840"/>
+            <a:off x="4319640" y="1604520"/>
+            <a:ext cx="3533040" cy="1896840"/>
           </a:xfrm>
           <a:prstGeom prst="rect">
             <a:avLst/>
@@ -1962,18 +1841,15 @@
             <a:normAutofit/>
           </a:bodyPr>
           <a:p>
-            <a:endParaRPr b="0" lang="en-US" sz="2000" spc="-1" strike="noStrike">
-              <a:solidFill>
-                <a:srgbClr val="191b0e"/>
-              </a:solidFill>
-              <a:latin typeface="Franklin Gothic Book"/>
-            </a:endParaRPr>
-          </a:p>
-        </p:txBody>
-      </p:sp>
-      <p:sp>
-        <p:nvSpPr>
-          <p:cNvPr id="83" name="PlaceHolder 4"/>
+            <a:endParaRPr b="0" lang="es-ES" sz="3200" spc="-1" strike="noStrike">
+              <a:latin typeface="Arial"/>
+            </a:endParaRPr>
+          </a:p>
+        </p:txBody>
+      </p:sp>
+      <p:sp>
+        <p:nvSpPr>
+          <p:cNvPr id="77" name="PlaceHolder 4"/>
           <p:cNvSpPr>
             <a:spLocks noGrp="1"/>
           </p:cNvSpPr>
@@ -1983,8 +1859,8 @@
         </p:nvSpPr>
         <p:spPr>
           <a:xfrm>
-            <a:off x="7864200" y="2286000"/>
-            <a:ext cx="3091320" cy="1707840"/>
+            <a:off x="8029800" y="1604520"/>
+            <a:ext cx="3533040" cy="1896840"/>
           </a:xfrm>
           <a:prstGeom prst="rect">
             <a:avLst/>
@@ -1995,18 +1871,15 @@
             <a:normAutofit/>
           </a:bodyPr>
           <a:p>
-            <a:endParaRPr b="0" lang="en-US" sz="2000" spc="-1" strike="noStrike">
-              <a:solidFill>
-                <a:srgbClr val="191b0e"/>
-              </a:solidFill>
-              <a:latin typeface="Franklin Gothic Book"/>
-            </a:endParaRPr>
-          </a:p>
-        </p:txBody>
-      </p:sp>
-      <p:sp>
-        <p:nvSpPr>
-          <p:cNvPr id="84" name="PlaceHolder 5"/>
+            <a:endParaRPr b="0" lang="es-ES" sz="3200" spc="-1" strike="noStrike">
+              <a:latin typeface="Arial"/>
+            </a:endParaRPr>
+          </a:p>
+        </p:txBody>
+      </p:sp>
+      <p:sp>
+        <p:nvSpPr>
+          <p:cNvPr id="78" name="PlaceHolder 5"/>
           <p:cNvSpPr>
             <a:spLocks noGrp="1"/>
           </p:cNvSpPr>
@@ -2016,8 +1889,8 @@
         </p:nvSpPr>
         <p:spPr>
           <a:xfrm>
-            <a:off x="1371600" y="4156560"/>
-            <a:ext cx="3091320" cy="1707840"/>
+            <a:off x="609480" y="3682080"/>
+            <a:ext cx="3533040" cy="1896840"/>
           </a:xfrm>
           <a:prstGeom prst="rect">
             <a:avLst/>
@@ -2028,18 +1901,15 @@
             <a:normAutofit/>
           </a:bodyPr>
           <a:p>
-            <a:endParaRPr b="0" lang="en-US" sz="2000" spc="-1" strike="noStrike">
-              <a:solidFill>
-                <a:srgbClr val="191b0e"/>
-              </a:solidFill>
-              <a:latin typeface="Franklin Gothic Book"/>
-            </a:endParaRPr>
-          </a:p>
-        </p:txBody>
-      </p:sp>
-      <p:sp>
-        <p:nvSpPr>
-          <p:cNvPr id="85" name="PlaceHolder 6"/>
+            <a:endParaRPr b="0" lang="es-ES" sz="3200" spc="-1" strike="noStrike">
+              <a:latin typeface="Arial"/>
+            </a:endParaRPr>
+          </a:p>
+        </p:txBody>
+      </p:sp>
+      <p:sp>
+        <p:nvSpPr>
+          <p:cNvPr id="79" name="PlaceHolder 6"/>
           <p:cNvSpPr>
             <a:spLocks noGrp="1"/>
           </p:cNvSpPr>
@@ -2049,8 +1919,8 @@
         </p:nvSpPr>
         <p:spPr>
           <a:xfrm>
-            <a:off x="4617720" y="4156560"/>
-            <a:ext cx="3091320" cy="1707840"/>
+            <a:off x="4319640" y="3682080"/>
+            <a:ext cx="3533040" cy="1896840"/>
           </a:xfrm>
           <a:prstGeom prst="rect">
             <a:avLst/>
@@ -2061,18 +1931,15 @@
             <a:normAutofit/>
           </a:bodyPr>
           <a:p>
-            <a:endParaRPr b="0" lang="en-US" sz="2000" spc="-1" strike="noStrike">
-              <a:solidFill>
-                <a:srgbClr val="191b0e"/>
-              </a:solidFill>
-              <a:latin typeface="Franklin Gothic Book"/>
-            </a:endParaRPr>
-          </a:p>
-        </p:txBody>
-      </p:sp>
-      <p:sp>
-        <p:nvSpPr>
-          <p:cNvPr id="86" name="PlaceHolder 7"/>
+            <a:endParaRPr b="0" lang="es-ES" sz="3200" spc="-1" strike="noStrike">
+              <a:latin typeface="Arial"/>
+            </a:endParaRPr>
+          </a:p>
+        </p:txBody>
+      </p:sp>
+      <p:sp>
+        <p:nvSpPr>
+          <p:cNvPr id="80" name="PlaceHolder 7"/>
           <p:cNvSpPr>
             <a:spLocks noGrp="1"/>
           </p:cNvSpPr>
@@ -2082,8 +1949,8 @@
         </p:nvSpPr>
         <p:spPr>
           <a:xfrm>
-            <a:off x="7864200" y="4156560"/>
-            <a:ext cx="3091320" cy="1707840"/>
+            <a:off x="8029800" y="3682080"/>
+            <a:ext cx="3533040" cy="1896840"/>
           </a:xfrm>
           <a:prstGeom prst="rect">
             <a:avLst/>
@@ -2094,11 +1961,8 @@
             <a:normAutofit/>
           </a:bodyPr>
           <a:p>
-            <a:endParaRPr b="0" lang="en-US" sz="2000" spc="-1" strike="noStrike">
-              <a:solidFill>
-                <a:srgbClr val="191b0e"/>
-              </a:solidFill>
-              <a:latin typeface="Franklin Gothic Book"/>
+            <a:endParaRPr b="0" lang="es-ES" sz="3200" spc="-1" strike="noStrike">
+              <a:latin typeface="Arial"/>
             </a:endParaRPr>
           </a:p>
         </p:txBody>
@@ -2127,7 +1991,7 @@
       </p:grpSpPr>
       <p:sp>
         <p:nvSpPr>
-          <p:cNvPr id="11" name="PlaceHolder 1"/>
+          <p:cNvPr id="8" name="PlaceHolder 1"/>
           <p:cNvSpPr>
             <a:spLocks noGrp="1"/>
           </p:cNvSpPr>
@@ -2137,8 +2001,8 @@
         </p:nvSpPr>
         <p:spPr>
           <a:xfrm>
-            <a:off x="1371600" y="685800"/>
-            <a:ext cx="9600840" cy="1485720"/>
+            <a:off x="609480" y="273600"/>
+            <a:ext cx="10972440" cy="1144800"/>
           </a:xfrm>
           <a:prstGeom prst="rect">
             <a:avLst/>
@@ -2147,18 +2011,16 @@
         <p:txBody>
           <a:bodyPr lIns="0" rIns="0" tIns="0" bIns="0" anchor="ctr"/>
           <a:p>
-            <a:endParaRPr b="0" lang="en-US" sz="1800" spc="-1" strike="noStrike">
-              <a:solidFill>
-                <a:srgbClr val="000000"/>
-              </a:solidFill>
-              <a:latin typeface="Franklin Gothic Book"/>
-            </a:endParaRPr>
-          </a:p>
-        </p:txBody>
-      </p:sp>
-      <p:sp>
-        <p:nvSpPr>
-          <p:cNvPr id="12" name="PlaceHolder 2"/>
+            <a:pPr algn="ctr"/>
+            <a:endParaRPr b="0" lang="es-ES" sz="4400" spc="-1" strike="noStrike">
+              <a:latin typeface="Arial"/>
+            </a:endParaRPr>
+          </a:p>
+        </p:txBody>
+      </p:sp>
+      <p:sp>
+        <p:nvSpPr>
+          <p:cNvPr id="9" name="PlaceHolder 2"/>
           <p:cNvSpPr>
             <a:spLocks noGrp="1"/>
           </p:cNvSpPr>
@@ -2168,8 +2030,8 @@
         </p:nvSpPr>
         <p:spPr>
           <a:xfrm>
-            <a:off x="1371600" y="2286000"/>
-            <a:ext cx="9600840" cy="3580920"/>
+            <a:off x="609480" y="1604520"/>
+            <a:ext cx="10972440" cy="3977280"/>
           </a:xfrm>
           <a:prstGeom prst="rect">
             <a:avLst/>
@@ -2180,11 +2042,8 @@
             <a:normAutofit/>
           </a:bodyPr>
           <a:p>
-            <a:endParaRPr b="0" lang="en-US" sz="2000" spc="-1" strike="noStrike">
-              <a:solidFill>
-                <a:srgbClr val="191b0e"/>
-              </a:solidFill>
-              <a:latin typeface="Franklin Gothic Book"/>
+            <a:endParaRPr b="0" lang="es-ES" sz="3200" spc="-1" strike="noStrike">
+              <a:latin typeface="Arial"/>
             </a:endParaRPr>
           </a:p>
         </p:txBody>
@@ -2213,7 +2072,7 @@
       </p:grpSpPr>
       <p:sp>
         <p:nvSpPr>
-          <p:cNvPr id="13" name="PlaceHolder 1"/>
+          <p:cNvPr id="10" name="PlaceHolder 1"/>
           <p:cNvSpPr>
             <a:spLocks noGrp="1"/>
           </p:cNvSpPr>
@@ -2223,8 +2082,8 @@
         </p:nvSpPr>
         <p:spPr>
           <a:xfrm>
-            <a:off x="1371600" y="685800"/>
-            <a:ext cx="9600840" cy="1485720"/>
+            <a:off x="609480" y="273600"/>
+            <a:ext cx="10972440" cy="1144800"/>
           </a:xfrm>
           <a:prstGeom prst="rect">
             <a:avLst/>
@@ -2233,18 +2092,16 @@
         <p:txBody>
           <a:bodyPr lIns="0" rIns="0" tIns="0" bIns="0" anchor="ctr"/>
           <a:p>
-            <a:endParaRPr b="0" lang="en-US" sz="1800" spc="-1" strike="noStrike">
-              <a:solidFill>
-                <a:srgbClr val="000000"/>
-              </a:solidFill>
-              <a:latin typeface="Franklin Gothic Book"/>
-            </a:endParaRPr>
-          </a:p>
-        </p:txBody>
-      </p:sp>
-      <p:sp>
-        <p:nvSpPr>
-          <p:cNvPr id="14" name="PlaceHolder 2"/>
+            <a:pPr algn="ctr"/>
+            <a:endParaRPr b="0" lang="es-ES" sz="4400" spc="-1" strike="noStrike">
+              <a:latin typeface="Arial"/>
+            </a:endParaRPr>
+          </a:p>
+        </p:txBody>
+      </p:sp>
+      <p:sp>
+        <p:nvSpPr>
+          <p:cNvPr id="11" name="PlaceHolder 2"/>
           <p:cNvSpPr>
             <a:spLocks noGrp="1"/>
           </p:cNvSpPr>
@@ -2254,8 +2111,8 @@
         </p:nvSpPr>
         <p:spPr>
           <a:xfrm>
-            <a:off x="1371600" y="2286000"/>
-            <a:ext cx="4685040" cy="3580920"/>
+            <a:off x="609480" y="1604520"/>
+            <a:ext cx="5354280" cy="3977280"/>
           </a:xfrm>
           <a:prstGeom prst="rect">
             <a:avLst/>
@@ -2266,18 +2123,15 @@
             <a:normAutofit/>
           </a:bodyPr>
           <a:p>
-            <a:endParaRPr b="0" lang="en-US" sz="2000" spc="-1" strike="noStrike">
-              <a:solidFill>
-                <a:srgbClr val="191b0e"/>
-              </a:solidFill>
-              <a:latin typeface="Franklin Gothic Book"/>
-            </a:endParaRPr>
-          </a:p>
-        </p:txBody>
-      </p:sp>
-      <p:sp>
-        <p:nvSpPr>
-          <p:cNvPr id="15" name="PlaceHolder 3"/>
+            <a:endParaRPr b="0" lang="es-ES" sz="3200" spc="-1" strike="noStrike">
+              <a:latin typeface="Arial"/>
+            </a:endParaRPr>
+          </a:p>
+        </p:txBody>
+      </p:sp>
+      <p:sp>
+        <p:nvSpPr>
+          <p:cNvPr id="12" name="PlaceHolder 3"/>
           <p:cNvSpPr>
             <a:spLocks noGrp="1"/>
           </p:cNvSpPr>
@@ -2287,8 +2141,8 @@
         </p:nvSpPr>
         <p:spPr>
           <a:xfrm>
-            <a:off x="6291360" y="2286000"/>
-            <a:ext cx="4685040" cy="3580920"/>
+            <a:off x="6231960" y="1604520"/>
+            <a:ext cx="5354280" cy="3977280"/>
           </a:xfrm>
           <a:prstGeom prst="rect">
             <a:avLst/>
@@ -2299,11 +2153,8 @@
             <a:normAutofit/>
           </a:bodyPr>
           <a:p>
-            <a:endParaRPr b="0" lang="en-US" sz="2000" spc="-1" strike="noStrike">
-              <a:solidFill>
-                <a:srgbClr val="191b0e"/>
-              </a:solidFill>
-              <a:latin typeface="Franklin Gothic Book"/>
+            <a:endParaRPr b="0" lang="es-ES" sz="3200" spc="-1" strike="noStrike">
+              <a:latin typeface="Arial"/>
             </a:endParaRPr>
           </a:p>
         </p:txBody>
@@ -2332,7 +2183,7 @@
       </p:grpSpPr>
       <p:sp>
         <p:nvSpPr>
-          <p:cNvPr id="16" name="PlaceHolder 1"/>
+          <p:cNvPr id="13" name="PlaceHolder 1"/>
           <p:cNvSpPr>
             <a:spLocks noGrp="1"/>
           </p:cNvSpPr>
@@ -2342,8 +2193,8 @@
         </p:nvSpPr>
         <p:spPr>
           <a:xfrm>
-            <a:off x="1371600" y="685800"/>
-            <a:ext cx="9600840" cy="1485720"/>
+            <a:off x="609480" y="273600"/>
+            <a:ext cx="10972440" cy="1144800"/>
           </a:xfrm>
           <a:prstGeom prst="rect">
             <a:avLst/>
@@ -2352,11 +2203,9 @@
         <p:txBody>
           <a:bodyPr lIns="0" rIns="0" tIns="0" bIns="0" anchor="ctr"/>
           <a:p>
-            <a:endParaRPr b="0" lang="en-US" sz="1800" spc="-1" strike="noStrike">
-              <a:solidFill>
-                <a:srgbClr val="000000"/>
-              </a:solidFill>
-              <a:latin typeface="Franklin Gothic Book"/>
+            <a:pPr algn="ctr"/>
+            <a:endParaRPr b="0" lang="es-ES" sz="4400" spc="-1" strike="noStrike">
+              <a:latin typeface="Arial"/>
             </a:endParaRPr>
           </a:p>
         </p:txBody>
@@ -2385,7 +2234,7 @@
       </p:grpSpPr>
       <p:sp>
         <p:nvSpPr>
-          <p:cNvPr id="17" name="PlaceHolder 1"/>
+          <p:cNvPr id="14" name="PlaceHolder 1"/>
           <p:cNvSpPr>
             <a:spLocks noGrp="1"/>
           </p:cNvSpPr>
@@ -2395,8 +2244,8 @@
         </p:nvSpPr>
         <p:spPr>
           <a:xfrm>
-            <a:off x="1371600" y="685800"/>
-            <a:ext cx="9600840" cy="6888240"/>
+            <a:off x="609480" y="273600"/>
+            <a:ext cx="10972440" cy="5307840"/>
           </a:xfrm>
           <a:prstGeom prst="rect">
             <a:avLst/>
@@ -2436,7 +2285,7 @@
       </p:grpSpPr>
       <p:sp>
         <p:nvSpPr>
-          <p:cNvPr id="18" name="PlaceHolder 1"/>
+          <p:cNvPr id="15" name="PlaceHolder 1"/>
           <p:cNvSpPr>
             <a:spLocks noGrp="1"/>
           </p:cNvSpPr>
@@ -2446,8 +2295,8 @@
         </p:nvSpPr>
         <p:spPr>
           <a:xfrm>
-            <a:off x="1371600" y="685800"/>
-            <a:ext cx="9600840" cy="1485720"/>
+            <a:off x="609480" y="273600"/>
+            <a:ext cx="10972440" cy="1144800"/>
           </a:xfrm>
           <a:prstGeom prst="rect">
             <a:avLst/>
@@ -2456,18 +2305,16 @@
         <p:txBody>
           <a:bodyPr lIns="0" rIns="0" tIns="0" bIns="0" anchor="ctr"/>
           <a:p>
-            <a:endParaRPr b="0" lang="en-US" sz="1800" spc="-1" strike="noStrike">
-              <a:solidFill>
-                <a:srgbClr val="000000"/>
-              </a:solidFill>
-              <a:latin typeface="Franklin Gothic Book"/>
-            </a:endParaRPr>
-          </a:p>
-        </p:txBody>
-      </p:sp>
-      <p:sp>
-        <p:nvSpPr>
-          <p:cNvPr id="19" name="PlaceHolder 2"/>
+            <a:pPr algn="ctr"/>
+            <a:endParaRPr b="0" lang="es-ES" sz="4400" spc="-1" strike="noStrike">
+              <a:latin typeface="Arial"/>
+            </a:endParaRPr>
+          </a:p>
+        </p:txBody>
+      </p:sp>
+      <p:sp>
+        <p:nvSpPr>
+          <p:cNvPr id="16" name="PlaceHolder 2"/>
           <p:cNvSpPr>
             <a:spLocks noGrp="1"/>
           </p:cNvSpPr>
@@ -2477,8 +2324,8 @@
         </p:nvSpPr>
         <p:spPr>
           <a:xfrm>
-            <a:off x="1371600" y="2286000"/>
-            <a:ext cx="4685040" cy="1707840"/>
+            <a:off x="609480" y="1604520"/>
+            <a:ext cx="5354280" cy="1896840"/>
           </a:xfrm>
           <a:prstGeom prst="rect">
             <a:avLst/>
@@ -2489,18 +2336,15 @@
             <a:normAutofit/>
           </a:bodyPr>
           <a:p>
-            <a:endParaRPr b="0" lang="en-US" sz="2000" spc="-1" strike="noStrike">
-              <a:solidFill>
-                <a:srgbClr val="191b0e"/>
-              </a:solidFill>
-              <a:latin typeface="Franklin Gothic Book"/>
-            </a:endParaRPr>
-          </a:p>
-        </p:txBody>
-      </p:sp>
-      <p:sp>
-        <p:nvSpPr>
-          <p:cNvPr id="20" name="PlaceHolder 3"/>
+            <a:endParaRPr b="0" lang="es-ES" sz="3200" spc="-1" strike="noStrike">
+              <a:latin typeface="Arial"/>
+            </a:endParaRPr>
+          </a:p>
+        </p:txBody>
+      </p:sp>
+      <p:sp>
+        <p:nvSpPr>
+          <p:cNvPr id="17" name="PlaceHolder 3"/>
           <p:cNvSpPr>
             <a:spLocks noGrp="1"/>
           </p:cNvSpPr>
@@ -2510,8 +2354,8 @@
         </p:nvSpPr>
         <p:spPr>
           <a:xfrm>
-            <a:off x="6291360" y="2286000"/>
-            <a:ext cx="4685040" cy="3580920"/>
+            <a:off x="6231960" y="1604520"/>
+            <a:ext cx="5354280" cy="3977280"/>
           </a:xfrm>
           <a:prstGeom prst="rect">
             <a:avLst/>
@@ -2522,18 +2366,15 @@
             <a:normAutofit/>
           </a:bodyPr>
           <a:p>
-            <a:endParaRPr b="0" lang="en-US" sz="2000" spc="-1" strike="noStrike">
-              <a:solidFill>
-                <a:srgbClr val="191b0e"/>
-              </a:solidFill>
-              <a:latin typeface="Franklin Gothic Book"/>
-            </a:endParaRPr>
-          </a:p>
-        </p:txBody>
-      </p:sp>
-      <p:sp>
-        <p:nvSpPr>
-          <p:cNvPr id="21" name="PlaceHolder 4"/>
+            <a:endParaRPr b="0" lang="es-ES" sz="3200" spc="-1" strike="noStrike">
+              <a:latin typeface="Arial"/>
+            </a:endParaRPr>
+          </a:p>
+        </p:txBody>
+      </p:sp>
+      <p:sp>
+        <p:nvSpPr>
+          <p:cNvPr id="18" name="PlaceHolder 4"/>
           <p:cNvSpPr>
             <a:spLocks noGrp="1"/>
           </p:cNvSpPr>
@@ -2543,8 +2384,8 @@
         </p:nvSpPr>
         <p:spPr>
           <a:xfrm>
-            <a:off x="1371600" y="4156560"/>
-            <a:ext cx="4685040" cy="1707840"/>
+            <a:off x="609480" y="3682080"/>
+            <a:ext cx="5354280" cy="1896840"/>
           </a:xfrm>
           <a:prstGeom prst="rect">
             <a:avLst/>
@@ -2555,11 +2396,8 @@
             <a:normAutofit/>
           </a:bodyPr>
           <a:p>
-            <a:endParaRPr b="0" lang="en-US" sz="2000" spc="-1" strike="noStrike">
-              <a:solidFill>
-                <a:srgbClr val="191b0e"/>
-              </a:solidFill>
-              <a:latin typeface="Franklin Gothic Book"/>
+            <a:endParaRPr b="0" lang="es-ES" sz="3200" spc="-1" strike="noStrike">
+              <a:latin typeface="Arial"/>
             </a:endParaRPr>
           </a:p>
         </p:txBody>
@@ -2588,7 +2426,7 @@
       </p:grpSpPr>
       <p:sp>
         <p:nvSpPr>
-          <p:cNvPr id="22" name="PlaceHolder 1"/>
+          <p:cNvPr id="19" name="PlaceHolder 1"/>
           <p:cNvSpPr>
             <a:spLocks noGrp="1"/>
           </p:cNvSpPr>
@@ -2598,8 +2436,8 @@
         </p:nvSpPr>
         <p:spPr>
           <a:xfrm>
-            <a:off x="1371600" y="685800"/>
-            <a:ext cx="9600840" cy="1485720"/>
+            <a:off x="609480" y="273600"/>
+            <a:ext cx="10972440" cy="1144800"/>
           </a:xfrm>
           <a:prstGeom prst="rect">
             <a:avLst/>
@@ -2608,18 +2446,16 @@
         <p:txBody>
           <a:bodyPr lIns="0" rIns="0" tIns="0" bIns="0" anchor="ctr"/>
           <a:p>
-            <a:endParaRPr b="0" lang="en-US" sz="1800" spc="-1" strike="noStrike">
-              <a:solidFill>
-                <a:srgbClr val="000000"/>
-              </a:solidFill>
-              <a:latin typeface="Franklin Gothic Book"/>
-            </a:endParaRPr>
-          </a:p>
-        </p:txBody>
-      </p:sp>
-      <p:sp>
-        <p:nvSpPr>
-          <p:cNvPr id="23" name="PlaceHolder 2"/>
+            <a:pPr algn="ctr"/>
+            <a:endParaRPr b="0" lang="es-ES" sz="4400" spc="-1" strike="noStrike">
+              <a:latin typeface="Arial"/>
+            </a:endParaRPr>
+          </a:p>
+        </p:txBody>
+      </p:sp>
+      <p:sp>
+        <p:nvSpPr>
+          <p:cNvPr id="20" name="PlaceHolder 2"/>
           <p:cNvSpPr>
             <a:spLocks noGrp="1"/>
           </p:cNvSpPr>
@@ -2629,8 +2465,8 @@
         </p:nvSpPr>
         <p:spPr>
           <a:xfrm>
-            <a:off x="1371600" y="2286000"/>
-            <a:ext cx="4685040" cy="3580920"/>
+            <a:off x="609480" y="1604520"/>
+            <a:ext cx="5354280" cy="3977280"/>
           </a:xfrm>
           <a:prstGeom prst="rect">
             <a:avLst/>
@@ -2641,18 +2477,15 @@
             <a:normAutofit/>
           </a:bodyPr>
           <a:p>
-            <a:endParaRPr b="0" lang="en-US" sz="2000" spc="-1" strike="noStrike">
-              <a:solidFill>
-                <a:srgbClr val="191b0e"/>
-              </a:solidFill>
-              <a:latin typeface="Franklin Gothic Book"/>
-            </a:endParaRPr>
-          </a:p>
-        </p:txBody>
-      </p:sp>
-      <p:sp>
-        <p:nvSpPr>
-          <p:cNvPr id="24" name="PlaceHolder 3"/>
+            <a:endParaRPr b="0" lang="es-ES" sz="3200" spc="-1" strike="noStrike">
+              <a:latin typeface="Arial"/>
+            </a:endParaRPr>
+          </a:p>
+        </p:txBody>
+      </p:sp>
+      <p:sp>
+        <p:nvSpPr>
+          <p:cNvPr id="21" name="PlaceHolder 3"/>
           <p:cNvSpPr>
             <a:spLocks noGrp="1"/>
           </p:cNvSpPr>
@@ -2662,8 +2495,8 @@
         </p:nvSpPr>
         <p:spPr>
           <a:xfrm>
-            <a:off x="6291360" y="2286000"/>
-            <a:ext cx="4685040" cy="1707840"/>
+            <a:off x="6231960" y="1604520"/>
+            <a:ext cx="5354280" cy="1896840"/>
           </a:xfrm>
           <a:prstGeom prst="rect">
             <a:avLst/>
@@ -2674,18 +2507,15 @@
             <a:normAutofit/>
           </a:bodyPr>
           <a:p>
-            <a:endParaRPr b="0" lang="en-US" sz="2000" spc="-1" strike="noStrike">
-              <a:solidFill>
-                <a:srgbClr val="191b0e"/>
-              </a:solidFill>
-              <a:latin typeface="Franklin Gothic Book"/>
-            </a:endParaRPr>
-          </a:p>
-        </p:txBody>
-      </p:sp>
-      <p:sp>
-        <p:nvSpPr>
-          <p:cNvPr id="25" name="PlaceHolder 4"/>
+            <a:endParaRPr b="0" lang="es-ES" sz="3200" spc="-1" strike="noStrike">
+              <a:latin typeface="Arial"/>
+            </a:endParaRPr>
+          </a:p>
+        </p:txBody>
+      </p:sp>
+      <p:sp>
+        <p:nvSpPr>
+          <p:cNvPr id="22" name="PlaceHolder 4"/>
           <p:cNvSpPr>
             <a:spLocks noGrp="1"/>
           </p:cNvSpPr>
@@ -2695,8 +2525,8 @@
         </p:nvSpPr>
         <p:spPr>
           <a:xfrm>
-            <a:off x="6291360" y="4156560"/>
-            <a:ext cx="4685040" cy="1707840"/>
+            <a:off x="6231960" y="3682080"/>
+            <a:ext cx="5354280" cy="1896840"/>
           </a:xfrm>
           <a:prstGeom prst="rect">
             <a:avLst/>
@@ -2707,11 +2537,8 @@
             <a:normAutofit/>
           </a:bodyPr>
           <a:p>
-            <a:endParaRPr b="0" lang="en-US" sz="2000" spc="-1" strike="noStrike">
-              <a:solidFill>
-                <a:srgbClr val="191b0e"/>
-              </a:solidFill>
-              <a:latin typeface="Franklin Gothic Book"/>
+            <a:endParaRPr b="0" lang="es-ES" sz="3200" spc="-1" strike="noStrike">
+              <a:latin typeface="Arial"/>
             </a:endParaRPr>
           </a:p>
         </p:txBody>
@@ -2740,7 +2567,7 @@
       </p:grpSpPr>
       <p:sp>
         <p:nvSpPr>
-          <p:cNvPr id="26" name="PlaceHolder 1"/>
+          <p:cNvPr id="23" name="PlaceHolder 1"/>
           <p:cNvSpPr>
             <a:spLocks noGrp="1"/>
           </p:cNvSpPr>
@@ -2750,8 +2577,8 @@
         </p:nvSpPr>
         <p:spPr>
           <a:xfrm>
-            <a:off x="1371600" y="685800"/>
-            <a:ext cx="9600840" cy="1485720"/>
+            <a:off x="609480" y="273600"/>
+            <a:ext cx="10972440" cy="1144800"/>
           </a:xfrm>
           <a:prstGeom prst="rect">
             <a:avLst/>
@@ -2760,18 +2587,16 @@
         <p:txBody>
           <a:bodyPr lIns="0" rIns="0" tIns="0" bIns="0" anchor="ctr"/>
           <a:p>
-            <a:endParaRPr b="0" lang="en-US" sz="1800" spc="-1" strike="noStrike">
-              <a:solidFill>
-                <a:srgbClr val="000000"/>
-              </a:solidFill>
-              <a:latin typeface="Franklin Gothic Book"/>
-            </a:endParaRPr>
-          </a:p>
-        </p:txBody>
-      </p:sp>
-      <p:sp>
-        <p:nvSpPr>
-          <p:cNvPr id="27" name="PlaceHolder 2"/>
+            <a:pPr algn="ctr"/>
+            <a:endParaRPr b="0" lang="es-ES" sz="4400" spc="-1" strike="noStrike">
+              <a:latin typeface="Arial"/>
+            </a:endParaRPr>
+          </a:p>
+        </p:txBody>
+      </p:sp>
+      <p:sp>
+        <p:nvSpPr>
+          <p:cNvPr id="24" name="PlaceHolder 2"/>
           <p:cNvSpPr>
             <a:spLocks noGrp="1"/>
           </p:cNvSpPr>
@@ -2781,8 +2606,8 @@
         </p:nvSpPr>
         <p:spPr>
           <a:xfrm>
-            <a:off x="1371600" y="2286000"/>
-            <a:ext cx="4685040" cy="1707840"/>
+            <a:off x="609480" y="1604520"/>
+            <a:ext cx="5354280" cy="1896840"/>
           </a:xfrm>
           <a:prstGeom prst="rect">
             <a:avLst/>
@@ -2793,18 +2618,15 @@
             <a:normAutofit/>
           </a:bodyPr>
           <a:p>
-            <a:endParaRPr b="0" lang="en-US" sz="2000" spc="-1" strike="noStrike">
-              <a:solidFill>
-                <a:srgbClr val="191b0e"/>
-              </a:solidFill>
-              <a:latin typeface="Franklin Gothic Book"/>
-            </a:endParaRPr>
-          </a:p>
-        </p:txBody>
-      </p:sp>
-      <p:sp>
-        <p:nvSpPr>
-          <p:cNvPr id="28" name="PlaceHolder 3"/>
+            <a:endParaRPr b="0" lang="es-ES" sz="3200" spc="-1" strike="noStrike">
+              <a:latin typeface="Arial"/>
+            </a:endParaRPr>
+          </a:p>
+        </p:txBody>
+      </p:sp>
+      <p:sp>
+        <p:nvSpPr>
+          <p:cNvPr id="25" name="PlaceHolder 3"/>
           <p:cNvSpPr>
             <a:spLocks noGrp="1"/>
           </p:cNvSpPr>
@@ -2814,8 +2636,8 @@
         </p:nvSpPr>
         <p:spPr>
           <a:xfrm>
-            <a:off x="6291360" y="2286000"/>
-            <a:ext cx="4685040" cy="1707840"/>
+            <a:off x="6231960" y="1604520"/>
+            <a:ext cx="5354280" cy="1896840"/>
           </a:xfrm>
           <a:prstGeom prst="rect">
             <a:avLst/>
@@ -2826,18 +2648,15 @@
             <a:normAutofit/>
           </a:bodyPr>
           <a:p>
-            <a:endParaRPr b="0" lang="en-US" sz="2000" spc="-1" strike="noStrike">
-              <a:solidFill>
-                <a:srgbClr val="191b0e"/>
-              </a:solidFill>
-              <a:latin typeface="Franklin Gothic Book"/>
-            </a:endParaRPr>
-          </a:p>
-        </p:txBody>
-      </p:sp>
-      <p:sp>
-        <p:nvSpPr>
-          <p:cNvPr id="29" name="PlaceHolder 4"/>
+            <a:endParaRPr b="0" lang="es-ES" sz="3200" spc="-1" strike="noStrike">
+              <a:latin typeface="Arial"/>
+            </a:endParaRPr>
+          </a:p>
+        </p:txBody>
+      </p:sp>
+      <p:sp>
+        <p:nvSpPr>
+          <p:cNvPr id="26" name="PlaceHolder 4"/>
           <p:cNvSpPr>
             <a:spLocks noGrp="1"/>
           </p:cNvSpPr>
@@ -2847,8 +2666,8 @@
         </p:nvSpPr>
         <p:spPr>
           <a:xfrm>
-            <a:off x="1371600" y="4156560"/>
-            <a:ext cx="9600840" cy="1707840"/>
+            <a:off x="609480" y="3682080"/>
+            <a:ext cx="10972440" cy="1896840"/>
           </a:xfrm>
           <a:prstGeom prst="rect">
             <a:avLst/>
@@ -2859,11 +2678,8 @@
             <a:normAutofit/>
           </a:bodyPr>
           <a:p>
-            <a:endParaRPr b="0" lang="en-US" sz="2000" spc="-1" strike="noStrike">
-              <a:solidFill>
-                <a:srgbClr val="191b0e"/>
-              </a:solidFill>
-              <a:latin typeface="Franklin Gothic Book"/>
+            <a:endParaRPr b="0" lang="es-ES" sz="3200" spc="-1" strike="noStrike">
+              <a:latin typeface="Arial"/>
             </a:endParaRPr>
           </a:p>
         </p:txBody>
@@ -2906,7 +2722,7 @@
         <p:spPr>
           <a:xfrm>
             <a:off x="478080" y="360"/>
-            <a:ext cx="228240" cy="6857640"/>
+            <a:ext cx="227880" cy="6857280"/>
           </a:xfrm>
           <a:prstGeom prst="rect">
             <a:avLst/>
@@ -2933,187 +2749,30 @@
           <a:fontRef idx="minor"/>
         </p:style>
       </p:sp>
-      <p:sp>
-        <p:nvSpPr>
-          <p:cNvPr id="1" name="PlaceHolder 2"/>
-          <p:cNvSpPr>
-            <a:spLocks noGrp="1"/>
-          </p:cNvSpPr>
-          <p:nvPr>
-            <p:ph type="title"/>
-          </p:nvPr>
-        </p:nvSpPr>
-        <p:spPr>
-          <a:xfrm>
-            <a:off x="1915200" y="1788480"/>
-            <a:ext cx="8361000" cy="2097720"/>
-          </a:xfrm>
-          <a:prstGeom prst="rect">
-            <a:avLst/>
-          </a:prstGeom>
-        </p:spPr>
-        <p:txBody>
-          <a:bodyPr anchor="b"/>
-          <a:p>
-            <a:pPr algn="ctr">
-              <a:lnSpc>
-                <a:spcPct val="89000"/>
-              </a:lnSpc>
-            </a:pPr>
-            <a:r>
-              <a:rPr b="0" lang="en-US" sz="7200" spc="-1" strike="noStrike" cap="all">
-                <a:solidFill>
-                  <a:srgbClr val="191b0e"/>
-                </a:solidFill>
-                <a:latin typeface="Franklin Gothic Book"/>
-              </a:rPr>
-              <a:t>Haga clic para modificar el estilo de título del patrón</a:t>
-            </a:r>
-            <a:endParaRPr b="0" lang="en-US" sz="7200" spc="-1" strike="noStrike">
-              <a:solidFill>
-                <a:srgbClr val="000000"/>
-              </a:solidFill>
-              <a:latin typeface="Franklin Gothic Book"/>
-            </a:endParaRPr>
-          </a:p>
-        </p:txBody>
-      </p:sp>
-      <p:sp>
-        <p:nvSpPr>
-          <p:cNvPr id="2" name="PlaceHolder 3"/>
-          <p:cNvSpPr>
-            <a:spLocks noGrp="1"/>
-          </p:cNvSpPr>
-          <p:nvPr>
-            <p:ph type="dt"/>
-          </p:nvPr>
-        </p:nvSpPr>
-        <p:spPr>
-          <a:xfrm>
-            <a:off x="752760" y="6453360"/>
-            <a:ext cx="1607760" cy="404280"/>
-          </a:xfrm>
-          <a:prstGeom prst="rect">
-            <a:avLst/>
-          </a:prstGeom>
-        </p:spPr>
-        <p:txBody>
-          <a:bodyPr anchor="ctr"/>
-          <a:p>
-            <a:pPr>
-              <a:lnSpc>
-                <a:spcPct val="100000"/>
-              </a:lnSpc>
-            </a:pPr>
-            <a:fld id="{43756D03-B0FB-4385-87E1-3D5B6D11776F}" type="datetime">
-              <a:rPr b="0" lang="es-ES" sz="1200" spc="-1" strike="noStrike">
-                <a:solidFill>
-                  <a:srgbClr val="191b0e"/>
-                </a:solidFill>
-                <a:latin typeface="Franklin Gothic Book"/>
-              </a:rPr>
-              <a:t>9/11/20</a:t>
-            </a:fld>
-            <a:endParaRPr b="0" lang="es-ES" sz="1200" spc="-1" strike="noStrike">
-              <a:latin typeface="Times New Roman"/>
-            </a:endParaRPr>
-          </a:p>
-        </p:txBody>
-      </p:sp>
-      <p:sp>
-        <p:nvSpPr>
-          <p:cNvPr id="3" name="PlaceHolder 4"/>
-          <p:cNvSpPr>
-            <a:spLocks noGrp="1"/>
-          </p:cNvSpPr>
-          <p:nvPr>
-            <p:ph type="ftr"/>
-          </p:nvPr>
-        </p:nvSpPr>
-        <p:spPr>
-          <a:xfrm>
-            <a:off x="2584080" y="6453360"/>
-            <a:ext cx="7022880" cy="404280"/>
-          </a:xfrm>
-          <a:prstGeom prst="rect">
-            <a:avLst/>
-          </a:prstGeom>
-        </p:spPr>
-        <p:txBody>
-          <a:bodyPr anchor="ctr"/>
-          <a:p>
-            <a:endParaRPr b="0" lang="es-ES" sz="2400" spc="-1" strike="noStrike">
-              <a:latin typeface="Times New Roman"/>
-            </a:endParaRPr>
-          </a:p>
-        </p:txBody>
-      </p:sp>
-      <p:sp>
-        <p:nvSpPr>
-          <p:cNvPr id="4" name="PlaceHolder 5"/>
-          <p:cNvSpPr>
-            <a:spLocks noGrp="1"/>
-          </p:cNvSpPr>
-          <p:nvPr>
-            <p:ph type="sldNum"/>
-          </p:nvPr>
-        </p:nvSpPr>
-        <p:spPr>
-          <a:xfrm>
-            <a:off x="9830520" y="6453360"/>
-            <a:ext cx="1595880" cy="404280"/>
-          </a:xfrm>
-          <a:prstGeom prst="rect">
-            <a:avLst/>
-          </a:prstGeom>
-        </p:spPr>
-        <p:txBody>
-          <a:bodyPr anchor="ctr"/>
-          <a:p>
-            <a:pPr algn="r">
-              <a:lnSpc>
-                <a:spcPct val="100000"/>
-              </a:lnSpc>
-            </a:pPr>
-            <a:fld id="{7621221A-5A31-464C-A806-61736B90BB18}" type="slidenum">
-              <a:rPr b="0" lang="es-ES" sz="1200" spc="-1" strike="noStrike">
-                <a:solidFill>
-                  <a:srgbClr val="191b0e"/>
-                </a:solidFill>
-                <a:latin typeface="Franklin Gothic Book"/>
-              </a:rPr>
-              <a:t>&lt;número&gt;</a:t>
-            </a:fld>
-            <a:endParaRPr b="0" lang="es-ES" sz="1200" spc="-1" strike="noStrike">
-              <a:latin typeface="Times New Roman"/>
-            </a:endParaRPr>
-          </a:p>
-        </p:txBody>
-      </p:sp>
       <p:grpSp>
         <p:nvGrpSpPr>
-          <p:cNvPr id="5" name="Group 6"/>
+          <p:cNvPr id="1" name="Group 2"/>
           <p:cNvGrpSpPr/>
           <p:nvPr/>
         </p:nvGrpSpPr>
         <p:grpSpPr>
           <a:xfrm>
-            <a:off x="752760" y="744120"/>
+            <a:off x="752400" y="743760"/>
             <a:ext cx="10673640" cy="5349600"/>
-            <a:chOff x="752760" y="744120"/>
+            <a:chOff x="752400" y="743760"/>
             <a:chExt cx="10673640" cy="5349600"/>
           </a:xfrm>
         </p:grpSpPr>
         <p:sp>
           <p:nvSpPr>
-            <p:cNvPr id="6" name="CustomShape 7"/>
+            <p:cNvPr id="2" name="CustomShape 3"/>
             <p:cNvSpPr/>
             <p:nvPr/>
           </p:nvSpPr>
           <p:spPr>
             <a:xfrm>
               <a:off x="8151840" y="1685520"/>
-              <a:ext cx="3274560" cy="4408200"/>
+              <a:ext cx="3274200" cy="4407840"/>
             </a:xfrm>
             <a:custGeom>
               <a:avLst/>
@@ -3163,14 +2822,14 @@
         </p:sp>
         <p:sp>
           <p:nvSpPr>
-            <p:cNvPr id="7" name="CustomShape 8"/>
+            <p:cNvPr id="3" name="CustomShape 4"/>
             <p:cNvSpPr/>
             <p:nvPr/>
           </p:nvSpPr>
           <p:spPr>
             <a:xfrm flipH="1" flipV="1">
-              <a:off x="752760" y="743760"/>
-              <a:ext cx="3275280" cy="4408200"/>
+              <a:off x="752040" y="743760"/>
+              <a:ext cx="3274920" cy="4407840"/>
             </a:xfrm>
             <a:custGeom>
               <a:avLst/>
@@ -3223,7 +2882,41 @@
       </p:grpSp>
       <p:sp>
         <p:nvSpPr>
-          <p:cNvPr id="8" name="PlaceHolder 9"/>
+          <p:cNvPr id="4" name="PlaceHolder 5"/>
+          <p:cNvSpPr>
+            <a:spLocks noGrp="1"/>
+          </p:cNvSpPr>
+          <p:nvPr>
+            <p:ph type="title"/>
+          </p:nvPr>
+        </p:nvSpPr>
+        <p:spPr>
+          <a:xfrm>
+            <a:off x="1371600" y="685800"/>
+            <a:ext cx="9600480" cy="1485360"/>
+          </a:xfrm>
+          <a:prstGeom prst="rect">
+            <a:avLst/>
+          </a:prstGeom>
+        </p:spPr>
+        <p:txBody>
+          <a:bodyPr lIns="0" rIns="0" tIns="0" bIns="0" anchor="ctr"/>
+          <a:p>
+            <a:r>
+              <a:rPr b="0" lang="es-ES" sz="1800" spc="-1" strike="noStrike">
+                <a:latin typeface="Arial"/>
+              </a:rPr>
+              <a:t>Pulse para editar el formato del texto de título</a:t>
+            </a:r>
+            <a:endParaRPr b="0" lang="es-ES" sz="1800" spc="-1" strike="noStrike">
+              <a:latin typeface="Arial"/>
+            </a:endParaRPr>
+          </a:p>
+        </p:txBody>
+      </p:sp>
+      <p:sp>
+        <p:nvSpPr>
+          <p:cNvPr id="5" name="PlaceHolder 6"/>
           <p:cNvSpPr>
             <a:spLocks noGrp="1"/>
           </p:cNvSpPr>
@@ -3257,19 +2950,13 @@
               <a:buChar char=""/>
             </a:pPr>
             <a:r>
-              <a:rPr b="0" lang="en-US" sz="2000" spc="-1" strike="noStrike">
-                <a:solidFill>
-                  <a:srgbClr val="191b0e"/>
-                </a:solidFill>
-                <a:latin typeface="Franklin Gothic Book"/>
+              <a:rPr b="0" lang="es-ES" sz="3200" spc="-1" strike="noStrike">
+                <a:latin typeface="Arial"/>
               </a:rPr>
               <a:t>Pulse para editar el formato de esquema del texto</a:t>
             </a:r>
-            <a:endParaRPr b="0" lang="en-US" sz="2000" spc="-1" strike="noStrike">
-              <a:solidFill>
-                <a:srgbClr val="191b0e"/>
-              </a:solidFill>
-              <a:latin typeface="Franklin Gothic Book"/>
+            <a:endParaRPr b="0" lang="es-ES" sz="3200" spc="-1" strike="noStrike">
+              <a:latin typeface="Arial"/>
             </a:endParaRPr>
           </a:p>
           <a:p>
@@ -3285,19 +2972,13 @@
               <a:buChar char=""/>
             </a:pPr>
             <a:r>
-              <a:rPr b="0" lang="en-US" sz="1800" spc="-1" strike="noStrike">
-                <a:solidFill>
-                  <a:srgbClr val="191b0e"/>
-                </a:solidFill>
-                <a:latin typeface="Franklin Gothic Book"/>
+              <a:rPr b="0" lang="es-ES" sz="2800" spc="-1" strike="noStrike">
+                <a:latin typeface="Arial"/>
               </a:rPr>
               <a:t>Segundo nivel del esquema</a:t>
             </a:r>
-            <a:endParaRPr b="0" lang="en-US" sz="1800" spc="-1" strike="noStrike">
-              <a:solidFill>
-                <a:srgbClr val="191b0e"/>
-              </a:solidFill>
-              <a:latin typeface="Franklin Gothic Book"/>
+            <a:endParaRPr b="0" lang="es-ES" sz="2800" spc="-1" strike="noStrike">
+              <a:latin typeface="Arial"/>
             </a:endParaRPr>
           </a:p>
           <a:p>
@@ -3313,19 +2994,13 @@
               <a:buChar char=""/>
             </a:pPr>
             <a:r>
-              <a:rPr b="0" i="1" lang="en-US" sz="1800" spc="-1" strike="noStrike">
-                <a:solidFill>
-                  <a:srgbClr val="191b0e"/>
-                </a:solidFill>
-                <a:latin typeface="Franklin Gothic Book"/>
+              <a:rPr b="0" lang="es-ES" sz="2400" spc="-1" strike="noStrike">
+                <a:latin typeface="Arial"/>
               </a:rPr>
               <a:t>Tercer nivel del esquema</a:t>
             </a:r>
-            <a:endParaRPr b="0" i="1" lang="en-US" sz="1800" spc="-1" strike="noStrike">
-              <a:solidFill>
-                <a:srgbClr val="191b0e"/>
-              </a:solidFill>
-              <a:latin typeface="Franklin Gothic Book"/>
+            <a:endParaRPr b="0" lang="es-ES" sz="2400" spc="-1" strike="noStrike">
+              <a:latin typeface="Arial"/>
             </a:endParaRPr>
           </a:p>
           <a:p>
@@ -3341,19 +3016,13 @@
               <a:buChar char=""/>
             </a:pPr>
             <a:r>
-              <a:rPr b="0" lang="en-US" sz="1600" spc="-1" strike="noStrike">
-                <a:solidFill>
-                  <a:srgbClr val="191b0e"/>
-                </a:solidFill>
-                <a:latin typeface="Franklin Gothic Book"/>
+              <a:rPr b="0" lang="es-ES" sz="2000" spc="-1" strike="noStrike">
+                <a:latin typeface="Arial"/>
               </a:rPr>
               <a:t>Cuarto nivel del esquema</a:t>
             </a:r>
-            <a:endParaRPr b="0" lang="en-US" sz="1600" spc="-1" strike="noStrike">
-              <a:solidFill>
-                <a:srgbClr val="191b0e"/>
-              </a:solidFill>
-              <a:latin typeface="Franklin Gothic Book"/>
+            <a:endParaRPr b="0" lang="es-ES" sz="2000" spc="-1" strike="noStrike">
+              <a:latin typeface="Arial"/>
             </a:endParaRPr>
           </a:p>
           <a:p>
@@ -3369,19 +3038,13 @@
               <a:buChar char=""/>
             </a:pPr>
             <a:r>
-              <a:rPr b="0" lang="en-US" sz="2000" spc="-1" strike="noStrike">
-                <a:solidFill>
-                  <a:srgbClr val="191b0e"/>
-                </a:solidFill>
-                <a:latin typeface="Franklin Gothic Book"/>
+              <a:rPr b="0" lang="es-ES" sz="2000" spc="-1" strike="noStrike">
+                <a:latin typeface="Arial"/>
               </a:rPr>
               <a:t>Quinto nivel del esquema</a:t>
             </a:r>
-            <a:endParaRPr b="0" lang="en-US" sz="2000" spc="-1" strike="noStrike">
-              <a:solidFill>
-                <a:srgbClr val="191b0e"/>
-              </a:solidFill>
-              <a:latin typeface="Franklin Gothic Book"/>
+            <a:endParaRPr b="0" lang="es-ES" sz="2000" spc="-1" strike="noStrike">
+              <a:latin typeface="Arial"/>
             </a:endParaRPr>
           </a:p>
           <a:p>
@@ -3397,19 +3060,13 @@
               <a:buChar char=""/>
             </a:pPr>
             <a:r>
-              <a:rPr b="0" lang="en-US" sz="2000" spc="-1" strike="noStrike">
-                <a:solidFill>
-                  <a:srgbClr val="191b0e"/>
-                </a:solidFill>
-                <a:latin typeface="Franklin Gothic Book"/>
+              <a:rPr b="0" lang="es-ES" sz="2000" spc="-1" strike="noStrike">
+                <a:latin typeface="Arial"/>
               </a:rPr>
               <a:t>Sexto nivel del esquema</a:t>
             </a:r>
-            <a:endParaRPr b="0" lang="en-US" sz="2000" spc="-1" strike="noStrike">
-              <a:solidFill>
-                <a:srgbClr val="191b0e"/>
-              </a:solidFill>
-              <a:latin typeface="Franklin Gothic Book"/>
+            <a:endParaRPr b="0" lang="es-ES" sz="2000" spc="-1" strike="noStrike">
+              <a:latin typeface="Arial"/>
             </a:endParaRPr>
           </a:p>
           <a:p>
@@ -3425,19 +3082,13 @@
               <a:buChar char=""/>
             </a:pPr>
             <a:r>
-              <a:rPr b="0" lang="en-US" sz="2000" spc="-1" strike="noStrike">
-                <a:solidFill>
-                  <a:srgbClr val="191b0e"/>
-                </a:solidFill>
-                <a:latin typeface="Franklin Gothic Book"/>
+              <a:rPr b="0" lang="es-ES" sz="2000" spc="-1" strike="noStrike">
+                <a:latin typeface="Arial"/>
               </a:rPr>
               <a:t>Séptimo nivel del esquema</a:t>
             </a:r>
-            <a:endParaRPr b="0" lang="en-US" sz="2000" spc="-1" strike="noStrike">
-              <a:solidFill>
-                <a:srgbClr val="191b0e"/>
-              </a:solidFill>
-              <a:latin typeface="Franklin Gothic Book"/>
+            <a:endParaRPr b="0" lang="es-ES" sz="2000" spc="-1" strike="noStrike">
+              <a:latin typeface="Arial"/>
             </a:endParaRPr>
           </a:p>
         </p:txBody>
@@ -3488,14 +3139,14 @@
       </p:grpSpPr>
       <p:sp>
         <p:nvSpPr>
-          <p:cNvPr id="45" name="CustomShape 1"/>
+          <p:cNvPr id="42" name="CustomShape 1"/>
           <p:cNvSpPr/>
           <p:nvPr/>
         </p:nvSpPr>
         <p:spPr>
           <a:xfrm>
             <a:off x="478080" y="360"/>
-            <a:ext cx="228240" cy="6857640"/>
+            <a:ext cx="227880" cy="6857280"/>
           </a:xfrm>
           <a:prstGeom prst="rect">
             <a:avLst/>
@@ -3524,7 +3175,7 @@
       </p:sp>
       <p:sp>
         <p:nvSpPr>
-          <p:cNvPr id="46" name="PlaceHolder 2"/>
+          <p:cNvPr id="43" name="PlaceHolder 2"/>
           <p:cNvSpPr>
             <a:spLocks noGrp="1"/>
           </p:cNvSpPr>
@@ -3534,42 +3185,32 @@
         </p:nvSpPr>
         <p:spPr>
           <a:xfrm>
-            <a:off x="1371600" y="685800"/>
-            <a:ext cx="9600840" cy="1485720"/>
-          </a:xfrm>
-          <a:prstGeom prst="rect">
-            <a:avLst/>
-          </a:prstGeom>
-        </p:spPr>
-        <p:txBody>
-          <a:bodyPr/>
-          <a:p>
-            <a:pPr>
-              <a:lnSpc>
-                <a:spcPct val="89000"/>
-              </a:lnSpc>
-            </a:pPr>
-            <a:r>
-              <a:rPr b="0" lang="en-US" sz="4400" spc="-1" strike="noStrike">
-                <a:solidFill>
-                  <a:srgbClr val="191b0e"/>
-                </a:solidFill>
-                <a:latin typeface="Franklin Gothic Book"/>
-              </a:rPr>
-              <a:t>Haga clic para modificar el estilo de título del patrón</a:t>
-            </a:r>
-            <a:endParaRPr b="0" lang="en-US" sz="4400" spc="-1" strike="noStrike">
-              <a:solidFill>
-                <a:srgbClr val="000000"/>
-              </a:solidFill>
-              <a:latin typeface="Franklin Gothic Book"/>
-            </a:endParaRPr>
-          </a:p>
-        </p:txBody>
-      </p:sp>
-      <p:sp>
-        <p:nvSpPr>
-          <p:cNvPr id="47" name="PlaceHolder 3"/>
+            <a:off x="609480" y="273600"/>
+            <a:ext cx="10972440" cy="1144800"/>
+          </a:xfrm>
+          <a:prstGeom prst="rect">
+            <a:avLst/>
+          </a:prstGeom>
+        </p:spPr>
+        <p:txBody>
+          <a:bodyPr lIns="0" rIns="0" tIns="0" bIns="0" anchor="ctr"/>
+          <a:p>
+            <a:pPr algn="ctr"/>
+            <a:r>
+              <a:rPr b="0" lang="es-ES" sz="4400" spc="-1" strike="noStrike">
+                <a:latin typeface="Arial"/>
+              </a:rPr>
+              <a:t>Pulse para editar el formato del texto de título</a:t>
+            </a:r>
+            <a:endParaRPr b="0" lang="es-ES" sz="4400" spc="-1" strike="noStrike">
+              <a:latin typeface="Arial"/>
+            </a:endParaRPr>
+          </a:p>
+        </p:txBody>
+      </p:sp>
+      <p:sp>
+        <p:nvSpPr>
+          <p:cNvPr id="44" name="PlaceHolder 3"/>
           <p:cNvSpPr>
             <a:spLocks noGrp="1"/>
           </p:cNvSpPr>
@@ -3579,290 +3220,169 @@
         </p:nvSpPr>
         <p:spPr>
           <a:xfrm>
-            <a:off x="1371600" y="2286000"/>
-            <a:ext cx="9600840" cy="3580920"/>
-          </a:xfrm>
-          <a:prstGeom prst="rect">
-            <a:avLst/>
-          </a:prstGeom>
-        </p:spPr>
-        <p:txBody>
-          <a:bodyPr/>
-          <a:p>
-            <a:pPr marL="384120" indent="-383760">
-              <a:lnSpc>
-                <a:spcPct val="94000"/>
-              </a:lnSpc>
-              <a:spcBef>
-                <a:spcPts val="1001"/>
-              </a:spcBef>
-              <a:spcAft>
-                <a:spcPts val="201"/>
-              </a:spcAft>
+            <a:off x="609480" y="1604520"/>
+            <a:ext cx="10972440" cy="3977280"/>
+          </a:xfrm>
+          <a:prstGeom prst="rect">
+            <a:avLst/>
+          </a:prstGeom>
+        </p:spPr>
+        <p:txBody>
+          <a:bodyPr lIns="0" rIns="0" tIns="0" bIns="0">
+            <a:normAutofit/>
+          </a:bodyPr>
+          <a:p>
+            <a:pPr marL="432000" indent="-324000">
+              <a:spcBef>
+                <a:spcPts val="1417"/>
+              </a:spcBef>
               <a:buClr>
-                <a:srgbClr val="191b0e"/>
+                <a:srgbClr val="000000"/>
               </a:buClr>
-              <a:buFont typeface="Franklin Gothic Book"/>
-              <a:buChar char="■"/>
-            </a:pPr>
-            <a:r>
-              <a:rPr b="0" lang="en-US" sz="2000" spc="-1" strike="noStrike">
-                <a:solidFill>
-                  <a:srgbClr val="191b0e"/>
-                </a:solidFill>
-                <a:latin typeface="Franklin Gothic Book"/>
-              </a:rPr>
-              <a:t>Haga clic para modificar los estilos de texto del patrón</a:t>
-            </a:r>
-            <a:endParaRPr b="0" lang="en-US" sz="2000" spc="-1" strike="noStrike">
-              <a:solidFill>
-                <a:srgbClr val="191b0e"/>
-              </a:solidFill>
-              <a:latin typeface="Franklin Gothic Book"/>
-            </a:endParaRPr>
-          </a:p>
-          <a:p>
-            <a:pPr lvl="1" marL="914400" indent="-383760">
-              <a:lnSpc>
-                <a:spcPct val="94000"/>
-              </a:lnSpc>
-              <a:spcBef>
-                <a:spcPts val="499"/>
-              </a:spcBef>
-              <a:spcAft>
-                <a:spcPts val="201"/>
-              </a:spcAft>
+              <a:buSzPct val="45000"/>
+              <a:buFont typeface="Wingdings" charset="2"/>
+              <a:buChar char=""/>
+            </a:pPr>
+            <a:r>
+              <a:rPr b="0" lang="es-ES" sz="3200" spc="-1" strike="noStrike">
+                <a:latin typeface="Arial"/>
+              </a:rPr>
+              <a:t>Pulse para editar el formato de esquema del texto</a:t>
+            </a:r>
+            <a:endParaRPr b="0" lang="es-ES" sz="3200" spc="-1" strike="noStrike">
+              <a:latin typeface="Arial"/>
+            </a:endParaRPr>
+          </a:p>
+          <a:p>
+            <a:pPr lvl="1" marL="864000" indent="-324000">
+              <a:spcBef>
+                <a:spcPts val="1134"/>
+              </a:spcBef>
               <a:buClr>
-                <a:srgbClr val="191b0e"/>
+                <a:srgbClr val="000000"/>
               </a:buClr>
-              <a:buFont typeface="Franklin Gothic Book"/>
-              <a:buChar char="–"/>
-            </a:pPr>
-            <a:r>
-              <a:rPr b="0" i="1" lang="en-US" sz="2000" spc="-1" strike="noStrike">
-                <a:solidFill>
-                  <a:srgbClr val="191b0e"/>
-                </a:solidFill>
-                <a:latin typeface="Franklin Gothic Book"/>
-              </a:rPr>
-              <a:t>Segundo nivel</a:t>
-            </a:r>
-            <a:endParaRPr b="0" lang="en-US" sz="2000" spc="-1" strike="noStrike">
-              <a:solidFill>
-                <a:srgbClr val="191b0e"/>
-              </a:solidFill>
-              <a:latin typeface="Franklin Gothic Book"/>
-            </a:endParaRPr>
-          </a:p>
-          <a:p>
-            <a:pPr lvl="2" marL="1371600" indent="-383760">
-              <a:lnSpc>
-                <a:spcPct val="94000"/>
-              </a:lnSpc>
-              <a:spcBef>
-                <a:spcPts val="499"/>
-              </a:spcBef>
-              <a:spcAft>
-                <a:spcPts val="201"/>
-              </a:spcAft>
+              <a:buSzPct val="75000"/>
+              <a:buFont typeface="Symbol" charset="2"/>
+              <a:buChar char=""/>
+            </a:pPr>
+            <a:r>
+              <a:rPr b="0" lang="es-ES" sz="2800" spc="-1" strike="noStrike">
+                <a:latin typeface="Arial"/>
+              </a:rPr>
+              <a:t>Segundo nivel del esquema</a:t>
+            </a:r>
+            <a:endParaRPr b="0" lang="es-ES" sz="2800" spc="-1" strike="noStrike">
+              <a:latin typeface="Arial"/>
+            </a:endParaRPr>
+          </a:p>
+          <a:p>
+            <a:pPr lvl="2" marL="1296000" indent="-288000">
+              <a:spcBef>
+                <a:spcPts val="850"/>
+              </a:spcBef>
               <a:buClr>
-                <a:srgbClr val="191b0e"/>
+                <a:srgbClr val="000000"/>
               </a:buClr>
-              <a:buFont typeface="Franklin Gothic Book"/>
-              <a:buChar char="■"/>
-            </a:pPr>
-            <a:r>
-              <a:rPr b="0" lang="en-US" sz="1800" spc="-1" strike="noStrike">
-                <a:solidFill>
-                  <a:srgbClr val="191b0e"/>
-                </a:solidFill>
-                <a:latin typeface="Franklin Gothic Book"/>
-              </a:rPr>
-              <a:t>Tercer nivel</a:t>
-            </a:r>
-            <a:endParaRPr b="0" i="1" lang="en-US" sz="1800" spc="-1" strike="noStrike">
-              <a:solidFill>
-                <a:srgbClr val="191b0e"/>
-              </a:solidFill>
-              <a:latin typeface="Franklin Gothic Book"/>
-            </a:endParaRPr>
-          </a:p>
-          <a:p>
-            <a:pPr lvl="3" marL="1828800" indent="-383760">
-              <a:lnSpc>
-                <a:spcPct val="94000"/>
-              </a:lnSpc>
-              <a:spcBef>
-                <a:spcPts val="499"/>
-              </a:spcBef>
-              <a:spcAft>
-                <a:spcPts val="201"/>
-              </a:spcAft>
+              <a:buSzPct val="45000"/>
+              <a:buFont typeface="Wingdings" charset="2"/>
+              <a:buChar char=""/>
+            </a:pPr>
+            <a:r>
+              <a:rPr b="0" lang="es-ES" sz="2400" spc="-1" strike="noStrike">
+                <a:latin typeface="Arial"/>
+              </a:rPr>
+              <a:t>Tercer nivel del esquema</a:t>
+            </a:r>
+            <a:endParaRPr b="0" lang="es-ES" sz="2400" spc="-1" strike="noStrike">
+              <a:latin typeface="Arial"/>
+            </a:endParaRPr>
+          </a:p>
+          <a:p>
+            <a:pPr lvl="3" marL="1728000" indent="-216000">
+              <a:spcBef>
+                <a:spcPts val="567"/>
+              </a:spcBef>
               <a:buClr>
-                <a:srgbClr val="191b0e"/>
+                <a:srgbClr val="000000"/>
               </a:buClr>
-              <a:buFont typeface="Franklin Gothic Book"/>
-              <a:buChar char="–"/>
-            </a:pPr>
-            <a:r>
-              <a:rPr b="0" i="1" lang="en-US" sz="1800" spc="-1" strike="noStrike">
-                <a:solidFill>
-                  <a:srgbClr val="191b0e"/>
-                </a:solidFill>
-                <a:latin typeface="Franklin Gothic Book"/>
-              </a:rPr>
-              <a:t>Cuarto nivel</a:t>
-            </a:r>
-            <a:endParaRPr b="0" lang="en-US" sz="1800" spc="-1" strike="noStrike">
-              <a:solidFill>
-                <a:srgbClr val="191b0e"/>
-              </a:solidFill>
-              <a:latin typeface="Franklin Gothic Book"/>
-            </a:endParaRPr>
-          </a:p>
-          <a:p>
-            <a:pPr lvl="4" marL="2286000" indent="-383760">
-              <a:lnSpc>
-                <a:spcPct val="94000"/>
-              </a:lnSpc>
-              <a:spcBef>
-                <a:spcPts val="499"/>
-              </a:spcBef>
-              <a:spcAft>
-                <a:spcPts val="201"/>
-              </a:spcAft>
+              <a:buSzPct val="75000"/>
+              <a:buFont typeface="Symbol" charset="2"/>
+              <a:buChar char=""/>
+            </a:pPr>
+            <a:r>
+              <a:rPr b="0" lang="es-ES" sz="2000" spc="-1" strike="noStrike">
+                <a:latin typeface="Arial"/>
+              </a:rPr>
+              <a:t>Cuarto nivel del esquema</a:t>
+            </a:r>
+            <a:endParaRPr b="0" lang="es-ES" sz="2000" spc="-1" strike="noStrike">
+              <a:latin typeface="Arial"/>
+            </a:endParaRPr>
+          </a:p>
+          <a:p>
+            <a:pPr lvl="4" marL="2160000" indent="-216000">
+              <a:spcBef>
+                <a:spcPts val="283"/>
+              </a:spcBef>
               <a:buClr>
-                <a:srgbClr val="191b0e"/>
+                <a:srgbClr val="000000"/>
               </a:buClr>
-              <a:buFont typeface="Franklin Gothic Book"/>
-              <a:buChar char="■"/>
-            </a:pPr>
-            <a:r>
-              <a:rPr b="0" lang="en-US" sz="1600" spc="-1" strike="noStrike">
-                <a:solidFill>
-                  <a:srgbClr val="191b0e"/>
-                </a:solidFill>
-                <a:latin typeface="Franklin Gothic Book"/>
-              </a:rPr>
-              <a:t>Quinto nivel</a:t>
-            </a:r>
-            <a:endParaRPr b="0" lang="en-US" sz="1600" spc="-1" strike="noStrike">
-              <a:solidFill>
-                <a:srgbClr val="191b0e"/>
-              </a:solidFill>
-              <a:latin typeface="Franklin Gothic Book"/>
-            </a:endParaRPr>
-          </a:p>
-        </p:txBody>
-      </p:sp>
-      <p:sp>
-        <p:nvSpPr>
-          <p:cNvPr id="48" name="PlaceHolder 4"/>
-          <p:cNvSpPr>
-            <a:spLocks noGrp="1"/>
-          </p:cNvSpPr>
-          <p:nvPr>
-            <p:ph type="dt"/>
-          </p:nvPr>
-        </p:nvSpPr>
-        <p:spPr>
-          <a:xfrm>
-            <a:off x="1390680" y="6453360"/>
-            <a:ext cx="1204200" cy="404280"/>
-          </a:xfrm>
-          <a:prstGeom prst="rect">
-            <a:avLst/>
-          </a:prstGeom>
-        </p:spPr>
-        <p:txBody>
-          <a:bodyPr anchor="ctr"/>
-          <a:p>
-            <a:pPr>
-              <a:lnSpc>
-                <a:spcPct val="100000"/>
-              </a:lnSpc>
-            </a:pPr>
-            <a:fld id="{263721D6-74B7-4AFA-AD77-F6C608D5CA7F}" type="datetime">
-              <a:rPr b="0" lang="es-ES" sz="1200" spc="-1" strike="noStrike">
-                <a:solidFill>
-                  <a:srgbClr val="191b0e"/>
-                </a:solidFill>
-                <a:latin typeface="Franklin Gothic Book"/>
-              </a:rPr>
-              <a:t>9/11/20</a:t>
-            </a:fld>
-            <a:endParaRPr b="0" lang="es-ES" sz="1200" spc="-1" strike="noStrike">
-              <a:latin typeface="Times New Roman"/>
-            </a:endParaRPr>
-          </a:p>
-        </p:txBody>
-      </p:sp>
-      <p:sp>
-        <p:nvSpPr>
-          <p:cNvPr id="49" name="PlaceHolder 5"/>
-          <p:cNvSpPr>
-            <a:spLocks noGrp="1"/>
-          </p:cNvSpPr>
-          <p:nvPr>
-            <p:ph type="ftr"/>
-          </p:nvPr>
-        </p:nvSpPr>
-        <p:spPr>
-          <a:xfrm>
-            <a:off x="2893680" y="6453360"/>
-            <a:ext cx="6280560" cy="404280"/>
-          </a:xfrm>
-          <a:prstGeom prst="rect">
-            <a:avLst/>
-          </a:prstGeom>
-        </p:spPr>
-        <p:txBody>
-          <a:bodyPr anchor="ctr"/>
-          <a:p>
-            <a:endParaRPr b="0" lang="es-ES" sz="2400" spc="-1" strike="noStrike">
-              <a:latin typeface="Times New Roman"/>
-            </a:endParaRPr>
-          </a:p>
-        </p:txBody>
-      </p:sp>
-      <p:sp>
-        <p:nvSpPr>
-          <p:cNvPr id="50" name="PlaceHolder 6"/>
-          <p:cNvSpPr>
-            <a:spLocks noGrp="1"/>
-          </p:cNvSpPr>
-          <p:nvPr>
-            <p:ph type="sldNum"/>
-          </p:nvPr>
-        </p:nvSpPr>
-        <p:spPr>
-          <a:xfrm>
-            <a:off x="9472680" y="6453360"/>
-            <a:ext cx="1595880" cy="404280"/>
-          </a:xfrm>
-          <a:prstGeom prst="rect">
-            <a:avLst/>
-          </a:prstGeom>
-        </p:spPr>
-        <p:txBody>
-          <a:bodyPr anchor="ctr"/>
-          <a:p>
-            <a:pPr algn="r">
-              <a:lnSpc>
-                <a:spcPct val="100000"/>
-              </a:lnSpc>
-            </a:pPr>
-            <a:fld id="{95D2F395-665C-4A52-91B6-997195212DAD}" type="slidenum">
-              <a:rPr b="0" lang="es-ES" sz="1200" spc="-1" strike="noStrike">
-                <a:solidFill>
-                  <a:srgbClr val="191b0e"/>
-                </a:solidFill>
-                <a:latin typeface="Franklin Gothic Book"/>
-              </a:rPr>
-              <a:t>&lt;número&gt;</a:t>
-            </a:fld>
-            <a:endParaRPr b="0" lang="es-ES" sz="1200" spc="-1" strike="noStrike">
-              <a:latin typeface="Times New Roman"/>
+              <a:buSzPct val="45000"/>
+              <a:buFont typeface="Wingdings" charset="2"/>
+              <a:buChar char=""/>
+            </a:pPr>
+            <a:r>
+              <a:rPr b="0" lang="es-ES" sz="2000" spc="-1" strike="noStrike">
+                <a:latin typeface="Arial"/>
+              </a:rPr>
+              <a:t>Quinto nivel del esquema</a:t>
+            </a:r>
+            <a:endParaRPr b="0" lang="es-ES" sz="2000" spc="-1" strike="noStrike">
+              <a:latin typeface="Arial"/>
+            </a:endParaRPr>
+          </a:p>
+          <a:p>
+            <a:pPr lvl="5" marL="2592000" indent="-216000">
+              <a:spcBef>
+                <a:spcPts val="283"/>
+              </a:spcBef>
+              <a:buClr>
+                <a:srgbClr val="000000"/>
+              </a:buClr>
+              <a:buSzPct val="45000"/>
+              <a:buFont typeface="Wingdings" charset="2"/>
+              <a:buChar char=""/>
+            </a:pPr>
+            <a:r>
+              <a:rPr b="0" lang="es-ES" sz="2000" spc="-1" strike="noStrike">
+                <a:latin typeface="Arial"/>
+              </a:rPr>
+              <a:t>Sexto nivel del esquema</a:t>
+            </a:r>
+            <a:endParaRPr b="0" lang="es-ES" sz="2000" spc="-1" strike="noStrike">
+              <a:latin typeface="Arial"/>
+            </a:endParaRPr>
+          </a:p>
+          <a:p>
+            <a:pPr lvl="6" marL="3024000" indent="-216000">
+              <a:spcBef>
+                <a:spcPts val="283"/>
+              </a:spcBef>
+              <a:buClr>
+                <a:srgbClr val="000000"/>
+              </a:buClr>
+              <a:buSzPct val="45000"/>
+              <a:buFont typeface="Wingdings" charset="2"/>
+              <a:buChar char=""/>
+            </a:pPr>
+            <a:r>
+              <a:rPr b="0" lang="es-ES" sz="2000" spc="-1" strike="noStrike">
+                <a:latin typeface="Arial"/>
+              </a:rPr>
+              <a:t>Séptimo nivel del esquema</a:t>
+            </a:r>
+            <a:endParaRPr b="0" lang="es-ES" sz="2000" spc="-1" strike="noStrike">
+              <a:latin typeface="Arial"/>
             </a:endParaRPr>
           </a:p>
         </p:txBody>
@@ -3906,14 +3426,14 @@
       </p:grpSpPr>
       <p:sp>
         <p:nvSpPr>
-          <p:cNvPr id="87" name="TextShape 1"/>
-          <p:cNvSpPr txBox="1"/>
+          <p:cNvPr id="81" name="CustomShape 1"/>
+          <p:cNvSpPr/>
           <p:nvPr/>
         </p:nvSpPr>
         <p:spPr>
           <a:xfrm>
             <a:off x="1915200" y="1788480"/>
-            <a:ext cx="8361000" cy="2097720"/>
+            <a:ext cx="8360640" cy="2097360"/>
           </a:xfrm>
           <a:prstGeom prst="rect">
             <a:avLst/>
@@ -3923,8 +3443,14 @@
             <a:noFill/>
           </a:ln>
         </p:spPr>
-        <p:txBody>
-          <a:bodyPr anchor="b"/>
+        <p:style>
+          <a:lnRef idx="0"/>
+          <a:fillRef idx="0"/>
+          <a:effectRef idx="0"/>
+          <a:fontRef idx="minor"/>
+        </p:style>
+        <p:txBody>
+          <a:bodyPr lIns="90000" rIns="90000" tIns="45000" bIns="45000" anchor="b"/>
           <a:p>
             <a:pPr algn="ctr">
               <a:lnSpc>
@@ -3932,7 +3458,7 @@
               </a:lnSpc>
             </a:pPr>
             <a:r>
-              <a:rPr b="0" lang="en-US" sz="7200" spc="-1" strike="noStrike" cap="all">
+              <a:rPr b="0" lang="es-ES" sz="7200" spc="-1" strike="noStrike" cap="all">
                 <a:solidFill>
                   <a:srgbClr val="191b0e"/>
                 </a:solidFill>
@@ -3940,25 +3466,22 @@
               </a:rPr>
               <a:t>TRANSACCIONES EN JDBC</a:t>
             </a:r>
-            <a:endParaRPr b="0" lang="en-US" sz="7200" spc="-1" strike="noStrike">
-              <a:solidFill>
-                <a:srgbClr val="000000"/>
-              </a:solidFill>
-              <a:latin typeface="Franklin Gothic Book"/>
-            </a:endParaRPr>
-          </a:p>
-        </p:txBody>
-      </p:sp>
-      <p:sp>
-        <p:nvSpPr>
-          <p:cNvPr id="88" name="TextShape 2"/>
-          <p:cNvSpPr txBox="1"/>
+            <a:endParaRPr b="0" lang="es-ES" sz="7200" spc="-1" strike="noStrike">
+              <a:latin typeface="Arial"/>
+            </a:endParaRPr>
+          </a:p>
+        </p:txBody>
+      </p:sp>
+      <p:sp>
+        <p:nvSpPr>
+          <p:cNvPr id="82" name="CustomShape 2"/>
+          <p:cNvSpPr/>
           <p:nvPr/>
         </p:nvSpPr>
         <p:spPr>
           <a:xfrm>
             <a:off x="2679840" y="3956400"/>
-            <a:ext cx="6831360" cy="1085760"/>
+            <a:ext cx="6831000" cy="1085400"/>
           </a:xfrm>
           <a:prstGeom prst="rect">
             <a:avLst/>
@@ -3968,8 +3491,14 @@
             <a:noFill/>
           </a:ln>
         </p:spPr>
-        <p:txBody>
-          <a:bodyPr>
+        <p:style>
+          <a:lnRef idx="0"/>
+          <a:fillRef idx="0"/>
+          <a:effectRef idx="0"/>
+          <a:fontRef idx="minor"/>
+        </p:style>
+        <p:txBody>
+          <a:bodyPr lIns="90000" rIns="90000" tIns="45000" bIns="45000">
             <a:normAutofit/>
           </a:bodyPr>
           <a:p>
@@ -4082,14 +3611,14 @@
       </p:grpSpPr>
       <p:sp>
         <p:nvSpPr>
-          <p:cNvPr id="105" name="TextShape 1"/>
-          <p:cNvSpPr txBox="1"/>
+          <p:cNvPr id="99" name="CustomShape 1"/>
+          <p:cNvSpPr/>
           <p:nvPr/>
         </p:nvSpPr>
         <p:spPr>
           <a:xfrm>
             <a:off x="1371600" y="685800"/>
-            <a:ext cx="9600840" cy="1485720"/>
+            <a:ext cx="9600480" cy="1485360"/>
           </a:xfrm>
           <a:prstGeom prst="rect">
             <a:avLst/>
@@ -4099,8 +3628,14 @@
             <a:noFill/>
           </a:ln>
         </p:spPr>
-        <p:txBody>
-          <a:bodyPr/>
+        <p:style>
+          <a:lnRef idx="0"/>
+          <a:fillRef idx="0"/>
+          <a:effectRef idx="0"/>
+          <a:fontRef idx="minor"/>
+        </p:style>
+        <p:txBody>
+          <a:bodyPr lIns="90000" rIns="90000" tIns="45000" bIns="45000"/>
           <a:p>
             <a:pPr>
               <a:lnSpc>
@@ -4108,7 +3643,7 @@
               </a:lnSpc>
             </a:pPr>
             <a:r>
-              <a:rPr b="0" lang="en-US" sz="4400" spc="-1" strike="noStrike">
+              <a:rPr b="0" lang="es-ES" sz="4400" spc="-1" strike="noStrike">
                 <a:solidFill>
                   <a:srgbClr val="191b0e"/>
                 </a:solidFill>
@@ -4116,25 +3651,22 @@
               </a:rPr>
               <a:t>TestManejoPersonas (4) –catch (1)</a:t>
             </a:r>
-            <a:endParaRPr b="0" lang="en-US" sz="4400" spc="-1" strike="noStrike">
-              <a:solidFill>
-                <a:srgbClr val="000000"/>
-              </a:solidFill>
-              <a:latin typeface="Franklin Gothic Book"/>
-            </a:endParaRPr>
-          </a:p>
-        </p:txBody>
-      </p:sp>
-      <p:sp>
-        <p:nvSpPr>
-          <p:cNvPr id="106" name="TextShape 2"/>
-          <p:cNvSpPr txBox="1"/>
+            <a:endParaRPr b="0" lang="es-ES" sz="4400" spc="-1" strike="noStrike">
+              <a:latin typeface="Arial"/>
+            </a:endParaRPr>
+          </a:p>
+        </p:txBody>
+      </p:sp>
+      <p:sp>
+        <p:nvSpPr>
+          <p:cNvPr id="100" name="CustomShape 2"/>
+          <p:cNvSpPr/>
           <p:nvPr/>
         </p:nvSpPr>
         <p:spPr>
           <a:xfrm>
             <a:off x="1371600" y="1459800"/>
-            <a:ext cx="9600840" cy="5158800"/>
+            <a:ext cx="9600480" cy="5158440"/>
           </a:xfrm>
           <a:prstGeom prst="rect">
             <a:avLst/>
@@ -4144,12 +3676,18 @@
             <a:noFill/>
           </a:ln>
         </p:spPr>
-        <p:txBody>
-          <a:bodyPr>
+        <p:style>
+          <a:lnRef idx="0"/>
+          <a:fillRef idx="0"/>
+          <a:effectRef idx="0"/>
+          <a:fontRef idx="minor"/>
+        </p:style>
+        <p:txBody>
+          <a:bodyPr lIns="90000" rIns="90000" tIns="45000" bIns="45000">
             <a:normAutofit/>
           </a:bodyPr>
           <a:p>
-            <a:pPr marL="384120" indent="-383760">
+            <a:pPr marL="384120" indent="-383400">
               <a:lnSpc>
                 <a:spcPct val="94000"/>
               </a:lnSpc>
@@ -4166,7 +3704,7 @@
               <a:buChar char="■"/>
             </a:pPr>
             <a:r>
-              <a:rPr b="0" lang="en-US" sz="2000" spc="-1" strike="noStrike">
+              <a:rPr b="0" lang="es-ES" sz="2000" spc="-1" strike="noStrike">
                 <a:solidFill>
                   <a:srgbClr val="191b0e"/>
                 </a:solidFill>
@@ -4174,11 +3712,8 @@
               </a:rPr>
               <a:t>Ahora añadimos la parte de código para anular los cambios (rollback)</a:t>
             </a:r>
-            <a:endParaRPr b="0" lang="en-US" sz="2000" spc="-1" strike="noStrike">
-              <a:solidFill>
-                <a:srgbClr val="191b0e"/>
-              </a:solidFill>
-              <a:latin typeface="Franklin Gothic Book"/>
+            <a:endParaRPr b="0" lang="es-ES" sz="2000" spc="-1" strike="noStrike">
+              <a:latin typeface="Arial"/>
             </a:endParaRPr>
           </a:p>
           <a:p>
@@ -4194,7 +3729,7 @@
               </a:spcAft>
             </a:pPr>
             <a:r>
-              <a:rPr b="0" lang="en-US" sz="2000" spc="-1" strike="noStrike">
+              <a:rPr b="0" lang="es-ES" sz="2000" spc="-1" strike="noStrike">
                 <a:solidFill>
                   <a:srgbClr val="191b0e"/>
                 </a:solidFill>
@@ -4203,7 +3738,7 @@
               <a:t>           </a:t>
             </a:r>
             <a:r>
-              <a:rPr b="0" lang="en-US" sz="2000" spc="-1" strike="noStrike">
+              <a:rPr b="0" lang="es-ES" sz="2000" spc="-1" strike="noStrike">
                 <a:solidFill>
                   <a:srgbClr val="191b0e"/>
                 </a:solidFill>
@@ -4211,11 +3746,8 @@
               </a:rPr>
               <a:t>catch (SQLException ex) {</a:t>
             </a:r>
-            <a:endParaRPr b="0" lang="en-US" sz="2000" spc="-1" strike="noStrike">
-              <a:solidFill>
-                <a:srgbClr val="191b0e"/>
-              </a:solidFill>
-              <a:latin typeface="Franklin Gothic Book"/>
+            <a:endParaRPr b="0" lang="es-ES" sz="2000" spc="-1" strike="noStrike">
+              <a:latin typeface="Arial"/>
             </a:endParaRPr>
           </a:p>
           <a:p>
@@ -4231,7 +3763,7 @@
               </a:spcAft>
             </a:pPr>
             <a:r>
-              <a:rPr b="0" lang="en-US" sz="2000" spc="-1" strike="noStrike">
+              <a:rPr b="0" lang="es-ES" sz="2000" spc="-1" strike="noStrike">
                 <a:solidFill>
                   <a:srgbClr val="191b0e"/>
                 </a:solidFill>
@@ -4240,7 +3772,7 @@
               <a:t>            </a:t>
             </a:r>
             <a:r>
-              <a:rPr b="0" lang="en-US" sz="2000" spc="-1" strike="noStrike">
+              <a:rPr b="0" lang="es-ES" sz="2000" spc="-1" strike="noStrike">
                 <a:solidFill>
                   <a:srgbClr val="191b0e"/>
                 </a:solidFill>
@@ -4248,11 +3780,8 @@
               </a:rPr>
               <a:t>ex.printStackTrace(System.out);</a:t>
             </a:r>
-            <a:endParaRPr b="0" lang="en-US" sz="2000" spc="-1" strike="noStrike">
-              <a:solidFill>
-                <a:srgbClr val="191b0e"/>
-              </a:solidFill>
-              <a:latin typeface="Franklin Gothic Book"/>
+            <a:endParaRPr b="0" lang="es-ES" sz="2000" spc="-1" strike="noStrike">
+              <a:latin typeface="Arial"/>
             </a:endParaRPr>
           </a:p>
           <a:p>
@@ -4268,7 +3797,7 @@
               </a:spcAft>
             </a:pPr>
             <a:r>
-              <a:rPr b="0" lang="en-US" sz="2000" spc="-1" strike="noStrike">
+              <a:rPr b="0" lang="es-ES" sz="2000" spc="-1" strike="noStrike">
                 <a:solidFill>
                   <a:srgbClr val="191b0e"/>
                 </a:solidFill>
@@ -4277,7 +3806,7 @@
               <a:t>            </a:t>
             </a:r>
             <a:r>
-              <a:rPr b="0" lang="en-US" sz="2000" spc="-1" strike="noStrike">
+              <a:rPr b="0" lang="es-ES" sz="2000" spc="-1" strike="noStrike">
                 <a:solidFill>
                   <a:srgbClr val="191b0e"/>
                 </a:solidFill>
@@ -4285,11 +3814,8 @@
               </a:rPr>
               <a:t>System.out.println("Entramos al rollback");</a:t>
             </a:r>
-            <a:endParaRPr b="0" lang="en-US" sz="2000" spc="-1" strike="noStrike">
-              <a:solidFill>
-                <a:srgbClr val="191b0e"/>
-              </a:solidFill>
-              <a:latin typeface="Franklin Gothic Book"/>
+            <a:endParaRPr b="0" lang="es-ES" sz="2000" spc="-1" strike="noStrike">
+              <a:latin typeface="Arial"/>
             </a:endParaRPr>
           </a:p>
           <a:p>
@@ -4305,7 +3831,7 @@
               </a:spcAft>
             </a:pPr>
             <a:r>
-              <a:rPr b="0" lang="en-US" sz="2000" spc="-1" strike="noStrike">
+              <a:rPr b="0" lang="es-ES" sz="2000" spc="-1" strike="noStrike">
                 <a:solidFill>
                   <a:srgbClr val="191b0e"/>
                 </a:solidFill>
@@ -4314,7 +3840,7 @@
               <a:t>            </a:t>
             </a:r>
             <a:r>
-              <a:rPr b="0" lang="en-US" sz="2000" spc="-1" strike="noStrike">
+              <a:rPr b="0" lang="es-ES" sz="2000" spc="-1" strike="noStrike">
                 <a:solidFill>
                   <a:srgbClr val="191b0e"/>
                 </a:solidFill>
@@ -4322,11 +3848,8 @@
               </a:rPr>
               <a:t>try {</a:t>
             </a:r>
-            <a:endParaRPr b="0" lang="en-US" sz="2000" spc="-1" strike="noStrike">
-              <a:solidFill>
-                <a:srgbClr val="191b0e"/>
-              </a:solidFill>
-              <a:latin typeface="Franklin Gothic Book"/>
+            <a:endParaRPr b="0" lang="es-ES" sz="2000" spc="-1" strike="noStrike">
+              <a:latin typeface="Arial"/>
             </a:endParaRPr>
           </a:p>
           <a:p>
@@ -4342,7 +3865,7 @@
               </a:spcAft>
             </a:pPr>
             <a:r>
-              <a:rPr b="0" lang="en-US" sz="2000" spc="-1" strike="noStrike">
+              <a:rPr b="0" lang="es-ES" sz="2000" spc="-1" strike="noStrike">
                 <a:solidFill>
                   <a:srgbClr val="191b0e"/>
                 </a:solidFill>
@@ -4351,7 +3874,7 @@
               <a:t>                </a:t>
             </a:r>
             <a:r>
-              <a:rPr b="0" lang="en-US" sz="2000" spc="-1" strike="noStrike">
+              <a:rPr b="0" lang="es-ES" sz="2000" spc="-1" strike="noStrike">
                 <a:solidFill>
                   <a:srgbClr val="191b0e"/>
                 </a:solidFill>
@@ -4359,11 +3882,8 @@
               </a:rPr>
               <a:t>conexion.rollback();</a:t>
             </a:r>
-            <a:endParaRPr b="0" lang="en-US" sz="2000" spc="-1" strike="noStrike">
-              <a:solidFill>
-                <a:srgbClr val="191b0e"/>
-              </a:solidFill>
-              <a:latin typeface="Franklin Gothic Book"/>
+            <a:endParaRPr b="0" lang="es-ES" sz="2000" spc="-1" strike="noStrike">
+              <a:latin typeface="Arial"/>
             </a:endParaRPr>
           </a:p>
           <a:p>
@@ -4379,7 +3899,7 @@
               </a:spcAft>
             </a:pPr>
             <a:r>
-              <a:rPr b="0" lang="en-US" sz="2000" spc="-1" strike="noStrike">
+              <a:rPr b="0" lang="es-ES" sz="2000" spc="-1" strike="noStrike">
                 <a:solidFill>
                   <a:srgbClr val="191b0e"/>
                 </a:solidFill>
@@ -4388,7 +3908,7 @@
               <a:t>            </a:t>
             </a:r>
             <a:r>
-              <a:rPr b="0" lang="en-US" sz="2000" spc="-1" strike="noStrike">
+              <a:rPr b="0" lang="es-ES" sz="2000" spc="-1" strike="noStrike">
                 <a:solidFill>
                   <a:srgbClr val="191b0e"/>
                 </a:solidFill>
@@ -4396,11 +3916,8 @@
               </a:rPr>
               <a:t>} catch (SQLException ex1) {</a:t>
             </a:r>
-            <a:endParaRPr b="0" lang="en-US" sz="2000" spc="-1" strike="noStrike">
-              <a:solidFill>
-                <a:srgbClr val="191b0e"/>
-              </a:solidFill>
-              <a:latin typeface="Franklin Gothic Book"/>
+            <a:endParaRPr b="0" lang="es-ES" sz="2000" spc="-1" strike="noStrike">
+              <a:latin typeface="Arial"/>
             </a:endParaRPr>
           </a:p>
           <a:p>
@@ -4416,7 +3933,7 @@
               </a:spcAft>
             </a:pPr>
             <a:r>
-              <a:rPr b="0" lang="en-US" sz="2000" spc="-1" strike="noStrike">
+              <a:rPr b="0" lang="es-ES" sz="2000" spc="-1" strike="noStrike">
                 <a:solidFill>
                   <a:srgbClr val="191b0e"/>
                 </a:solidFill>
@@ -4425,7 +3942,7 @@
               <a:t>                </a:t>
             </a:r>
             <a:r>
-              <a:rPr b="0" lang="en-US" sz="2000" spc="-1" strike="noStrike">
+              <a:rPr b="0" lang="es-ES" sz="2000" spc="-1" strike="noStrike">
                 <a:solidFill>
                   <a:srgbClr val="191b0e"/>
                 </a:solidFill>
@@ -4433,11 +3950,8 @@
               </a:rPr>
               <a:t>ex1.printStackTrace(System.out);</a:t>
             </a:r>
-            <a:endParaRPr b="0" lang="en-US" sz="2000" spc="-1" strike="noStrike">
-              <a:solidFill>
-                <a:srgbClr val="191b0e"/>
-              </a:solidFill>
-              <a:latin typeface="Franklin Gothic Book"/>
+            <a:endParaRPr b="0" lang="es-ES" sz="2000" spc="-1" strike="noStrike">
+              <a:latin typeface="Arial"/>
             </a:endParaRPr>
           </a:p>
           <a:p>
@@ -4453,7 +3967,7 @@
               </a:spcAft>
             </a:pPr>
             <a:r>
-              <a:rPr b="0" lang="en-US" sz="2000" spc="-1" strike="noStrike">
+              <a:rPr b="0" lang="es-ES" sz="2000" spc="-1" strike="noStrike">
                 <a:solidFill>
                   <a:srgbClr val="191b0e"/>
                 </a:solidFill>
@@ -4462,7 +3976,7 @@
               <a:t>            </a:t>
             </a:r>
             <a:r>
-              <a:rPr b="0" lang="en-US" sz="2000" spc="-1" strike="noStrike">
+              <a:rPr b="0" lang="es-ES" sz="2000" spc="-1" strike="noStrike">
                 <a:solidFill>
                   <a:srgbClr val="191b0e"/>
                 </a:solidFill>
@@ -4470,11 +3984,8 @@
               </a:rPr>
               <a:t>}</a:t>
             </a:r>
-            <a:endParaRPr b="0" lang="en-US" sz="2000" spc="-1" strike="noStrike">
-              <a:solidFill>
-                <a:srgbClr val="191b0e"/>
-              </a:solidFill>
-              <a:latin typeface="Franklin Gothic Book"/>
+            <a:endParaRPr b="0" lang="es-ES" sz="2000" spc="-1" strike="noStrike">
+              <a:latin typeface="Arial"/>
             </a:endParaRPr>
           </a:p>
           <a:p>
@@ -4490,7 +4001,7 @@
               </a:spcAft>
             </a:pPr>
             <a:r>
-              <a:rPr b="0" lang="en-US" sz="2000" spc="-1" strike="noStrike">
+              <a:rPr b="0" lang="es-ES" sz="2000" spc="-1" strike="noStrike">
                 <a:solidFill>
                   <a:srgbClr val="191b0e"/>
                 </a:solidFill>
@@ -4499,7 +4010,7 @@
               <a:t>        </a:t>
             </a:r>
             <a:r>
-              <a:rPr b="0" lang="en-US" sz="2000" spc="-1" strike="noStrike">
+              <a:rPr b="0" lang="es-ES" sz="2000" spc="-1" strike="noStrike">
                 <a:solidFill>
                   <a:srgbClr val="191b0e"/>
                 </a:solidFill>
@@ -4507,11 +4018,8 @@
               </a:rPr>
               <a:t>}</a:t>
             </a:r>
-            <a:endParaRPr b="0" lang="en-US" sz="2000" spc="-1" strike="noStrike">
-              <a:solidFill>
-                <a:srgbClr val="191b0e"/>
-              </a:solidFill>
-              <a:latin typeface="Franklin Gothic Book"/>
+            <a:endParaRPr b="0" lang="es-ES" sz="2000" spc="-1" strike="noStrike">
+              <a:latin typeface="Arial"/>
             </a:endParaRPr>
           </a:p>
         </p:txBody>
@@ -4567,14 +4075,14 @@
       </p:grpSpPr>
       <p:sp>
         <p:nvSpPr>
-          <p:cNvPr id="107" name="TextShape 1"/>
-          <p:cNvSpPr txBox="1"/>
+          <p:cNvPr id="101" name="CustomShape 1"/>
+          <p:cNvSpPr/>
           <p:nvPr/>
         </p:nvSpPr>
         <p:spPr>
           <a:xfrm>
             <a:off x="1371600" y="685800"/>
-            <a:ext cx="9600840" cy="1485720"/>
+            <a:ext cx="9600480" cy="1485360"/>
           </a:xfrm>
           <a:prstGeom prst="rect">
             <a:avLst/>
@@ -4584,8 +4092,14 @@
             <a:noFill/>
           </a:ln>
         </p:spPr>
-        <p:txBody>
-          <a:bodyPr/>
+        <p:style>
+          <a:lnRef idx="0"/>
+          <a:fillRef idx="0"/>
+          <a:effectRef idx="0"/>
+          <a:fontRef idx="minor"/>
+        </p:style>
+        <p:txBody>
+          <a:bodyPr lIns="90000" rIns="90000" tIns="45000" bIns="45000"/>
           <a:p>
             <a:pPr>
               <a:lnSpc>
@@ -4593,7 +4107,7 @@
               </a:lnSpc>
             </a:pPr>
             <a:r>
-              <a:rPr b="0" lang="en-US" sz="4400" spc="-1" strike="noStrike">
+              <a:rPr b="0" lang="es-ES" sz="4400" spc="-1" strike="noStrike">
                 <a:solidFill>
                   <a:srgbClr val="191b0e"/>
                 </a:solidFill>
@@ -4601,25 +4115,22 @@
               </a:rPr>
               <a:t>Ejercicio 1</a:t>
             </a:r>
-            <a:endParaRPr b="0" lang="en-US" sz="4400" spc="-1" strike="noStrike">
-              <a:solidFill>
-                <a:srgbClr val="000000"/>
-              </a:solidFill>
-              <a:latin typeface="Franklin Gothic Book"/>
-            </a:endParaRPr>
-          </a:p>
-        </p:txBody>
-      </p:sp>
-      <p:sp>
-        <p:nvSpPr>
-          <p:cNvPr id="108" name="TextShape 2"/>
-          <p:cNvSpPr txBox="1"/>
+            <a:endParaRPr b="0" lang="es-ES" sz="4400" spc="-1" strike="noStrike">
+              <a:latin typeface="Arial"/>
+            </a:endParaRPr>
+          </a:p>
+        </p:txBody>
+      </p:sp>
+      <p:sp>
+        <p:nvSpPr>
+          <p:cNvPr id="102" name="CustomShape 2"/>
+          <p:cNvSpPr/>
           <p:nvPr/>
         </p:nvSpPr>
         <p:spPr>
           <a:xfrm>
             <a:off x="1371600" y="2286000"/>
-            <a:ext cx="9600840" cy="3580920"/>
+            <a:ext cx="9600480" cy="3580560"/>
           </a:xfrm>
           <a:prstGeom prst="rect">
             <a:avLst/>
@@ -4629,10 +4140,16 @@
             <a:noFill/>
           </a:ln>
         </p:spPr>
-        <p:txBody>
-          <a:bodyPr/>
-          <a:p>
-            <a:pPr marL="384120" indent="-383760">
+        <p:style>
+          <a:lnRef idx="0"/>
+          <a:fillRef idx="0"/>
+          <a:effectRef idx="0"/>
+          <a:fontRef idx="minor"/>
+        </p:style>
+        <p:txBody>
+          <a:bodyPr lIns="90000" rIns="90000" tIns="45000" bIns="45000"/>
+          <a:p>
+            <a:pPr marL="384120" indent="-383400">
               <a:lnSpc>
                 <a:spcPct val="94000"/>
               </a:lnSpc>
@@ -4649,7 +4166,7 @@
               <a:buChar char="■"/>
             </a:pPr>
             <a:r>
-              <a:rPr b="0" lang="en-US" sz="2000" spc="-1" strike="noStrike">
+              <a:rPr b="0" lang="es-ES" sz="2000" spc="-1" strike="noStrike">
                 <a:solidFill>
                   <a:srgbClr val="191b0e"/>
                 </a:solidFill>
@@ -4657,15 +4174,12 @@
               </a:rPr>
               <a:t>Completar y adaptar todos los métodos para que tengan control transaccional</a:t>
             </a:r>
-            <a:endParaRPr b="0" lang="en-US" sz="2000" spc="-1" strike="noStrike">
-              <a:solidFill>
-                <a:srgbClr val="191b0e"/>
-              </a:solidFill>
-              <a:latin typeface="Franklin Gothic Book"/>
-            </a:endParaRPr>
-          </a:p>
-          <a:p>
-            <a:pPr marL="384120" indent="-383760">
+            <a:endParaRPr b="0" lang="es-ES" sz="2000" spc="-1" strike="noStrike">
+              <a:latin typeface="Arial"/>
+            </a:endParaRPr>
+          </a:p>
+          <a:p>
+            <a:pPr marL="384120" indent="-383400">
               <a:lnSpc>
                 <a:spcPct val="94000"/>
               </a:lnSpc>
@@ -4682,7 +4196,7 @@
               <a:buChar char="■"/>
             </a:pPr>
             <a:r>
-              <a:rPr b="0" lang="en-US" sz="2000" spc="-1" strike="noStrike">
+              <a:rPr b="0" lang="es-ES" sz="2000" spc="-1" strike="noStrike">
                 <a:solidFill>
                   <a:srgbClr val="191b0e"/>
                 </a:solidFill>
@@ -4690,15 +4204,12 @@
               </a:rPr>
               <a:t>Añadir el código necesario a la clase de test para probar los métodos de Insertar, borrar y actualizar para que:</a:t>
             </a:r>
-            <a:endParaRPr b="0" lang="en-US" sz="2000" spc="-1" strike="noStrike">
-              <a:solidFill>
-                <a:srgbClr val="191b0e"/>
-              </a:solidFill>
-              <a:latin typeface="Franklin Gothic Book"/>
-            </a:endParaRPr>
-          </a:p>
-          <a:p>
-            <a:pPr lvl="1" marL="914400" indent="-383760">
+            <a:endParaRPr b="0" lang="es-ES" sz="2000" spc="-1" strike="noStrike">
+              <a:latin typeface="Arial"/>
+            </a:endParaRPr>
+          </a:p>
+          <a:p>
+            <a:pPr lvl="1" marL="914400" indent="-383400">
               <a:lnSpc>
                 <a:spcPct val="94000"/>
               </a:lnSpc>
@@ -4715,7 +4226,7 @@
               <a:buChar char="–"/>
             </a:pPr>
             <a:r>
-              <a:rPr b="0" i="1" lang="en-US" sz="2000" spc="-1" strike="noStrike">
+              <a:rPr b="0" i="1" lang="es-ES" sz="2000" spc="-1" strike="noStrike">
                 <a:solidFill>
                   <a:srgbClr val="191b0e"/>
                 </a:solidFill>
@@ -4723,33 +4234,61 @@
               </a:rPr>
               <a:t>Haga commit el método correspondiente</a:t>
             </a:r>
-            <a:endParaRPr b="0" lang="en-US" sz="2000" spc="-1" strike="noStrike">
-              <a:solidFill>
-                <a:srgbClr val="191b0e"/>
-              </a:solidFill>
-              <a:latin typeface="Franklin Gothic Book"/>
-            </a:endParaRPr>
-          </a:p>
-          <a:p>
-            <a:endParaRPr b="0" lang="en-US" sz="2000" spc="-1" strike="noStrike">
-              <a:solidFill>
-                <a:srgbClr val="191b0e"/>
-              </a:solidFill>
-              <a:latin typeface="Franklin Gothic Book"/>
-            </a:endParaRPr>
-          </a:p>
-          <a:p>
-            <a:endParaRPr b="0" lang="en-US" sz="2000" spc="-1" strike="noStrike">
-              <a:solidFill>
-                <a:srgbClr val="191b0e"/>
-              </a:solidFill>
-              <a:latin typeface="Franklin Gothic Book"/>
+            <a:endParaRPr b="0" lang="es-ES" sz="2000" spc="-1" strike="noStrike">
+              <a:latin typeface="Arial"/>
+            </a:endParaRPr>
+          </a:p>
+          <a:p>
+            <a:pPr>
+              <a:lnSpc>
+                <a:spcPct val="100000"/>
+              </a:lnSpc>
+            </a:pPr>
+            <a:endParaRPr b="0" lang="es-ES" sz="2000" spc="-1" strike="noStrike">
+              <a:latin typeface="Arial"/>
+            </a:endParaRPr>
+          </a:p>
+          <a:p>
+            <a:pPr>
+              <a:lnSpc>
+                <a:spcPct val="100000"/>
+              </a:lnSpc>
+            </a:pPr>
+            <a:endParaRPr b="0" lang="es-ES" sz="2000" spc="-1" strike="noStrike">
+              <a:latin typeface="Arial"/>
             </a:endParaRPr>
           </a:p>
         </p:txBody>
       </p:sp>
     </p:spTree>
   </p:cSld>
+  <p:timing>
+    <p:tnLst>
+      <p:par>
+        <p:cTn id="21" dur="indefinite" restart="never" nodeType="tmRoot">
+          <p:childTnLst>
+            <p:seq>
+              <p:cTn id="22" dur="indefinite" nodeType="mainSeq"/>
+              <p:prevCondLst>
+                <p:cond delay="0" evt="onPrev">
+                  <p:tgtEl>
+                    <p:sldTgt/>
+                  </p:tgtEl>
+                </p:cond>
+              </p:prevCondLst>
+              <p:nextCondLst>
+                <p:cond delay="0" evt="onNext">
+                  <p:tgtEl>
+                    <p:sldTgt/>
+                  </p:tgtEl>
+                </p:cond>
+              </p:nextCondLst>
+            </p:seq>
+          </p:childTnLst>
+        </p:cTn>
+      </p:par>
+    </p:tnLst>
+  </p:timing>
 </p:sld>
 </file>
 
@@ -4772,315 +4311,14 @@
       </p:grpSpPr>
       <p:sp>
         <p:nvSpPr>
-          <p:cNvPr id="109" name="TextShape 1"/>
-          <p:cNvSpPr txBox="1"/>
-          <p:nvPr/>
-        </p:nvSpPr>
-        <p:spPr>
-          <a:xfrm>
-            <a:off x="1371600" y="685800"/>
-            <a:ext cx="9600840" cy="1485720"/>
-          </a:xfrm>
-          <a:prstGeom prst="rect">
-            <a:avLst/>
-          </a:prstGeom>
-          <a:noFill/>
-          <a:ln>
-            <a:noFill/>
-          </a:ln>
-        </p:spPr>
-        <p:txBody>
-          <a:bodyPr/>
-          <a:p>
-            <a:pPr>
-              <a:lnSpc>
-                <a:spcPct val="89000"/>
-              </a:lnSpc>
-            </a:pPr>
-            <a:r>
-              <a:rPr b="0" lang="en-US" sz="4400" spc="-1" strike="noStrike">
-                <a:solidFill>
-                  <a:srgbClr val="191b0e"/>
-                </a:solidFill>
-                <a:latin typeface="Franklin Gothic Book"/>
-              </a:rPr>
-              <a:t>personaDAO: Modificamos los métodos para adaptarlos al tipo de conexión (3)</a:t>
-            </a:r>
-            <a:endParaRPr b="0" lang="en-US" sz="4400" spc="-1" strike="noStrike">
-              <a:solidFill>
-                <a:srgbClr val="000000"/>
-              </a:solidFill>
-              <a:latin typeface="Franklin Gothic Book"/>
-            </a:endParaRPr>
-          </a:p>
-        </p:txBody>
-      </p:sp>
-      <p:sp>
-        <p:nvSpPr>
-          <p:cNvPr id="110" name="TextShape 2"/>
-          <p:cNvSpPr txBox="1"/>
-          <p:nvPr/>
-        </p:nvSpPr>
-        <p:spPr>
-          <a:xfrm>
-            <a:off x="1295280" y="2328120"/>
-            <a:ext cx="9600840" cy="3580920"/>
-          </a:xfrm>
-          <a:prstGeom prst="rect">
-            <a:avLst/>
-          </a:prstGeom>
-          <a:noFill/>
-          <a:ln>
-            <a:noFill/>
-          </a:ln>
-        </p:spPr>
-        <p:txBody>
-          <a:bodyPr>
-            <a:normAutofit/>
-          </a:bodyPr>
-          <a:p>
-            <a:pPr marL="384120" indent="-383760">
-              <a:lnSpc>
-                <a:spcPct val="94000"/>
-              </a:lnSpc>
-              <a:spcBef>
-                <a:spcPts val="1001"/>
-              </a:spcBef>
-              <a:spcAft>
-                <a:spcPts val="201"/>
-              </a:spcAft>
-              <a:buClr>
-                <a:srgbClr val="191b0e"/>
-              </a:buClr>
-              <a:buFont typeface="Franklin Gothic Book"/>
-              <a:buChar char="■"/>
-            </a:pPr>
-            <a:r>
-              <a:rPr b="0" lang="en-US" sz="2000" spc="-1" strike="noStrike">
-                <a:solidFill>
-                  <a:srgbClr val="191b0e"/>
-                </a:solidFill>
-                <a:latin typeface="Franklin Gothic Book"/>
-              </a:rPr>
-              <a:t>Ahora, para poder hacer ROLLBACK, </a:t>
-            </a:r>
-            <a:r>
-              <a:rPr b="0" lang="en-US" sz="2000" spc="-1" strike="noStrike" u="sng">
-                <a:solidFill>
-                  <a:srgbClr val="191b0e"/>
-                </a:solidFill>
-                <a:uFillTx/>
-                <a:latin typeface="Franklin Gothic Book"/>
-              </a:rPr>
-              <a:t>debemos eliminar el bloque catch</a:t>
-            </a:r>
-            <a:r>
-              <a:rPr b="0" lang="en-US" sz="2000" spc="-1" strike="noStrike">
-                <a:solidFill>
-                  <a:srgbClr val="191b0e"/>
-                </a:solidFill>
-                <a:latin typeface="Franklin Gothic Book"/>
-              </a:rPr>
-              <a:t> de cada uno de los métodos INSERTAR, BORRAR, ACTUALIZAR </a:t>
-            </a:r>
-            <a:endParaRPr b="0" lang="en-US" sz="2000" spc="-1" strike="noStrike">
-              <a:solidFill>
-                <a:srgbClr val="191b0e"/>
-              </a:solidFill>
-              <a:latin typeface="Franklin Gothic Book"/>
-            </a:endParaRPr>
-          </a:p>
-          <a:p>
-            <a:pPr>
-              <a:lnSpc>
-                <a:spcPct val="94000"/>
-              </a:lnSpc>
-              <a:spcBef>
-                <a:spcPts val="1001"/>
-              </a:spcBef>
-              <a:spcAft>
-                <a:spcPts val="201"/>
-              </a:spcAft>
-            </a:pPr>
-            <a:endParaRPr b="0" lang="en-US" sz="2000" spc="-1" strike="noStrike">
-              <a:solidFill>
-                <a:srgbClr val="191b0e"/>
-              </a:solidFill>
-              <a:latin typeface="Franklin Gothic Book"/>
-            </a:endParaRPr>
-          </a:p>
-          <a:p>
-            <a:pPr>
-              <a:lnSpc>
-                <a:spcPct val="94000"/>
-              </a:lnSpc>
-              <a:spcBef>
-                <a:spcPts val="1001"/>
-              </a:spcBef>
-              <a:spcAft>
-                <a:spcPts val="201"/>
-              </a:spcAft>
-            </a:pPr>
-            <a:endParaRPr b="0" lang="en-US" sz="2000" spc="-1" strike="noStrike">
-              <a:solidFill>
-                <a:srgbClr val="191b0e"/>
-              </a:solidFill>
-              <a:latin typeface="Franklin Gothic Book"/>
-            </a:endParaRPr>
-          </a:p>
-          <a:p>
-            <a:pPr>
-              <a:lnSpc>
-                <a:spcPct val="94000"/>
-              </a:lnSpc>
-              <a:spcBef>
-                <a:spcPts val="1001"/>
-              </a:spcBef>
-              <a:spcAft>
-                <a:spcPts val="201"/>
-              </a:spcAft>
-            </a:pPr>
-            <a:endParaRPr b="0" lang="en-US" sz="2000" spc="-1" strike="noStrike">
-              <a:solidFill>
-                <a:srgbClr val="191b0e"/>
-              </a:solidFill>
-              <a:latin typeface="Franklin Gothic Book"/>
-            </a:endParaRPr>
-          </a:p>
-          <a:p>
-            <a:pPr>
-              <a:lnSpc>
-                <a:spcPct val="94000"/>
-              </a:lnSpc>
-              <a:spcBef>
-                <a:spcPts val="1001"/>
-              </a:spcBef>
-              <a:spcAft>
-                <a:spcPts val="201"/>
-              </a:spcAft>
-            </a:pPr>
-            <a:r>
-              <a:rPr b="0" lang="en-US" sz="2000" spc="-1" strike="noStrike">
-                <a:solidFill>
-                  <a:srgbClr val="191b0e"/>
-                </a:solidFill>
-                <a:latin typeface="Franklin Gothic Book"/>
-              </a:rPr>
-              <a:t>Y una vez borrado, añadir lanzar la excepción desde el método:</a:t>
-            </a:r>
-            <a:endParaRPr b="0" lang="en-US" sz="2000" spc="-1" strike="noStrike">
-              <a:solidFill>
-                <a:srgbClr val="191b0e"/>
-              </a:solidFill>
-              <a:latin typeface="Franklin Gothic Book"/>
-            </a:endParaRPr>
-          </a:p>
-          <a:p>
-            <a:pPr>
-              <a:lnSpc>
-                <a:spcPct val="94000"/>
-              </a:lnSpc>
-              <a:spcBef>
-                <a:spcPts val="1001"/>
-              </a:spcBef>
-              <a:spcAft>
-                <a:spcPts val="201"/>
-              </a:spcAft>
-            </a:pPr>
-            <a:r>
-              <a:rPr b="0" lang="en-US" sz="2000" spc="-1" strike="noStrike">
-                <a:solidFill>
-                  <a:srgbClr val="000000"/>
-                </a:solidFill>
-                <a:latin typeface="Franklin Gothic Book"/>
-              </a:rPr>
-              <a:t>public int insert(Persona persona) </a:t>
-            </a:r>
-            <a:r>
-              <a:rPr b="0" lang="en-US" sz="2000" spc="-1" strike="noStrike">
-                <a:solidFill>
-                  <a:srgbClr val="ff0000"/>
-                </a:solidFill>
-                <a:latin typeface="Franklin Gothic Book"/>
-              </a:rPr>
-              <a:t>throws SQLException {</a:t>
-            </a:r>
-            <a:endParaRPr b="0" lang="en-US" sz="2000" spc="-1" strike="noStrike">
-              <a:solidFill>
-                <a:srgbClr val="191b0e"/>
-              </a:solidFill>
-              <a:latin typeface="Franklin Gothic Book"/>
-            </a:endParaRPr>
-          </a:p>
-          <a:p>
-            <a:pPr>
-              <a:lnSpc>
-                <a:spcPct val="94000"/>
-              </a:lnSpc>
-              <a:spcBef>
-                <a:spcPts val="1001"/>
-              </a:spcBef>
-              <a:spcAft>
-                <a:spcPts val="201"/>
-              </a:spcAft>
-            </a:pPr>
-            <a:endParaRPr b="0" lang="en-US" sz="2000" spc="-1" strike="noStrike">
-              <a:solidFill>
-                <a:srgbClr val="191b0e"/>
-              </a:solidFill>
-              <a:latin typeface="Franklin Gothic Book"/>
-            </a:endParaRPr>
-          </a:p>
-          <a:p>
-            <a:pPr>
-              <a:lnSpc>
-                <a:spcPct val="94000"/>
-              </a:lnSpc>
-              <a:spcBef>
-                <a:spcPts val="1001"/>
-              </a:spcBef>
-              <a:spcAft>
-                <a:spcPts val="201"/>
-              </a:spcAft>
-            </a:pPr>
-            <a:endParaRPr b="0" lang="en-US" sz="2000" spc="-1" strike="noStrike">
-              <a:solidFill>
-                <a:srgbClr val="191b0e"/>
-              </a:solidFill>
-              <a:latin typeface="Franklin Gothic Book"/>
-            </a:endParaRPr>
-          </a:p>
-          <a:p>
-            <a:pPr>
-              <a:lnSpc>
-                <a:spcPct val="94000"/>
-              </a:lnSpc>
-              <a:spcBef>
-                <a:spcPts val="1001"/>
-              </a:spcBef>
-              <a:spcAft>
-                <a:spcPts val="201"/>
-              </a:spcAft>
-            </a:pPr>
-            <a:endParaRPr b="0" lang="en-US" sz="2000" spc="-1" strike="noStrike">
-              <a:solidFill>
-                <a:srgbClr val="191b0e"/>
-              </a:solidFill>
-              <a:latin typeface="Franklin Gothic Book"/>
-            </a:endParaRPr>
-          </a:p>
-        </p:txBody>
-      </p:sp>
-      <p:sp>
-        <p:nvSpPr>
-          <p:cNvPr id="111" name="CustomShape 3"/>
+          <p:cNvPr id="103" name="CustomShape 1"/>
           <p:cNvSpPr/>
           <p:nvPr/>
         </p:nvSpPr>
         <p:spPr>
           <a:xfrm>
-            <a:off x="4347000" y="3175200"/>
-            <a:ext cx="6094080" cy="639000"/>
+            <a:off x="1371600" y="685800"/>
+            <a:ext cx="9600480" cy="1485360"/>
           </a:xfrm>
           <a:prstGeom prst="rect">
             <a:avLst/>
@@ -5101,6 +4339,289 @@
           <a:p>
             <a:pPr>
               <a:lnSpc>
+                <a:spcPct val="89000"/>
+              </a:lnSpc>
+            </a:pPr>
+            <a:r>
+              <a:rPr b="0" lang="es-ES" sz="4400" spc="-1" strike="noStrike">
+                <a:solidFill>
+                  <a:srgbClr val="191b0e"/>
+                </a:solidFill>
+                <a:latin typeface="Franklin Gothic Book"/>
+              </a:rPr>
+              <a:t>personaDAO: Modificamos los métodos para adaptarlos al tipo de conexión (3)</a:t>
+            </a:r>
+            <a:endParaRPr b="0" lang="es-ES" sz="4400" spc="-1" strike="noStrike">
+              <a:latin typeface="Arial"/>
+            </a:endParaRPr>
+          </a:p>
+        </p:txBody>
+      </p:sp>
+      <p:sp>
+        <p:nvSpPr>
+          <p:cNvPr id="104" name="CustomShape 2"/>
+          <p:cNvSpPr/>
+          <p:nvPr/>
+        </p:nvSpPr>
+        <p:spPr>
+          <a:xfrm>
+            <a:off x="1295280" y="2328120"/>
+            <a:ext cx="9600480" cy="3580560"/>
+          </a:xfrm>
+          <a:prstGeom prst="rect">
+            <a:avLst/>
+          </a:prstGeom>
+          <a:noFill/>
+          <a:ln>
+            <a:noFill/>
+          </a:ln>
+        </p:spPr>
+        <p:style>
+          <a:lnRef idx="0"/>
+          <a:fillRef idx="0"/>
+          <a:effectRef idx="0"/>
+          <a:fontRef idx="minor"/>
+        </p:style>
+        <p:txBody>
+          <a:bodyPr lIns="90000" rIns="90000" tIns="45000" bIns="45000">
+            <a:normAutofit/>
+          </a:bodyPr>
+          <a:p>
+            <a:pPr marL="384120" indent="-383400">
+              <a:lnSpc>
+                <a:spcPct val="94000"/>
+              </a:lnSpc>
+              <a:spcBef>
+                <a:spcPts val="1001"/>
+              </a:spcBef>
+              <a:spcAft>
+                <a:spcPts val="201"/>
+              </a:spcAft>
+              <a:buClr>
+                <a:srgbClr val="191b0e"/>
+              </a:buClr>
+              <a:buFont typeface="Franklin Gothic Book"/>
+              <a:buChar char="■"/>
+            </a:pPr>
+            <a:r>
+              <a:rPr b="0" lang="es-ES" sz="2000" spc="-1" strike="noStrike">
+                <a:solidFill>
+                  <a:srgbClr val="191b0e"/>
+                </a:solidFill>
+                <a:latin typeface="Franklin Gothic Book"/>
+              </a:rPr>
+              <a:t>Ahora, para poder hacer ROLLBACK, </a:t>
+            </a:r>
+            <a:r>
+              <a:rPr b="0" lang="es-ES" sz="2000" spc="-1" strike="noStrike" u="sng">
+                <a:solidFill>
+                  <a:srgbClr val="191b0e"/>
+                </a:solidFill>
+                <a:uFillTx/>
+                <a:latin typeface="Franklin Gothic Book"/>
+              </a:rPr>
+              <a:t>debemos eliminar el bloque catch</a:t>
+            </a:r>
+            <a:r>
+              <a:rPr b="0" lang="es-ES" sz="2000" spc="-1" strike="noStrike">
+                <a:solidFill>
+                  <a:srgbClr val="191b0e"/>
+                </a:solidFill>
+                <a:latin typeface="Franklin Gothic Book"/>
+              </a:rPr>
+              <a:t> de cada uno de los métodos INSERTAR, BORRAR, ACTUALIZAR </a:t>
+            </a:r>
+            <a:endParaRPr b="0" lang="es-ES" sz="2000" spc="-1" strike="noStrike">
+              <a:latin typeface="Arial"/>
+            </a:endParaRPr>
+          </a:p>
+          <a:p>
+            <a:pPr>
+              <a:lnSpc>
+                <a:spcPct val="94000"/>
+              </a:lnSpc>
+              <a:spcBef>
+                <a:spcPts val="1001"/>
+              </a:spcBef>
+              <a:spcAft>
+                <a:spcPts val="201"/>
+              </a:spcAft>
+            </a:pPr>
+            <a:endParaRPr b="0" lang="es-ES" sz="2000" spc="-1" strike="noStrike">
+              <a:latin typeface="Arial"/>
+            </a:endParaRPr>
+          </a:p>
+          <a:p>
+            <a:pPr>
+              <a:lnSpc>
+                <a:spcPct val="94000"/>
+              </a:lnSpc>
+              <a:spcBef>
+                <a:spcPts val="1001"/>
+              </a:spcBef>
+              <a:spcAft>
+                <a:spcPts val="201"/>
+              </a:spcAft>
+            </a:pPr>
+            <a:endParaRPr b="0" lang="es-ES" sz="2000" spc="-1" strike="noStrike">
+              <a:latin typeface="Arial"/>
+            </a:endParaRPr>
+          </a:p>
+          <a:p>
+            <a:pPr>
+              <a:lnSpc>
+                <a:spcPct val="94000"/>
+              </a:lnSpc>
+              <a:spcBef>
+                <a:spcPts val="1001"/>
+              </a:spcBef>
+              <a:spcAft>
+                <a:spcPts val="201"/>
+              </a:spcAft>
+            </a:pPr>
+            <a:endParaRPr b="0" lang="es-ES" sz="2000" spc="-1" strike="noStrike">
+              <a:latin typeface="Arial"/>
+            </a:endParaRPr>
+          </a:p>
+          <a:p>
+            <a:pPr>
+              <a:lnSpc>
+                <a:spcPct val="94000"/>
+              </a:lnSpc>
+              <a:spcBef>
+                <a:spcPts val="1001"/>
+              </a:spcBef>
+              <a:spcAft>
+                <a:spcPts val="201"/>
+              </a:spcAft>
+            </a:pPr>
+            <a:r>
+              <a:rPr b="0" lang="es-ES" sz="2000" spc="-1" strike="noStrike">
+                <a:solidFill>
+                  <a:srgbClr val="191b0e"/>
+                </a:solidFill>
+                <a:latin typeface="Franklin Gothic Book"/>
+              </a:rPr>
+              <a:t>Y una vez borrado, añadir lanzar la excepción desde el método:</a:t>
+            </a:r>
+            <a:endParaRPr b="0" lang="es-ES" sz="2000" spc="-1" strike="noStrike">
+              <a:latin typeface="Arial"/>
+            </a:endParaRPr>
+          </a:p>
+          <a:p>
+            <a:pPr>
+              <a:lnSpc>
+                <a:spcPct val="94000"/>
+              </a:lnSpc>
+              <a:spcBef>
+                <a:spcPts val="1001"/>
+              </a:spcBef>
+              <a:spcAft>
+                <a:spcPts val="201"/>
+              </a:spcAft>
+            </a:pPr>
+            <a:r>
+              <a:rPr b="0" lang="es-ES" sz="2000" spc="-1" strike="noStrike">
+                <a:solidFill>
+                  <a:srgbClr val="000000"/>
+                </a:solidFill>
+                <a:latin typeface="Franklin Gothic Book"/>
+              </a:rPr>
+              <a:t>public int insert(Persona persona) </a:t>
+            </a:r>
+            <a:r>
+              <a:rPr b="0" lang="es-ES" sz="2000" spc="-1" strike="noStrike">
+                <a:solidFill>
+                  <a:srgbClr val="ff0000"/>
+                </a:solidFill>
+                <a:latin typeface="Franklin Gothic Book"/>
+              </a:rPr>
+              <a:t>throws SQLException {</a:t>
+            </a:r>
+            <a:endParaRPr b="0" lang="es-ES" sz="2000" spc="-1" strike="noStrike">
+              <a:latin typeface="Arial"/>
+            </a:endParaRPr>
+          </a:p>
+          <a:p>
+            <a:pPr>
+              <a:lnSpc>
+                <a:spcPct val="94000"/>
+              </a:lnSpc>
+              <a:spcBef>
+                <a:spcPts val="1001"/>
+              </a:spcBef>
+              <a:spcAft>
+                <a:spcPts val="201"/>
+              </a:spcAft>
+            </a:pPr>
+            <a:endParaRPr b="0" lang="es-ES" sz="2000" spc="-1" strike="noStrike">
+              <a:latin typeface="Arial"/>
+            </a:endParaRPr>
+          </a:p>
+          <a:p>
+            <a:pPr>
+              <a:lnSpc>
+                <a:spcPct val="94000"/>
+              </a:lnSpc>
+              <a:spcBef>
+                <a:spcPts val="1001"/>
+              </a:spcBef>
+              <a:spcAft>
+                <a:spcPts val="201"/>
+              </a:spcAft>
+            </a:pPr>
+            <a:endParaRPr b="0" lang="es-ES" sz="2000" spc="-1" strike="noStrike">
+              <a:latin typeface="Arial"/>
+            </a:endParaRPr>
+          </a:p>
+          <a:p>
+            <a:pPr>
+              <a:lnSpc>
+                <a:spcPct val="94000"/>
+              </a:lnSpc>
+              <a:spcBef>
+                <a:spcPts val="1001"/>
+              </a:spcBef>
+              <a:spcAft>
+                <a:spcPts val="201"/>
+              </a:spcAft>
+            </a:pPr>
+            <a:endParaRPr b="0" lang="es-ES" sz="2000" spc="-1" strike="noStrike">
+              <a:latin typeface="Arial"/>
+            </a:endParaRPr>
+          </a:p>
+        </p:txBody>
+      </p:sp>
+      <p:sp>
+        <p:nvSpPr>
+          <p:cNvPr id="105" name="CustomShape 3"/>
+          <p:cNvSpPr/>
+          <p:nvPr/>
+        </p:nvSpPr>
+        <p:spPr>
+          <a:xfrm>
+            <a:off x="4347000" y="3175200"/>
+            <a:ext cx="6093720" cy="638640"/>
+          </a:xfrm>
+          <a:prstGeom prst="rect">
+            <a:avLst/>
+          </a:prstGeom>
+          <a:noFill/>
+          <a:ln>
+            <a:noFill/>
+          </a:ln>
+        </p:spPr>
+        <p:style>
+          <a:lnRef idx="0"/>
+          <a:fillRef idx="0"/>
+          <a:effectRef idx="0"/>
+          <a:fontRef idx="minor"/>
+        </p:style>
+        <p:txBody>
+          <a:bodyPr lIns="90000" rIns="90000" tIns="45000" bIns="45000"/>
+          <a:p>
+            <a:pPr>
+              <a:lnSpc>
                 <a:spcPct val="100000"/>
               </a:lnSpc>
             </a:pPr>
@@ -5110,6 +4631,7 @@
                   <a:srgbClr val="000000"/>
                 </a:solidFill>
                 <a:latin typeface="Franklin Gothic Book"/>
+                <a:ea typeface="DejaVu Sans"/>
               </a:rPr>
               <a:t>catch (SQLException ex) {</a:t>
             </a:r>
@@ -5129,6 +4651,7 @@
                   <a:srgbClr val="000000"/>
                 </a:solidFill>
                 <a:latin typeface="Franklin Gothic Book"/>
+                <a:ea typeface="DejaVu Sans"/>
               </a:rPr>
               <a:t>            </a:t>
             </a:r>
@@ -5138,6 +4661,7 @@
                   <a:srgbClr val="000000"/>
                 </a:solidFill>
                 <a:latin typeface="Franklin Gothic Book"/>
+                <a:ea typeface="DejaVu Sans"/>
               </a:rPr>
               <a:t>ex.printStackTrace(System.out);</a:t>
             </a:r>
@@ -5149,7 +4673,7 @@
       </p:sp>
       <p:sp>
         <p:nvSpPr>
-          <p:cNvPr id="112" name="Line 4"/>
+          <p:cNvPr id="106" name="Line 4"/>
           <p:cNvSpPr/>
           <p:nvPr/>
         </p:nvSpPr>
@@ -5183,7 +4707,7 @@
       </p:sp>
       <p:sp>
         <p:nvSpPr>
-          <p:cNvPr id="113" name="Line 5"/>
+          <p:cNvPr id="107" name="Line 5"/>
           <p:cNvSpPr/>
           <p:nvPr/>
         </p:nvSpPr>
@@ -5217,6 +4741,33 @@
       </p:sp>
     </p:spTree>
   </p:cSld>
+  <p:timing>
+    <p:tnLst>
+      <p:par>
+        <p:cTn id="23" dur="indefinite" restart="never" nodeType="tmRoot">
+          <p:childTnLst>
+            <p:seq>
+              <p:cTn id="24" dur="indefinite" nodeType="mainSeq"/>
+              <p:prevCondLst>
+                <p:cond delay="0" evt="onPrev">
+                  <p:tgtEl>
+                    <p:sldTgt/>
+                  </p:tgtEl>
+                </p:cond>
+              </p:prevCondLst>
+              <p:nextCondLst>
+                <p:cond delay="0" evt="onNext">
+                  <p:tgtEl>
+                    <p:sldTgt/>
+                  </p:tgtEl>
+                </p:cond>
+              </p:nextCondLst>
+            </p:seq>
+          </p:childTnLst>
+        </p:cTn>
+      </p:par>
+    </p:tnLst>
+  </p:timing>
 </p:sld>
 </file>
 
@@ -5239,14 +4790,14 @@
       </p:grpSpPr>
       <p:sp>
         <p:nvSpPr>
-          <p:cNvPr id="114" name="TextShape 1"/>
-          <p:cNvSpPr txBox="1"/>
+          <p:cNvPr id="108" name="CustomShape 1"/>
+          <p:cNvSpPr/>
           <p:nvPr/>
         </p:nvSpPr>
         <p:spPr>
           <a:xfrm>
             <a:off x="1371600" y="685800"/>
-            <a:ext cx="9600840" cy="1485720"/>
+            <a:ext cx="9600480" cy="1485360"/>
           </a:xfrm>
           <a:prstGeom prst="rect">
             <a:avLst/>
@@ -5256,8 +4807,14 @@
             <a:noFill/>
           </a:ln>
         </p:spPr>
-        <p:txBody>
-          <a:bodyPr/>
+        <p:style>
+          <a:lnRef idx="0"/>
+          <a:fillRef idx="0"/>
+          <a:effectRef idx="0"/>
+          <a:fontRef idx="minor"/>
+        </p:style>
+        <p:txBody>
+          <a:bodyPr lIns="90000" rIns="90000" tIns="45000" bIns="45000"/>
           <a:p>
             <a:pPr>
               <a:lnSpc>
@@ -5265,7 +4822,7 @@
               </a:lnSpc>
             </a:pPr>
             <a:r>
-              <a:rPr b="0" lang="en-US" sz="4400" spc="-1" strike="noStrike">
+              <a:rPr b="0" lang="es-ES" sz="4400" spc="-1" strike="noStrike">
                 <a:solidFill>
                   <a:srgbClr val="191b0e"/>
                 </a:solidFill>
@@ -5273,25 +4830,22 @@
               </a:rPr>
               <a:t>Ejercicio 2</a:t>
             </a:r>
-            <a:endParaRPr b="0" lang="en-US" sz="4400" spc="-1" strike="noStrike">
-              <a:solidFill>
-                <a:srgbClr val="000000"/>
-              </a:solidFill>
-              <a:latin typeface="Franklin Gothic Book"/>
-            </a:endParaRPr>
-          </a:p>
-        </p:txBody>
-      </p:sp>
-      <p:sp>
-        <p:nvSpPr>
-          <p:cNvPr id="115" name="TextShape 2"/>
-          <p:cNvSpPr txBox="1"/>
+            <a:endParaRPr b="0" lang="es-ES" sz="4400" spc="-1" strike="noStrike">
+              <a:latin typeface="Arial"/>
+            </a:endParaRPr>
+          </a:p>
+        </p:txBody>
+      </p:sp>
+      <p:sp>
+        <p:nvSpPr>
+          <p:cNvPr id="109" name="CustomShape 2"/>
+          <p:cNvSpPr/>
           <p:nvPr/>
         </p:nvSpPr>
         <p:spPr>
           <a:xfrm>
             <a:off x="1371600" y="2286000"/>
-            <a:ext cx="9600840" cy="3580920"/>
+            <a:ext cx="9600480" cy="3580560"/>
           </a:xfrm>
           <a:prstGeom prst="rect">
             <a:avLst/>
@@ -5301,10 +4855,16 @@
             <a:noFill/>
           </a:ln>
         </p:spPr>
-        <p:txBody>
-          <a:bodyPr/>
-          <a:p>
-            <a:pPr marL="384120" indent="-383760">
+        <p:style>
+          <a:lnRef idx="0"/>
+          <a:fillRef idx="0"/>
+          <a:effectRef idx="0"/>
+          <a:fontRef idx="minor"/>
+        </p:style>
+        <p:txBody>
+          <a:bodyPr lIns="90000" rIns="90000" tIns="45000" bIns="45000"/>
+          <a:p>
+            <a:pPr marL="384120" indent="-383400">
               <a:lnSpc>
                 <a:spcPct val="94000"/>
               </a:lnSpc>
@@ -5321,7 +4881,7 @@
               <a:buChar char="■"/>
             </a:pPr>
             <a:r>
-              <a:rPr b="0" lang="en-US" sz="2000" spc="-1" strike="noStrike">
+              <a:rPr b="0" lang="es-ES" sz="2000" spc="-1" strike="noStrike">
                 <a:solidFill>
                   <a:srgbClr val="191b0e"/>
                 </a:solidFill>
@@ -5329,15 +4889,12 @@
               </a:rPr>
               <a:t>Añadir el código necesario a la clase de test para probar los métodos de Insertar, borrar y actualizar para que:</a:t>
             </a:r>
-            <a:endParaRPr b="0" lang="en-US" sz="2000" spc="-1" strike="noStrike">
-              <a:solidFill>
-                <a:srgbClr val="191b0e"/>
-              </a:solidFill>
-              <a:latin typeface="Franklin Gothic Book"/>
-            </a:endParaRPr>
-          </a:p>
-          <a:p>
-            <a:pPr lvl="1" marL="914400" indent="-383760">
+            <a:endParaRPr b="0" lang="es-ES" sz="2000" spc="-1" strike="noStrike">
+              <a:latin typeface="Arial"/>
+            </a:endParaRPr>
+          </a:p>
+          <a:p>
+            <a:pPr lvl="1" marL="914400" indent="-383400">
               <a:lnSpc>
                 <a:spcPct val="94000"/>
               </a:lnSpc>
@@ -5354,7 +4911,7 @@
               <a:buChar char="–"/>
             </a:pPr>
             <a:r>
-              <a:rPr b="0" i="1" lang="en-US" sz="2000" spc="-1" strike="noStrike">
+              <a:rPr b="0" i="1" lang="es-ES" sz="2000" spc="-1" strike="noStrike">
                 <a:solidFill>
                   <a:srgbClr val="191b0e"/>
                 </a:solidFill>
@@ -5362,11 +4919,8 @@
               </a:rPr>
               <a:t>Haga commit cada uno de ellos</a:t>
             </a:r>
-            <a:endParaRPr b="0" lang="en-US" sz="2000" spc="-1" strike="noStrike">
-              <a:solidFill>
-                <a:srgbClr val="191b0e"/>
-              </a:solidFill>
-              <a:latin typeface="Franklin Gothic Book"/>
+            <a:endParaRPr b="0" lang="es-ES" sz="2000" spc="-1" strike="noStrike">
+              <a:latin typeface="Arial"/>
             </a:endParaRPr>
           </a:p>
           <a:p>
@@ -5382,7 +4936,7 @@
               </a:spcAft>
             </a:pPr>
             <a:r>
-              <a:rPr b="0" i="1" lang="en-US" sz="2000" spc="-1" strike="noStrike">
+              <a:rPr b="0" i="1" lang="es-ES" sz="2000" spc="-1" strike="noStrike">
                 <a:solidFill>
                   <a:srgbClr val="191b0e"/>
                 </a:solidFill>
@@ -5390,33 +4944,61 @@
               </a:rPr>
               <a:t>Se añadirán las evidencias de código y gráficas oportunas para su demostración.</a:t>
             </a:r>
-            <a:endParaRPr b="0" lang="en-US" sz="2000" spc="-1" strike="noStrike">
-              <a:solidFill>
-                <a:srgbClr val="191b0e"/>
-              </a:solidFill>
-              <a:latin typeface="Franklin Gothic Book"/>
-            </a:endParaRPr>
-          </a:p>
-          <a:p>
-            <a:endParaRPr b="0" lang="en-US" sz="2000" spc="-1" strike="noStrike">
-              <a:solidFill>
-                <a:srgbClr val="191b0e"/>
-              </a:solidFill>
-              <a:latin typeface="Franklin Gothic Book"/>
-            </a:endParaRPr>
-          </a:p>
-          <a:p>
-            <a:endParaRPr b="0" lang="en-US" sz="2000" spc="-1" strike="noStrike">
-              <a:solidFill>
-                <a:srgbClr val="191b0e"/>
-              </a:solidFill>
-              <a:latin typeface="Franklin Gothic Book"/>
+            <a:endParaRPr b="0" lang="es-ES" sz="2000" spc="-1" strike="noStrike">
+              <a:latin typeface="Arial"/>
+            </a:endParaRPr>
+          </a:p>
+          <a:p>
+            <a:pPr marL="530280">
+              <a:lnSpc>
+                <a:spcPct val="100000"/>
+              </a:lnSpc>
+            </a:pPr>
+            <a:endParaRPr b="0" lang="es-ES" sz="2000" spc="-1" strike="noStrike">
+              <a:latin typeface="Arial"/>
+            </a:endParaRPr>
+          </a:p>
+          <a:p>
+            <a:pPr marL="530280">
+              <a:lnSpc>
+                <a:spcPct val="100000"/>
+              </a:lnSpc>
+            </a:pPr>
+            <a:endParaRPr b="0" lang="es-ES" sz="2000" spc="-1" strike="noStrike">
+              <a:latin typeface="Arial"/>
             </a:endParaRPr>
           </a:p>
         </p:txBody>
       </p:sp>
     </p:spTree>
   </p:cSld>
+  <p:timing>
+    <p:tnLst>
+      <p:par>
+        <p:cTn id="25" dur="indefinite" restart="never" nodeType="tmRoot">
+          <p:childTnLst>
+            <p:seq>
+              <p:cTn id="26" dur="indefinite" nodeType="mainSeq"/>
+              <p:prevCondLst>
+                <p:cond delay="0" evt="onPrev">
+                  <p:tgtEl>
+                    <p:sldTgt/>
+                  </p:tgtEl>
+                </p:cond>
+              </p:prevCondLst>
+              <p:nextCondLst>
+                <p:cond delay="0" evt="onNext">
+                  <p:tgtEl>
+                    <p:sldTgt/>
+                  </p:tgtEl>
+                </p:cond>
+              </p:nextCondLst>
+            </p:seq>
+          </p:childTnLst>
+        </p:cTn>
+      </p:par>
+    </p:tnLst>
+  </p:timing>
 </p:sld>
 </file>
 
@@ -5439,14 +5021,14 @@
       </p:grpSpPr>
       <p:sp>
         <p:nvSpPr>
-          <p:cNvPr id="89" name="TextShape 1"/>
-          <p:cNvSpPr txBox="1"/>
+          <p:cNvPr id="83" name="CustomShape 1"/>
+          <p:cNvSpPr/>
           <p:nvPr/>
         </p:nvSpPr>
         <p:spPr>
           <a:xfrm>
             <a:off x="1371600" y="685800"/>
-            <a:ext cx="9600840" cy="1485720"/>
+            <a:ext cx="9600480" cy="1485360"/>
           </a:xfrm>
           <a:prstGeom prst="rect">
             <a:avLst/>
@@ -5456,8 +5038,14 @@
             <a:noFill/>
           </a:ln>
         </p:spPr>
-        <p:txBody>
-          <a:bodyPr/>
+        <p:style>
+          <a:lnRef idx="0"/>
+          <a:fillRef idx="0"/>
+          <a:effectRef idx="0"/>
+          <a:fontRef idx="minor"/>
+        </p:style>
+        <p:txBody>
+          <a:bodyPr lIns="90000" rIns="90000" tIns="45000" bIns="45000"/>
           <a:p>
             <a:pPr>
               <a:lnSpc>
@@ -5465,7 +5053,7 @@
               </a:lnSpc>
             </a:pPr>
             <a:r>
-              <a:rPr b="0" lang="en-US" sz="4400" spc="-1" strike="noStrike">
+              <a:rPr b="0" lang="es-ES" sz="4400" spc="-1" strike="noStrike">
                 <a:solidFill>
                   <a:srgbClr val="191b0e"/>
                 </a:solidFill>
@@ -5473,25 +5061,22 @@
               </a:rPr>
               <a:t>Conceptos básicos de transacciones en JDBC</a:t>
             </a:r>
-            <a:endParaRPr b="0" lang="en-US" sz="4400" spc="-1" strike="noStrike">
-              <a:solidFill>
-                <a:srgbClr val="000000"/>
-              </a:solidFill>
-              <a:latin typeface="Franklin Gothic Book"/>
-            </a:endParaRPr>
-          </a:p>
-        </p:txBody>
-      </p:sp>
-      <p:sp>
-        <p:nvSpPr>
-          <p:cNvPr id="90" name="TextShape 2"/>
-          <p:cNvSpPr txBox="1"/>
+            <a:endParaRPr b="0" lang="es-ES" sz="4400" spc="-1" strike="noStrike">
+              <a:latin typeface="Arial"/>
+            </a:endParaRPr>
+          </a:p>
+        </p:txBody>
+      </p:sp>
+      <p:sp>
+        <p:nvSpPr>
+          <p:cNvPr id="84" name="CustomShape 2"/>
+          <p:cNvSpPr/>
           <p:nvPr/>
         </p:nvSpPr>
         <p:spPr>
           <a:xfrm>
             <a:off x="1371600" y="2286000"/>
-            <a:ext cx="9600840" cy="3580920"/>
+            <a:ext cx="9600480" cy="3580560"/>
           </a:xfrm>
           <a:prstGeom prst="rect">
             <a:avLst/>
@@ -5501,10 +5086,16 @@
             <a:noFill/>
           </a:ln>
         </p:spPr>
-        <p:txBody>
-          <a:bodyPr/>
-          <a:p>
-            <a:pPr marL="384120" indent="-383760">
+        <p:style>
+          <a:lnRef idx="0"/>
+          <a:fillRef idx="0"/>
+          <a:effectRef idx="0"/>
+          <a:fontRef idx="minor"/>
+        </p:style>
+        <p:txBody>
+          <a:bodyPr lIns="90000" rIns="90000" tIns="45000" bIns="45000"/>
+          <a:p>
+            <a:pPr marL="384120" indent="-383400">
               <a:lnSpc>
                 <a:spcPct val="94000"/>
               </a:lnSpc>
@@ -5521,7 +5112,7 @@
               <a:buChar char="■"/>
             </a:pPr>
             <a:r>
-              <a:rPr b="0" lang="en-US" sz="2000" spc="-1" strike="noStrike">
+              <a:rPr b="0" lang="es-ES" sz="2000" spc="-1" strike="noStrike">
                 <a:solidFill>
                   <a:srgbClr val="191b0e"/>
                 </a:solidFill>
@@ -5530,7 +5121,7 @@
               <a:t>Una transacción es un conjunto de instrucciones agrupadas en un </a:t>
             </a:r>
             <a:r>
-              <a:rPr b="1" lang="en-US" sz="2000" spc="-1" strike="noStrike">
+              <a:rPr b="1" lang="es-ES" sz="2000" spc="-1" strike="noStrike">
                 <a:solidFill>
                   <a:srgbClr val="191b0e"/>
                 </a:solidFill>
@@ -5538,15 +5129,12 @@
               </a:rPr>
               <a:t>bloque de ejecución.</a:t>
             </a:r>
-            <a:endParaRPr b="0" lang="en-US" sz="2000" spc="-1" strike="noStrike">
-              <a:solidFill>
-                <a:srgbClr val="191b0e"/>
-              </a:solidFill>
-              <a:latin typeface="Franklin Gothic Book"/>
-            </a:endParaRPr>
-          </a:p>
-          <a:p>
-            <a:pPr marL="384120" indent="-383760">
+            <a:endParaRPr b="0" lang="es-ES" sz="2000" spc="-1" strike="noStrike">
+              <a:latin typeface="Arial"/>
+            </a:endParaRPr>
+          </a:p>
+          <a:p>
+            <a:pPr marL="384120" indent="-383400">
               <a:lnSpc>
                 <a:spcPct val="94000"/>
               </a:lnSpc>
@@ -5563,7 +5151,7 @@
               <a:buChar char="■"/>
             </a:pPr>
             <a:r>
-              <a:rPr b="0" lang="en-US" sz="2000" spc="-1" strike="noStrike">
+              <a:rPr b="0" lang="es-ES" sz="2000" spc="-1" strike="noStrike">
                 <a:solidFill>
                   <a:srgbClr val="191b0e"/>
                 </a:solidFill>
@@ -5571,15 +5159,12 @@
               </a:rPr>
               <a:t>Uso de métodos en una transacción:</a:t>
             </a:r>
-            <a:endParaRPr b="0" lang="en-US" sz="2000" spc="-1" strike="noStrike">
-              <a:solidFill>
-                <a:srgbClr val="191b0e"/>
-              </a:solidFill>
-              <a:latin typeface="Franklin Gothic Book"/>
-            </a:endParaRPr>
-          </a:p>
-          <a:p>
-            <a:pPr lvl="1" marL="914400" indent="-383760">
+            <a:endParaRPr b="0" lang="es-ES" sz="2000" spc="-1" strike="noStrike">
+              <a:latin typeface="Arial"/>
+            </a:endParaRPr>
+          </a:p>
+          <a:p>
+            <a:pPr lvl="1" marL="914400" indent="-383400">
               <a:lnSpc>
                 <a:spcPct val="94000"/>
               </a:lnSpc>
@@ -5596,7 +5181,7 @@
               <a:buChar char="–"/>
             </a:pPr>
             <a:r>
-              <a:rPr b="0" i="1" lang="en-US" sz="2000" spc="-1" strike="noStrike">
+              <a:rPr b="0" i="1" lang="es-ES" sz="2000" spc="-1" strike="noStrike">
                 <a:solidFill>
                   <a:srgbClr val="191b0e"/>
                 </a:solidFill>
@@ -5604,15 +5189,12 @@
               </a:rPr>
               <a:t>Autocommit (valores true o false)</a:t>
             </a:r>
-            <a:endParaRPr b="0" lang="en-US" sz="2000" spc="-1" strike="noStrike">
-              <a:solidFill>
-                <a:srgbClr val="191b0e"/>
-              </a:solidFill>
-              <a:latin typeface="Franklin Gothic Book"/>
-            </a:endParaRPr>
-          </a:p>
-          <a:p>
-            <a:pPr lvl="1" marL="914400" indent="-383760">
+            <a:endParaRPr b="0" lang="es-ES" sz="2000" spc="-1" strike="noStrike">
+              <a:latin typeface="Arial"/>
+            </a:endParaRPr>
+          </a:p>
+          <a:p>
+            <a:pPr lvl="1" marL="914400" indent="-383400">
               <a:lnSpc>
                 <a:spcPct val="94000"/>
               </a:lnSpc>
@@ -5629,7 +5211,7 @@
               <a:buChar char="–"/>
             </a:pPr>
             <a:r>
-              <a:rPr b="0" i="1" lang="en-US" sz="2000" spc="-1" strike="noStrike">
+              <a:rPr b="0" i="1" lang="es-ES" sz="2000" spc="-1" strike="noStrike">
                 <a:solidFill>
                   <a:srgbClr val="191b0e"/>
                 </a:solidFill>
@@ -5637,15 +5219,12 @@
               </a:rPr>
               <a:t>Commit (guarda los cambios del bloque de ejecución en la BD)</a:t>
             </a:r>
-            <a:endParaRPr b="0" lang="en-US" sz="2000" spc="-1" strike="noStrike">
-              <a:solidFill>
-                <a:srgbClr val="191b0e"/>
-              </a:solidFill>
-              <a:latin typeface="Franklin Gothic Book"/>
-            </a:endParaRPr>
-          </a:p>
-          <a:p>
-            <a:pPr lvl="1" marL="914400" indent="-383760">
+            <a:endParaRPr b="0" lang="es-ES" sz="2000" spc="-1" strike="noStrike">
+              <a:latin typeface="Arial"/>
+            </a:endParaRPr>
+          </a:p>
+          <a:p>
+            <a:pPr lvl="1" marL="914400" indent="-383400">
               <a:lnSpc>
                 <a:spcPct val="94000"/>
               </a:lnSpc>
@@ -5662,7 +5241,7 @@
               <a:buChar char="–"/>
             </a:pPr>
             <a:r>
-              <a:rPr b="0" i="1" lang="en-US" sz="2000" spc="-1" strike="noStrike">
+              <a:rPr b="0" i="1" lang="es-ES" sz="2000" spc="-1" strike="noStrike">
                 <a:solidFill>
                   <a:srgbClr val="191b0e"/>
                 </a:solidFill>
@@ -5670,15 +5249,12 @@
               </a:rPr>
               <a:t>Rollback (revierte los cambios realizados por el bloque de ejecución)</a:t>
             </a:r>
-            <a:endParaRPr b="0" lang="en-US" sz="2000" spc="-1" strike="noStrike">
-              <a:solidFill>
-                <a:srgbClr val="191b0e"/>
-              </a:solidFill>
-              <a:latin typeface="Franklin Gothic Book"/>
-            </a:endParaRPr>
-          </a:p>
-          <a:p>
-            <a:pPr marL="384120" indent="-383760">
+            <a:endParaRPr b="0" lang="es-ES" sz="2000" spc="-1" strike="noStrike">
+              <a:latin typeface="Arial"/>
+            </a:endParaRPr>
+          </a:p>
+          <a:p>
+            <a:pPr marL="384120" indent="-383400">
               <a:lnSpc>
                 <a:spcPct val="94000"/>
               </a:lnSpc>
@@ -5695,7 +5271,7 @@
               <a:buChar char="■"/>
             </a:pPr>
             <a:r>
-              <a:rPr b="0" lang="en-US" sz="2000" spc="-1" strike="noStrike">
+              <a:rPr b="0" lang="es-ES" sz="2000" spc="-1" strike="noStrike">
                 <a:solidFill>
                   <a:srgbClr val="191b0e"/>
                 </a:solidFill>
@@ -5703,15 +5279,12 @@
               </a:rPr>
               <a:t>Por defecto, autocommit está a true.</a:t>
             </a:r>
-            <a:endParaRPr b="0" lang="en-US" sz="2000" spc="-1" strike="noStrike">
-              <a:solidFill>
-                <a:srgbClr val="191b0e"/>
-              </a:solidFill>
-              <a:latin typeface="Franklin Gothic Book"/>
-            </a:endParaRPr>
-          </a:p>
-          <a:p>
-            <a:pPr marL="384120" indent="-383760">
+            <a:endParaRPr b="0" lang="es-ES" sz="2000" spc="-1" strike="noStrike">
+              <a:latin typeface="Arial"/>
+            </a:endParaRPr>
+          </a:p>
+          <a:p>
+            <a:pPr marL="384120" indent="-383400">
               <a:lnSpc>
                 <a:spcPct val="94000"/>
               </a:lnSpc>
@@ -5728,7 +5301,7 @@
               <a:buChar char="■"/>
             </a:pPr>
             <a:r>
-              <a:rPr b="0" lang="en-US" sz="2000" spc="-1" strike="noStrike">
+              <a:rPr b="0" lang="es-ES" sz="2000" spc="-1" strike="noStrike">
                 <a:solidFill>
                   <a:srgbClr val="191b0e"/>
                 </a:solidFill>
@@ -5736,27 +5309,28 @@
               </a:rPr>
               <a:t>Si cerramos la conexión JDBC, por defecto se hace un commit, incluso si se deshabilitó la propiedad autocommit.</a:t>
             </a:r>
-            <a:endParaRPr b="0" lang="en-US" sz="2000" spc="-1" strike="noStrike">
-              <a:solidFill>
-                <a:srgbClr val="191b0e"/>
-              </a:solidFill>
-              <a:latin typeface="Franklin Gothic Book"/>
-            </a:endParaRPr>
-          </a:p>
-          <a:p>
-            <a:endParaRPr b="0" lang="en-US" sz="2000" spc="-1" strike="noStrike">
-              <a:solidFill>
-                <a:srgbClr val="191b0e"/>
-              </a:solidFill>
-              <a:latin typeface="Franklin Gothic Book"/>
-            </a:endParaRPr>
-          </a:p>
-          <a:p>
-            <a:endParaRPr b="0" lang="en-US" sz="2000" spc="-1" strike="noStrike">
-              <a:solidFill>
-                <a:srgbClr val="191b0e"/>
-              </a:solidFill>
-              <a:latin typeface="Franklin Gothic Book"/>
+            <a:endParaRPr b="0" lang="es-ES" sz="2000" spc="-1" strike="noStrike">
+              <a:latin typeface="Arial"/>
+            </a:endParaRPr>
+          </a:p>
+          <a:p>
+            <a:pPr>
+              <a:lnSpc>
+                <a:spcPct val="100000"/>
+              </a:lnSpc>
+            </a:pPr>
+            <a:endParaRPr b="0" lang="es-ES" sz="2000" spc="-1" strike="noStrike">
+              <a:latin typeface="Arial"/>
+            </a:endParaRPr>
+          </a:p>
+          <a:p>
+            <a:pPr>
+              <a:lnSpc>
+                <a:spcPct val="100000"/>
+              </a:lnSpc>
+            </a:pPr>
+            <a:endParaRPr b="0" lang="es-ES" sz="2000" spc="-1" strike="noStrike">
+              <a:latin typeface="Arial"/>
             </a:endParaRPr>
           </a:p>
         </p:txBody>
@@ -5812,14 +5386,14 @@
       </p:grpSpPr>
       <p:sp>
         <p:nvSpPr>
-          <p:cNvPr id="91" name="TextShape 1"/>
-          <p:cNvSpPr txBox="1"/>
+          <p:cNvPr id="85" name="CustomShape 1"/>
+          <p:cNvSpPr/>
           <p:nvPr/>
         </p:nvSpPr>
         <p:spPr>
           <a:xfrm>
             <a:off x="1371600" y="685800"/>
-            <a:ext cx="9600840" cy="1485720"/>
+            <a:ext cx="9600480" cy="1485360"/>
           </a:xfrm>
           <a:prstGeom prst="rect">
             <a:avLst/>
@@ -5829,8 +5403,14 @@
             <a:noFill/>
           </a:ln>
         </p:spPr>
-        <p:txBody>
-          <a:bodyPr/>
+        <p:style>
+          <a:lnRef idx="0"/>
+          <a:fillRef idx="0"/>
+          <a:effectRef idx="0"/>
+          <a:fontRef idx="minor"/>
+        </p:style>
+        <p:txBody>
+          <a:bodyPr lIns="90000" rIns="90000" tIns="45000" bIns="45000"/>
           <a:p>
             <a:pPr>
               <a:lnSpc>
@@ -5838,7 +5418,7 @@
               </a:lnSpc>
             </a:pPr>
             <a:r>
-              <a:rPr b="0" lang="en-US" sz="4400" spc="-1" strike="noStrike">
+              <a:rPr b="0" lang="es-ES" sz="4400" spc="-1" strike="noStrike">
                 <a:solidFill>
                   <a:srgbClr val="191b0e"/>
                 </a:solidFill>
@@ -5846,25 +5426,22 @@
               </a:rPr>
               <a:t>personaDAO: Claves para manejo de transacciones</a:t>
             </a:r>
-            <a:endParaRPr b="0" lang="en-US" sz="4400" spc="-1" strike="noStrike">
-              <a:solidFill>
-                <a:srgbClr val="000000"/>
-              </a:solidFill>
-              <a:latin typeface="Franklin Gothic Book"/>
-            </a:endParaRPr>
-          </a:p>
-        </p:txBody>
-      </p:sp>
-      <p:sp>
-        <p:nvSpPr>
-          <p:cNvPr id="92" name="TextShape 2"/>
-          <p:cNvSpPr txBox="1"/>
+            <a:endParaRPr b="0" lang="es-ES" sz="4400" spc="-1" strike="noStrike">
+              <a:latin typeface="Arial"/>
+            </a:endParaRPr>
+          </a:p>
+        </p:txBody>
+      </p:sp>
+      <p:sp>
+        <p:nvSpPr>
+          <p:cNvPr id="86" name="CustomShape 2"/>
+          <p:cNvSpPr/>
           <p:nvPr/>
         </p:nvSpPr>
         <p:spPr>
           <a:xfrm>
             <a:off x="1371600" y="2286000"/>
-            <a:ext cx="9600840" cy="3580920"/>
+            <a:ext cx="9600480" cy="3580560"/>
           </a:xfrm>
           <a:prstGeom prst="rect">
             <a:avLst/>
@@ -5874,12 +5451,18 @@
             <a:noFill/>
           </a:ln>
         </p:spPr>
-        <p:txBody>
-          <a:bodyPr>
+        <p:style>
+          <a:lnRef idx="0"/>
+          <a:fillRef idx="0"/>
+          <a:effectRef idx="0"/>
+          <a:fontRef idx="minor"/>
+        </p:style>
+        <p:txBody>
+          <a:bodyPr lIns="90000" rIns="90000" tIns="45000" bIns="45000">
             <a:normAutofit/>
           </a:bodyPr>
           <a:p>
-            <a:pPr marL="384120" indent="-383760">
+            <a:pPr marL="384120" indent="-383400">
               <a:lnSpc>
                 <a:spcPct val="94000"/>
               </a:lnSpc>
@@ -5896,7 +5479,7 @@
               <a:buChar char="■"/>
             </a:pPr>
             <a:r>
-              <a:rPr b="0" lang="en-US" sz="2000" spc="-1" strike="noStrike">
+              <a:rPr b="0" lang="es-ES" sz="2000" spc="-1" strike="noStrike">
                 <a:solidFill>
                   <a:srgbClr val="191b0e"/>
                 </a:solidFill>
@@ -5904,15 +5487,12 @@
               </a:rPr>
               <a:t>La conexión (abrir, cerrar) ya no se controla en cada método de la clase DAO que accede a operaciones sobre BD, sino que se ha de manejar desde fuera,</a:t>
             </a:r>
-            <a:endParaRPr b="0" lang="en-US" sz="2000" spc="-1" strike="noStrike">
-              <a:solidFill>
-                <a:srgbClr val="191b0e"/>
-              </a:solidFill>
-              <a:latin typeface="Franklin Gothic Book"/>
-            </a:endParaRPr>
-          </a:p>
-          <a:p>
-            <a:pPr marL="384120" indent="-383760">
+            <a:endParaRPr b="0" lang="es-ES" sz="2000" spc="-1" strike="noStrike">
+              <a:latin typeface="Arial"/>
+            </a:endParaRPr>
+          </a:p>
+          <a:p>
+            <a:pPr marL="384120" indent="-383400">
               <a:lnSpc>
                 <a:spcPct val="94000"/>
               </a:lnSpc>
@@ -5929,7 +5509,7 @@
               <a:buChar char="■"/>
             </a:pPr>
             <a:r>
-              <a:rPr b="0" lang="en-US" sz="2000" spc="-1" strike="noStrike">
+              <a:rPr b="0" lang="es-ES" sz="2000" spc="-1" strike="noStrike">
                 <a:solidFill>
                   <a:srgbClr val="191b0e"/>
                 </a:solidFill>
@@ -5937,15 +5517,12 @@
               </a:rPr>
               <a:t>Para hacer rollback o commit hemos de tener en cuenta que dicha operación se hará sobre las operaciones de la misma conexión.</a:t>
             </a:r>
-            <a:endParaRPr b="0" lang="en-US" sz="2000" spc="-1" strike="noStrike">
-              <a:solidFill>
-                <a:srgbClr val="191b0e"/>
-              </a:solidFill>
-              <a:latin typeface="Franklin Gothic Book"/>
-            </a:endParaRPr>
-          </a:p>
-          <a:p>
-            <a:pPr marL="384120" indent="-383760">
+            <a:endParaRPr b="0" lang="es-ES" sz="2000" spc="-1" strike="noStrike">
+              <a:latin typeface="Arial"/>
+            </a:endParaRPr>
+          </a:p>
+          <a:p>
+            <a:pPr marL="384120" indent="-383400">
               <a:lnSpc>
                 <a:spcPct val="94000"/>
               </a:lnSpc>
@@ -5962,7 +5539,7 @@
               <a:buChar char="■"/>
             </a:pPr>
             <a:r>
-              <a:rPr b="0" lang="en-US" sz="2000" spc="-1" strike="noStrike">
+              <a:rPr b="0" lang="es-ES" sz="2000" spc="-1" strike="noStrike">
                 <a:solidFill>
                   <a:srgbClr val="191b0e"/>
                 </a:solidFill>
@@ -5970,11 +5547,8 @@
               </a:rPr>
               <a:t>Agregamos atributo nuevo para la clase personaDAO:</a:t>
             </a:r>
-            <a:endParaRPr b="0" lang="en-US" sz="2000" spc="-1" strike="noStrike">
-              <a:solidFill>
-                <a:srgbClr val="191b0e"/>
-              </a:solidFill>
-              <a:latin typeface="Franklin Gothic Book"/>
+            <a:endParaRPr b="0" lang="es-ES" sz="2000" spc="-1" strike="noStrike">
+              <a:latin typeface="Arial"/>
             </a:endParaRPr>
           </a:p>
           <a:p>
@@ -5990,7 +5564,7 @@
               </a:spcAft>
             </a:pPr>
             <a:r>
-              <a:rPr b="0" lang="en-US" sz="2000" spc="-1" strike="noStrike">
+              <a:rPr b="0" lang="es-ES" sz="2000" spc="-1" strike="noStrike">
                 <a:solidFill>
                   <a:srgbClr val="191b0e"/>
                 </a:solidFill>
@@ -5999,7 +5573,7 @@
               <a:t>	</a:t>
             </a:r>
             <a:r>
-              <a:rPr b="0" lang="en-US" sz="2000" spc="-1" strike="noStrike">
+              <a:rPr b="0" lang="es-ES" sz="2000" spc="-1" strike="noStrike">
                 <a:solidFill>
                   <a:srgbClr val="191b0e"/>
                 </a:solidFill>
@@ -6007,15 +5581,12 @@
               </a:rPr>
               <a:t>private Connection conexionTransaccional;</a:t>
             </a:r>
-            <a:endParaRPr b="0" lang="en-US" sz="2000" spc="-1" strike="noStrike">
-              <a:solidFill>
-                <a:srgbClr val="191b0e"/>
-              </a:solidFill>
-              <a:latin typeface="Franklin Gothic Book"/>
-            </a:endParaRPr>
-          </a:p>
-          <a:p>
-            <a:pPr marL="384120" indent="-383760">
+            <a:endParaRPr b="0" lang="es-ES" sz="2000" spc="-1" strike="noStrike">
+              <a:latin typeface="Arial"/>
+            </a:endParaRPr>
+          </a:p>
+          <a:p>
+            <a:pPr marL="384120" indent="-383400">
               <a:lnSpc>
                 <a:spcPct val="94000"/>
               </a:lnSpc>
@@ -6032,7 +5603,7 @@
               <a:buChar char="■"/>
             </a:pPr>
             <a:r>
-              <a:rPr b="0" lang="en-US" sz="2000" spc="-1" strike="noStrike">
+              <a:rPr b="0" lang="es-ES" sz="2000" spc="-1" strike="noStrike">
                 <a:solidFill>
                   <a:srgbClr val="191b0e"/>
                 </a:solidFill>
@@ -6040,15 +5611,12 @@
               </a:rPr>
               <a:t>Crearemos también 2 constructores de tipo conexión:</a:t>
             </a:r>
-            <a:endParaRPr b="0" lang="en-US" sz="2000" spc="-1" strike="noStrike">
-              <a:solidFill>
-                <a:srgbClr val="191b0e"/>
-              </a:solidFill>
-              <a:latin typeface="Franklin Gothic Book"/>
-            </a:endParaRPr>
-          </a:p>
-          <a:p>
-            <a:pPr lvl="1" marL="914400" indent="-383760">
+            <a:endParaRPr b="0" lang="es-ES" sz="2000" spc="-1" strike="noStrike">
+              <a:latin typeface="Arial"/>
+            </a:endParaRPr>
+          </a:p>
+          <a:p>
+            <a:pPr lvl="1" marL="914400" indent="-383400">
               <a:lnSpc>
                 <a:spcPct val="94000"/>
               </a:lnSpc>
@@ -6065,7 +5633,7 @@
               <a:buChar char="–"/>
             </a:pPr>
             <a:r>
-              <a:rPr b="0" i="1" lang="en-US" sz="2000" spc="-1" strike="noStrike">
+              <a:rPr b="0" i="1" lang="es-ES" sz="2000" spc="-1" strike="noStrike">
                 <a:solidFill>
                   <a:srgbClr val="191b0e"/>
                 </a:solidFill>
@@ -6073,15 +5641,12 @@
               </a:rPr>
               <a:t>Para recibir el objeto conexión desde dentro de la clase</a:t>
             </a:r>
-            <a:endParaRPr b="0" lang="en-US" sz="2000" spc="-1" strike="noStrike">
-              <a:solidFill>
-                <a:srgbClr val="191b0e"/>
-              </a:solidFill>
-              <a:latin typeface="Franklin Gothic Book"/>
-            </a:endParaRPr>
-          </a:p>
-          <a:p>
-            <a:pPr lvl="2" marL="1371600" indent="-383760">
+            <a:endParaRPr b="0" lang="es-ES" sz="2000" spc="-1" strike="noStrike">
+              <a:latin typeface="Arial"/>
+            </a:endParaRPr>
+          </a:p>
+          <a:p>
+            <a:pPr lvl="2" marL="1371600" indent="-383400">
               <a:lnSpc>
                 <a:spcPct val="94000"/>
               </a:lnSpc>
@@ -6098,7 +5663,7 @@
               <a:buChar char="■"/>
             </a:pPr>
             <a:r>
-              <a:rPr b="0" lang="en-US" sz="1800" spc="-1" strike="noStrike">
+              <a:rPr b="0" lang="es-ES" sz="1800" spc="-1" strike="noStrike">
                 <a:solidFill>
                   <a:srgbClr val="191b0e"/>
                 </a:solidFill>
@@ -6107,7 +5672,7 @@
               <a:t> </a:t>
             </a:r>
             <a:r>
-              <a:rPr b="0" lang="en-US" sz="1800" spc="-1" strike="noStrike">
+              <a:rPr b="0" lang="es-ES" sz="1800" spc="-1" strike="noStrike">
                 <a:solidFill>
                   <a:srgbClr val="191b0e"/>
                 </a:solidFill>
@@ -6115,15 +5680,12 @@
               </a:rPr>
               <a:t>public PersonaJDBC() {  }</a:t>
             </a:r>
-            <a:endParaRPr b="0" i="1" lang="en-US" sz="1800" spc="-1" strike="noStrike">
-              <a:solidFill>
-                <a:srgbClr val="191b0e"/>
-              </a:solidFill>
-              <a:latin typeface="Franklin Gothic Book"/>
-            </a:endParaRPr>
-          </a:p>
-          <a:p>
-            <a:pPr lvl="1" marL="914400" indent="-383760">
+            <a:endParaRPr b="0" lang="es-ES" sz="1800" spc="-1" strike="noStrike">
+              <a:latin typeface="Arial"/>
+            </a:endParaRPr>
+          </a:p>
+          <a:p>
+            <a:pPr lvl="1" marL="914400" indent="-383400">
               <a:lnSpc>
                 <a:spcPct val="94000"/>
               </a:lnSpc>
@@ -6140,7 +5702,7 @@
               <a:buChar char="–"/>
             </a:pPr>
             <a:r>
-              <a:rPr b="0" i="1" lang="en-US" sz="2000" spc="-1" strike="noStrike">
+              <a:rPr b="0" i="1" lang="es-ES" sz="2000" spc="-1" strike="noStrike">
                 <a:solidFill>
                   <a:srgbClr val="191b0e"/>
                 </a:solidFill>
@@ -6148,15 +5710,12 @@
               </a:rPr>
               <a:t>Para recibir el objeto conexión desde fuera de la clase</a:t>
             </a:r>
-            <a:endParaRPr b="0" lang="en-US" sz="2000" spc="-1" strike="noStrike">
-              <a:solidFill>
-                <a:srgbClr val="191b0e"/>
-              </a:solidFill>
-              <a:latin typeface="Franklin Gothic Book"/>
-            </a:endParaRPr>
-          </a:p>
-          <a:p>
-            <a:pPr lvl="2" marL="1371600" indent="-383760">
+            <a:endParaRPr b="0" lang="es-ES" sz="2000" spc="-1" strike="noStrike">
+              <a:latin typeface="Arial"/>
+            </a:endParaRPr>
+          </a:p>
+          <a:p>
+            <a:pPr lvl="2" marL="1371600" indent="-383400">
               <a:lnSpc>
                 <a:spcPct val="94000"/>
               </a:lnSpc>
@@ -6173,7 +5732,7 @@
               <a:buChar char="■"/>
             </a:pPr>
             <a:r>
-              <a:rPr b="0" lang="en-US" sz="1800" spc="-1" strike="noStrike">
+              <a:rPr b="0" lang="es-ES" sz="1800" spc="-1" strike="noStrike">
                 <a:solidFill>
                   <a:srgbClr val="191b0e"/>
                 </a:solidFill>
@@ -6182,7 +5741,7 @@
               <a:t> </a:t>
             </a:r>
             <a:r>
-              <a:rPr b="0" lang="en-US" sz="1800" spc="-1" strike="noStrike">
+              <a:rPr b="0" lang="es-ES" sz="1800" spc="-1" strike="noStrike">
                 <a:solidFill>
                   <a:srgbClr val="191b0e"/>
                 </a:solidFill>
@@ -6190,11 +5749,8 @@
               </a:rPr>
               <a:t>public PersonaJDBC(Connection conexionTransaccional) {</a:t>
             </a:r>
-            <a:endParaRPr b="0" i="1" lang="en-US" sz="1800" spc="-1" strike="noStrike">
-              <a:solidFill>
-                <a:srgbClr val="191b0e"/>
-              </a:solidFill>
-              <a:latin typeface="Franklin Gothic Book"/>
+            <a:endParaRPr b="0" lang="es-ES" sz="1800" spc="-1" strike="noStrike">
+              <a:latin typeface="Arial"/>
             </a:endParaRPr>
           </a:p>
           <a:p>
@@ -6210,7 +5766,7 @@
               </a:spcAft>
             </a:pPr>
             <a:r>
-              <a:rPr b="0" lang="en-US" sz="1800" spc="-1" strike="noStrike">
+              <a:rPr b="0" lang="es-ES" sz="1800" spc="-1" strike="noStrike">
                 <a:solidFill>
                   <a:srgbClr val="191b0e"/>
                 </a:solidFill>
@@ -6219,7 +5775,7 @@
               <a:t>              </a:t>
             </a:r>
             <a:r>
-              <a:rPr b="0" lang="en-US" sz="1800" spc="-1" strike="noStrike">
+              <a:rPr b="0" lang="es-ES" sz="1800" spc="-1" strike="noStrike">
                 <a:solidFill>
                   <a:srgbClr val="191b0e"/>
                 </a:solidFill>
@@ -6227,23 +5783,22 @@
               </a:rPr>
               <a:t>this.conexionTransaccional = conexionTransaccional;}</a:t>
             </a:r>
-            <a:endParaRPr b="0" lang="en-US" sz="1800" spc="-1" strike="noStrike">
-              <a:solidFill>
-                <a:srgbClr val="191b0e"/>
-              </a:solidFill>
-              <a:latin typeface="Franklin Gothic Book"/>
-            </a:endParaRPr>
-          </a:p>
-          <a:p>
-            <a:endParaRPr b="0" lang="en-US" sz="1800" spc="-1" strike="noStrike">
-              <a:solidFill>
-                <a:srgbClr val="191b0e"/>
-              </a:solidFill>
-              <a:latin typeface="Franklin Gothic Book"/>
-            </a:endParaRPr>
-          </a:p>
-          <a:p>
-            <a:pPr>
+            <a:endParaRPr b="0" lang="es-ES" sz="1800" spc="-1" strike="noStrike">
+              <a:latin typeface="Arial"/>
+            </a:endParaRPr>
+          </a:p>
+          <a:p>
+            <a:pPr marL="987480">
+              <a:lnSpc>
+                <a:spcPct val="100000"/>
+              </a:lnSpc>
+            </a:pPr>
+            <a:endParaRPr b="0" lang="es-ES" sz="1800" spc="-1" strike="noStrike">
+              <a:latin typeface="Arial"/>
+            </a:endParaRPr>
+          </a:p>
+          <a:p>
+            <a:pPr marL="987480">
               <a:lnSpc>
                 <a:spcPct val="94000"/>
               </a:lnSpc>
@@ -6254,15 +5809,12 @@
                 <a:spcPts val="201"/>
               </a:spcAft>
             </a:pPr>
-            <a:endParaRPr b="0" lang="en-US" sz="1800" spc="-1" strike="noStrike">
-              <a:solidFill>
-                <a:srgbClr val="191b0e"/>
-              </a:solidFill>
-              <a:latin typeface="Franklin Gothic Book"/>
-            </a:endParaRPr>
-          </a:p>
-          <a:p>
-            <a:pPr>
+            <a:endParaRPr b="0" lang="es-ES" sz="1800" spc="-1" strike="noStrike">
+              <a:latin typeface="Arial"/>
+            </a:endParaRPr>
+          </a:p>
+          <a:p>
+            <a:pPr marL="987480">
               <a:lnSpc>
                 <a:spcPct val="94000"/>
               </a:lnSpc>
@@ -6273,11 +5825,8 @@
                 <a:spcPts val="201"/>
               </a:spcAft>
             </a:pPr>
-            <a:endParaRPr b="0" lang="en-US" sz="1800" spc="-1" strike="noStrike">
-              <a:solidFill>
-                <a:srgbClr val="191b0e"/>
-              </a:solidFill>
-              <a:latin typeface="Franklin Gothic Book"/>
+            <a:endParaRPr b="0" lang="es-ES" sz="1800" spc="-1" strike="noStrike">
+              <a:latin typeface="Arial"/>
             </a:endParaRPr>
           </a:p>
         </p:txBody>
@@ -6333,14 +5882,14 @@
       </p:grpSpPr>
       <p:sp>
         <p:nvSpPr>
-          <p:cNvPr id="93" name="TextShape 1"/>
-          <p:cNvSpPr txBox="1"/>
+          <p:cNvPr id="87" name="CustomShape 1"/>
+          <p:cNvSpPr/>
           <p:nvPr/>
         </p:nvSpPr>
         <p:spPr>
           <a:xfrm>
             <a:off x="1371600" y="685800"/>
-            <a:ext cx="9600840" cy="1485720"/>
+            <a:ext cx="9600480" cy="1485360"/>
           </a:xfrm>
           <a:prstGeom prst="rect">
             <a:avLst/>
@@ -6350,8 +5899,14 @@
             <a:noFill/>
           </a:ln>
         </p:spPr>
-        <p:txBody>
-          <a:bodyPr>
+        <p:style>
+          <a:lnRef idx="0"/>
+          <a:fillRef idx="0"/>
+          <a:effectRef idx="0"/>
+          <a:fontRef idx="minor"/>
+        </p:style>
+        <p:txBody>
+          <a:bodyPr lIns="90000" rIns="90000" tIns="45000" bIns="45000">
             <a:normAutofit/>
           </a:bodyPr>
           <a:p>
@@ -6361,7 +5916,7 @@
               </a:lnSpc>
             </a:pPr>
             <a:r>
-              <a:rPr b="0" lang="en-US" sz="4400" spc="-1" strike="noStrike">
+              <a:rPr b="0" lang="es-ES" sz="4400" spc="-1" strike="noStrike">
                 <a:solidFill>
                   <a:srgbClr val="191b0e"/>
                 </a:solidFill>
@@ -6369,25 +5924,22 @@
               </a:rPr>
               <a:t>personaDAO: Modificación de los métodos para adaptarlos al tipo de conexión (1)</a:t>
             </a:r>
-            <a:endParaRPr b="0" lang="en-US" sz="4400" spc="-1" strike="noStrike">
-              <a:solidFill>
-                <a:srgbClr val="000000"/>
-              </a:solidFill>
-              <a:latin typeface="Franklin Gothic Book"/>
-            </a:endParaRPr>
-          </a:p>
-        </p:txBody>
-      </p:sp>
-      <p:sp>
-        <p:nvSpPr>
-          <p:cNvPr id="94" name="TextShape 2"/>
-          <p:cNvSpPr txBox="1"/>
+            <a:endParaRPr b="0" lang="es-ES" sz="4400" spc="-1" strike="noStrike">
+              <a:latin typeface="Arial"/>
+            </a:endParaRPr>
+          </a:p>
+        </p:txBody>
+      </p:sp>
+      <p:sp>
+        <p:nvSpPr>
+          <p:cNvPr id="88" name="CustomShape 2"/>
+          <p:cNvSpPr/>
           <p:nvPr/>
         </p:nvSpPr>
         <p:spPr>
           <a:xfrm>
-            <a:off x="1371600" y="2286000"/>
-            <a:ext cx="9600840" cy="4198320"/>
+            <a:off x="1487520" y="2282040"/>
+            <a:ext cx="9600480" cy="4197960"/>
           </a:xfrm>
           <a:prstGeom prst="rect">
             <a:avLst/>
@@ -6402,12 +5954,18 @@
             <a:round/>
           </a:ln>
         </p:spPr>
-        <p:txBody>
-          <a:bodyPr>
+        <p:style>
+          <a:lnRef idx="0"/>
+          <a:fillRef idx="0"/>
+          <a:effectRef idx="0"/>
+          <a:fontRef idx="minor"/>
+        </p:style>
+        <p:txBody>
+          <a:bodyPr lIns="90000" rIns="90000" tIns="45000" bIns="45000">
             <a:normAutofit/>
           </a:bodyPr>
           <a:p>
-            <a:pPr marL="384120" indent="-383760">
+            <a:pPr marL="384120" indent="-383400">
               <a:lnSpc>
                 <a:spcPct val="94000"/>
               </a:lnSpc>
@@ -6424,7 +5982,7 @@
               <a:buChar char="■"/>
             </a:pPr>
             <a:r>
-              <a:rPr b="0" lang="en-US" sz="2000" spc="-1" strike="noStrike">
+              <a:rPr b="0" lang="es-ES" sz="2000" spc="-1" strike="noStrike">
                 <a:solidFill>
                   <a:srgbClr val="000000"/>
                 </a:solidFill>
@@ -6432,11 +5990,8 @@
               </a:rPr>
               <a:t>Si el objeto de conexión transaccional es diferente de nulo</a:t>
             </a:r>
-            <a:endParaRPr b="0" lang="en-US" sz="2000" spc="-1" strike="noStrike">
-              <a:solidFill>
-                <a:srgbClr val="191b0e"/>
-              </a:solidFill>
-              <a:latin typeface="Franklin Gothic Book"/>
+            <a:endParaRPr b="0" lang="es-ES" sz="2000" spc="-1" strike="noStrike">
+              <a:latin typeface="Arial"/>
             </a:endParaRPr>
           </a:p>
           <a:p>
@@ -6452,7 +6007,7 @@
               </a:spcAft>
             </a:pPr>
             <a:r>
-              <a:rPr b="0" i="1" lang="en-US" sz="2000" spc="-1" strike="noStrike">
+              <a:rPr b="0" i="1" lang="es-ES" sz="2000" spc="-1" strike="noStrike">
                 <a:solidFill>
                   <a:srgbClr val="000000"/>
                 </a:solidFill>
@@ -6461,7 +6016,7 @@
               <a:t></a:t>
             </a:r>
             <a:r>
-              <a:rPr b="0" i="1" lang="en-US" sz="2000" spc="-1" strike="noStrike">
+              <a:rPr b="0" i="1" lang="es-ES" sz="2000" spc="-1" strike="noStrike">
                 <a:solidFill>
                   <a:srgbClr val="000000"/>
                 </a:solidFill>
@@ -6469,15 +6024,12 @@
               </a:rPr>
               <a:t>Entonces utilizaremos el objeto de conexión transaccional (la conexión la cerrará la clase externa, sino lo que ocurriría es que se cerraría toda la conexión)</a:t>
             </a:r>
-            <a:endParaRPr b="0" lang="en-US" sz="2000" spc="-1" strike="noStrike">
-              <a:solidFill>
-                <a:srgbClr val="191b0e"/>
-              </a:solidFill>
-              <a:latin typeface="Franklin Gothic Book"/>
-            </a:endParaRPr>
-          </a:p>
-          <a:p>
-            <a:pPr marL="384120" indent="-383760">
+            <a:endParaRPr b="0" lang="es-ES" sz="2000" spc="-1" strike="noStrike">
+              <a:latin typeface="Arial"/>
+            </a:endParaRPr>
+          </a:p>
+          <a:p>
+            <a:pPr marL="384120" indent="-383400">
               <a:lnSpc>
                 <a:spcPct val="94000"/>
               </a:lnSpc>
@@ -6494,7 +6046,7 @@
               <a:buChar char="■"/>
             </a:pPr>
             <a:r>
-              <a:rPr b="0" lang="en-US" sz="2000" spc="-1" strike="noStrike">
+              <a:rPr b="0" lang="es-ES" sz="2000" spc="-1" strike="noStrike">
                 <a:solidFill>
                   <a:srgbClr val="000000"/>
                 </a:solidFill>
@@ -6502,15 +6054,12 @@
               </a:rPr>
               <a:t>En caso contrario</a:t>
             </a:r>
-            <a:endParaRPr b="0" lang="en-US" sz="2000" spc="-1" strike="noStrike">
-              <a:solidFill>
-                <a:srgbClr val="191b0e"/>
-              </a:solidFill>
-              <a:latin typeface="Franklin Gothic Book"/>
-            </a:endParaRPr>
-          </a:p>
-          <a:p>
-            <a:pPr lvl="1" marL="914400" indent="-383760">
+            <a:endParaRPr b="0" lang="es-ES" sz="2000" spc="-1" strike="noStrike">
+              <a:latin typeface="Arial"/>
+            </a:endParaRPr>
+          </a:p>
+          <a:p>
+            <a:pPr lvl="1" marL="914400" indent="-383400">
               <a:lnSpc>
                 <a:spcPct val="94000"/>
               </a:lnSpc>
@@ -6527,7 +6076,7 @@
               <a:buChar char="–"/>
             </a:pPr>
             <a:r>
-              <a:rPr b="0" i="1" lang="en-US" sz="2000" spc="-1" strike="noStrike">
+              <a:rPr b="0" i="1" lang="es-ES" sz="2000" spc="-1" strike="noStrike">
                 <a:solidFill>
                   <a:srgbClr val="000000"/>
                 </a:solidFill>
@@ -6535,11 +6084,8 @@
               </a:rPr>
               <a:t>Obtendremos una nueva conexión, en cuyo caso, dicha conexión se debe cerrar dentro de ese mismo método.</a:t>
             </a:r>
-            <a:endParaRPr b="0" lang="en-US" sz="2000" spc="-1" strike="noStrike">
-              <a:solidFill>
-                <a:srgbClr val="191b0e"/>
-              </a:solidFill>
-              <a:latin typeface="Franklin Gothic Book"/>
+            <a:endParaRPr b="0" lang="es-ES" sz="2000" spc="-1" strike="noStrike">
+              <a:latin typeface="Arial"/>
             </a:endParaRPr>
           </a:p>
           <a:p>
@@ -6554,11 +6100,8 @@
                 <a:spcPts val="201"/>
               </a:spcAft>
             </a:pPr>
-            <a:endParaRPr b="0" lang="en-US" sz="2000" spc="-1" strike="noStrike">
-              <a:solidFill>
-                <a:srgbClr val="191b0e"/>
-              </a:solidFill>
-              <a:latin typeface="Franklin Gothic Book"/>
+            <a:endParaRPr b="0" lang="es-ES" sz="2000" spc="-1" strike="noStrike">
+              <a:latin typeface="Arial"/>
             </a:endParaRPr>
           </a:p>
           <a:p>
@@ -6574,7 +6117,7 @@
               </a:spcAft>
             </a:pPr>
             <a:r>
-              <a:rPr b="0" lang="en-US" sz="2000" spc="-1" strike="noStrike">
+              <a:rPr b="0" lang="es-ES" sz="2000" spc="-1" strike="noStrike">
                 <a:solidFill>
                   <a:srgbClr val="ff0000"/>
                 </a:solidFill>
@@ -6582,11 +6125,8 @@
               </a:rPr>
               <a:t>try {</a:t>
             </a:r>
-            <a:endParaRPr b="0" lang="en-US" sz="2000" spc="-1" strike="noStrike">
-              <a:solidFill>
-                <a:srgbClr val="191b0e"/>
-              </a:solidFill>
-              <a:latin typeface="Franklin Gothic Book"/>
+            <a:endParaRPr b="0" lang="es-ES" sz="2000" spc="-1" strike="noStrike">
+              <a:latin typeface="Arial"/>
             </a:endParaRPr>
           </a:p>
           <a:p>
@@ -6602,7 +6142,7 @@
               </a:spcAft>
             </a:pPr>
             <a:r>
-              <a:rPr b="0" lang="en-US" sz="2000" spc="-1" strike="noStrike">
+              <a:rPr b="0" lang="es-ES" sz="2000" spc="-1" strike="noStrike">
                 <a:solidFill>
                   <a:srgbClr val="ff0000"/>
                 </a:solidFill>
@@ -6610,11 +6150,8 @@
               </a:rPr>
               <a:t>conn = this.conexionTransaccional != null ? this.conexionTransaccional : Conexion.getConnection();</a:t>
             </a:r>
-            <a:endParaRPr b="0" lang="en-US" sz="2000" spc="-1" strike="noStrike">
-              <a:solidFill>
-                <a:srgbClr val="191b0e"/>
-              </a:solidFill>
-              <a:latin typeface="Franklin Gothic Book"/>
+            <a:endParaRPr b="0" lang="es-ES" sz="2000" spc="-1" strike="noStrike">
+              <a:latin typeface="Arial"/>
             </a:endParaRPr>
           </a:p>
           <a:p>
@@ -6630,7 +6167,7 @@
               </a:spcAft>
             </a:pPr>
             <a:r>
-              <a:rPr b="0" lang="en-US" sz="2000" spc="-1" strike="noStrike">
+              <a:rPr b="0" lang="es-ES" sz="2000" spc="-1" strike="noStrike">
                 <a:solidFill>
                   <a:srgbClr val="ff0000"/>
                 </a:solidFill>
@@ -6639,7 +6176,7 @@
               <a:t>……</a:t>
             </a:r>
             <a:r>
-              <a:rPr b="0" lang="en-US" sz="2000" spc="-1" strike="noStrike">
+              <a:rPr b="0" lang="es-ES" sz="2000" spc="-1" strike="noStrike">
                 <a:solidFill>
                   <a:srgbClr val="ff0000"/>
                 </a:solidFill>
@@ -6647,11 +6184,8 @@
               </a:rPr>
               <a:t>.. //código que ya teníamos para insertar, delete, update…//</a:t>
             </a:r>
-            <a:endParaRPr b="0" lang="en-US" sz="2000" spc="-1" strike="noStrike">
-              <a:solidFill>
-                <a:srgbClr val="191b0e"/>
-              </a:solidFill>
-              <a:latin typeface="Franklin Gothic Book"/>
+            <a:endParaRPr b="0" lang="es-ES" sz="2000" spc="-1" strike="noStrike">
+              <a:latin typeface="Arial"/>
             </a:endParaRPr>
           </a:p>
           <a:p>
@@ -6666,11 +6200,8 @@
                 <a:spcPts val="201"/>
               </a:spcAft>
             </a:pPr>
-            <a:endParaRPr b="0" lang="en-US" sz="2000" spc="-1" strike="noStrike">
-              <a:solidFill>
-                <a:srgbClr val="191b0e"/>
-              </a:solidFill>
-              <a:latin typeface="Franklin Gothic Book"/>
+            <a:endParaRPr b="0" lang="es-ES" sz="2000" spc="-1" strike="noStrike">
+              <a:latin typeface="Arial"/>
             </a:endParaRPr>
           </a:p>
           <a:p>
@@ -6685,11 +6216,8 @@
                 <a:spcPts val="201"/>
               </a:spcAft>
             </a:pPr>
-            <a:endParaRPr b="0" lang="en-US" sz="2000" spc="-1" strike="noStrike">
-              <a:solidFill>
-                <a:srgbClr val="191b0e"/>
-              </a:solidFill>
-              <a:latin typeface="Franklin Gothic Book"/>
+            <a:endParaRPr b="0" lang="es-ES" sz="2000" spc="-1" strike="noStrike">
+              <a:latin typeface="Arial"/>
             </a:endParaRPr>
           </a:p>
         </p:txBody>
@@ -6745,14 +6273,14 @@
       </p:grpSpPr>
       <p:sp>
         <p:nvSpPr>
-          <p:cNvPr id="95" name="TextShape 1"/>
-          <p:cNvSpPr txBox="1"/>
+          <p:cNvPr id="89" name="CustomShape 1"/>
+          <p:cNvSpPr/>
           <p:nvPr/>
         </p:nvSpPr>
         <p:spPr>
           <a:xfrm>
             <a:off x="1371600" y="685800"/>
-            <a:ext cx="9600840" cy="1485720"/>
+            <a:ext cx="9600480" cy="1485360"/>
           </a:xfrm>
           <a:prstGeom prst="rect">
             <a:avLst/>
@@ -6762,8 +6290,14 @@
             <a:noFill/>
           </a:ln>
         </p:spPr>
-        <p:txBody>
-          <a:bodyPr/>
+        <p:style>
+          <a:lnRef idx="0"/>
+          <a:fillRef idx="0"/>
+          <a:effectRef idx="0"/>
+          <a:fontRef idx="minor"/>
+        </p:style>
+        <p:txBody>
+          <a:bodyPr lIns="90000" rIns="90000" tIns="45000" bIns="45000"/>
           <a:p>
             <a:pPr>
               <a:lnSpc>
@@ -6771,7 +6305,7 @@
               </a:lnSpc>
             </a:pPr>
             <a:r>
-              <a:rPr b="0" lang="en-US" sz="4400" spc="-1" strike="noStrike">
+              <a:rPr b="0" lang="es-ES" sz="4400" spc="-1" strike="noStrike">
                 <a:solidFill>
                   <a:srgbClr val="191b0e"/>
                 </a:solidFill>
@@ -6779,25 +6313,22 @@
               </a:rPr>
               <a:t>personaDAO: Modificamos los métodos para adaptarlos al tipo de conexión (2)</a:t>
             </a:r>
-            <a:endParaRPr b="0" lang="en-US" sz="4400" spc="-1" strike="noStrike">
-              <a:solidFill>
-                <a:srgbClr val="000000"/>
-              </a:solidFill>
-              <a:latin typeface="Franklin Gothic Book"/>
-            </a:endParaRPr>
-          </a:p>
-        </p:txBody>
-      </p:sp>
-      <p:sp>
-        <p:nvSpPr>
-          <p:cNvPr id="96" name="TextShape 2"/>
-          <p:cNvSpPr txBox="1"/>
+            <a:endParaRPr b="0" lang="es-ES" sz="4400" spc="-1" strike="noStrike">
+              <a:latin typeface="Arial"/>
+            </a:endParaRPr>
+          </a:p>
+        </p:txBody>
+      </p:sp>
+      <p:sp>
+        <p:nvSpPr>
+          <p:cNvPr id="90" name="CustomShape 2"/>
+          <p:cNvSpPr/>
           <p:nvPr/>
         </p:nvSpPr>
         <p:spPr>
           <a:xfrm>
             <a:off x="1371600" y="2286000"/>
-            <a:ext cx="9600840" cy="3580920"/>
+            <a:ext cx="9600480" cy="3580560"/>
           </a:xfrm>
           <a:prstGeom prst="rect">
             <a:avLst/>
@@ -6807,12 +6338,18 @@
             <a:noFill/>
           </a:ln>
         </p:spPr>
-        <p:txBody>
-          <a:bodyPr>
+        <p:style>
+          <a:lnRef idx="0"/>
+          <a:fillRef idx="0"/>
+          <a:effectRef idx="0"/>
+          <a:fontRef idx="minor"/>
+        </p:style>
+        <p:txBody>
+          <a:bodyPr lIns="90000" rIns="90000" tIns="45000" bIns="45000">
             <a:normAutofit/>
           </a:bodyPr>
           <a:p>
-            <a:pPr marL="384120" indent="-383760">
+            <a:pPr marL="384120" indent="-383400">
               <a:lnSpc>
                 <a:spcPct val="94000"/>
               </a:lnSpc>
@@ -6829,7 +6366,7 @@
               <a:buChar char="■"/>
             </a:pPr>
             <a:r>
-              <a:rPr b="0" lang="en-US" sz="2000" spc="-1" strike="noStrike">
+              <a:rPr b="0" lang="es-ES" sz="2000" spc="-1" strike="noStrike">
                 <a:solidFill>
                   <a:srgbClr val="191b0e"/>
                 </a:solidFill>
@@ -6838,7 +6375,7 @@
               <a:t>En el bloque finally, preguntamos de dónde obtuvimos la conexión </a:t>
             </a:r>
             <a:r>
-              <a:rPr b="0" lang="en-US" sz="2000" spc="-1" strike="noStrike">
+              <a:rPr b="0" lang="es-ES" sz="2000" spc="-1" strike="noStrike">
                 <a:solidFill>
                   <a:srgbClr val="191b0e"/>
                 </a:solidFill>
@@ -6847,7 +6384,7 @@
               <a:t></a:t>
             </a:r>
             <a:r>
-              <a:rPr b="0" lang="en-US" sz="2000" spc="-1" strike="noStrike">
+              <a:rPr b="0" lang="es-ES" sz="2000" spc="-1" strike="noStrike">
                 <a:solidFill>
                   <a:srgbClr val="191b0e"/>
                 </a:solidFill>
@@ -6855,15 +6392,12 @@
               </a:rPr>
               <a:t> si el objeto transaccional es nulo, significa que se creó dentro de ese método, por lo que se debe cerrar ahí mismo.</a:t>
             </a:r>
-            <a:endParaRPr b="0" lang="en-US" sz="2000" spc="-1" strike="noStrike">
-              <a:solidFill>
-                <a:srgbClr val="191b0e"/>
-              </a:solidFill>
-              <a:latin typeface="Franklin Gothic Book"/>
-            </a:endParaRPr>
-          </a:p>
-          <a:p>
-            <a:pPr marL="384120" indent="-383760">
+            <a:endParaRPr b="0" lang="es-ES" sz="2000" spc="-1" strike="noStrike">
+              <a:latin typeface="Arial"/>
+            </a:endParaRPr>
+          </a:p>
+          <a:p>
+            <a:pPr marL="384120" indent="-383400">
               <a:lnSpc>
                 <a:spcPct val="94000"/>
               </a:lnSpc>
@@ -6880,7 +6414,7 @@
               <a:buChar char="■"/>
             </a:pPr>
             <a:r>
-              <a:rPr b="0" lang="en-US" sz="2000" spc="-1" strike="noStrike">
+              <a:rPr b="0" lang="es-ES" sz="2000" spc="-1" strike="noStrike">
                 <a:solidFill>
                   <a:srgbClr val="191b0e"/>
                 </a:solidFill>
@@ -6888,11 +6422,8 @@
               </a:rPr>
               <a:t>Si es diferente de nulo, no se debe de cerrar el objeto transaccional, ya que no se maneja desde ahí.</a:t>
             </a:r>
-            <a:endParaRPr b="0" lang="en-US" sz="2000" spc="-1" strike="noStrike">
-              <a:solidFill>
-                <a:srgbClr val="191b0e"/>
-              </a:solidFill>
-              <a:latin typeface="Franklin Gothic Book"/>
+            <a:endParaRPr b="0" lang="es-ES" sz="2000" spc="-1" strike="noStrike">
+              <a:latin typeface="Arial"/>
             </a:endParaRPr>
           </a:p>
           <a:p>
@@ -6908,7 +6439,7 @@
               </a:spcAft>
             </a:pPr>
             <a:r>
-              <a:rPr b="0" lang="en-US" sz="2000" spc="-1" strike="noStrike">
+              <a:rPr b="0" lang="es-ES" sz="2000" spc="-1" strike="noStrike">
                 <a:solidFill>
                   <a:srgbClr val="ff0000"/>
                 </a:solidFill>
@@ -6916,11 +6447,8 @@
               </a:rPr>
               <a:t>finally {</a:t>
             </a:r>
-            <a:endParaRPr b="0" lang="en-US" sz="2000" spc="-1" strike="noStrike">
-              <a:solidFill>
-                <a:srgbClr val="191b0e"/>
-              </a:solidFill>
-              <a:latin typeface="Franklin Gothic Book"/>
+            <a:endParaRPr b="0" lang="es-ES" sz="2000" spc="-1" strike="noStrike">
+              <a:latin typeface="Arial"/>
             </a:endParaRPr>
           </a:p>
           <a:p>
@@ -6936,7 +6464,7 @@
               </a:spcAft>
             </a:pPr>
             <a:r>
-              <a:rPr b="0" lang="en-US" sz="2000" spc="-1" strike="noStrike">
+              <a:rPr b="0" lang="es-ES" sz="2000" spc="-1" strike="noStrike">
                 <a:solidFill>
                   <a:srgbClr val="ff0000"/>
                 </a:solidFill>
@@ -6945,7 +6473,7 @@
               <a:t>            </a:t>
             </a:r>
             <a:r>
-              <a:rPr b="0" lang="en-US" sz="2000" spc="-1" strike="noStrike">
+              <a:rPr b="0" lang="es-ES" sz="2000" spc="-1" strike="noStrike">
                 <a:solidFill>
                   <a:srgbClr val="ff0000"/>
                 </a:solidFill>
@@ -6953,11 +6481,8 @@
               </a:rPr>
               <a:t>Conexion.close(rs);</a:t>
             </a:r>
-            <a:endParaRPr b="0" lang="en-US" sz="2000" spc="-1" strike="noStrike">
-              <a:solidFill>
-                <a:srgbClr val="191b0e"/>
-              </a:solidFill>
-              <a:latin typeface="Franklin Gothic Book"/>
+            <a:endParaRPr b="0" lang="es-ES" sz="2000" spc="-1" strike="noStrike">
+              <a:latin typeface="Arial"/>
             </a:endParaRPr>
           </a:p>
           <a:p>
@@ -6973,7 +6498,7 @@
               </a:spcAft>
             </a:pPr>
             <a:r>
-              <a:rPr b="0" lang="en-US" sz="2000" spc="-1" strike="noStrike">
+              <a:rPr b="0" lang="es-ES" sz="2000" spc="-1" strike="noStrike">
                 <a:solidFill>
                   <a:srgbClr val="ff0000"/>
                 </a:solidFill>
@@ -6982,7 +6507,7 @@
               <a:t>            </a:t>
             </a:r>
             <a:r>
-              <a:rPr b="0" lang="en-US" sz="2000" spc="-1" strike="noStrike">
+              <a:rPr b="0" lang="es-ES" sz="2000" spc="-1" strike="noStrike">
                 <a:solidFill>
                   <a:srgbClr val="ff0000"/>
                 </a:solidFill>
@@ -6990,11 +6515,8 @@
               </a:rPr>
               <a:t>Conexion.close(stmt);</a:t>
             </a:r>
-            <a:endParaRPr b="0" lang="en-US" sz="2000" spc="-1" strike="noStrike">
-              <a:solidFill>
-                <a:srgbClr val="191b0e"/>
-              </a:solidFill>
-              <a:latin typeface="Franklin Gothic Book"/>
+            <a:endParaRPr b="0" lang="es-ES" sz="2000" spc="-1" strike="noStrike">
+              <a:latin typeface="Arial"/>
             </a:endParaRPr>
           </a:p>
           <a:p>
@@ -7010,7 +6532,7 @@
               </a:spcAft>
             </a:pPr>
             <a:r>
-              <a:rPr b="0" lang="en-US" sz="2000" spc="-1" strike="noStrike">
+              <a:rPr b="0" lang="es-ES" sz="2000" spc="-1" strike="noStrike">
                 <a:solidFill>
                   <a:srgbClr val="ff0000"/>
                 </a:solidFill>
@@ -7019,7 +6541,7 @@
               <a:t>            </a:t>
             </a:r>
             <a:r>
-              <a:rPr b="0" lang="en-US" sz="2000" spc="-1" strike="noStrike">
+              <a:rPr b="0" lang="es-ES" sz="2000" spc="-1" strike="noStrike">
                 <a:solidFill>
                   <a:srgbClr val="ff0000"/>
                 </a:solidFill>
@@ -7027,11 +6549,8 @@
               </a:rPr>
               <a:t>if (this.conexionTransaccional == null) {</a:t>
             </a:r>
-            <a:endParaRPr b="0" lang="en-US" sz="2000" spc="-1" strike="noStrike">
-              <a:solidFill>
-                <a:srgbClr val="191b0e"/>
-              </a:solidFill>
-              <a:latin typeface="Franklin Gothic Book"/>
+            <a:endParaRPr b="0" lang="es-ES" sz="2000" spc="-1" strike="noStrike">
+              <a:latin typeface="Arial"/>
             </a:endParaRPr>
           </a:p>
           <a:p>
@@ -7047,7 +6566,7 @@
               </a:spcAft>
             </a:pPr>
             <a:r>
-              <a:rPr b="0" lang="en-US" sz="2000" spc="-1" strike="noStrike">
+              <a:rPr b="0" lang="es-ES" sz="2000" spc="-1" strike="noStrike">
                 <a:solidFill>
                   <a:srgbClr val="ff0000"/>
                 </a:solidFill>
@@ -7056,7 +6575,7 @@
               <a:t>                </a:t>
             </a:r>
             <a:r>
-              <a:rPr b="0" lang="en-US" sz="2000" spc="-1" strike="noStrike">
+              <a:rPr b="0" lang="es-ES" sz="2000" spc="-1" strike="noStrike">
                 <a:solidFill>
                   <a:srgbClr val="ff0000"/>
                 </a:solidFill>
@@ -7064,11 +6583,8 @@
               </a:rPr>
               <a:t>Conexion.close(conn);</a:t>
             </a:r>
-            <a:endParaRPr b="0" lang="en-US" sz="2000" spc="-1" strike="noStrike">
-              <a:solidFill>
-                <a:srgbClr val="191b0e"/>
-              </a:solidFill>
-              <a:latin typeface="Franklin Gothic Book"/>
+            <a:endParaRPr b="0" lang="es-ES" sz="2000" spc="-1" strike="noStrike">
+              <a:latin typeface="Arial"/>
             </a:endParaRPr>
           </a:p>
           <a:p>
@@ -7084,7 +6600,7 @@
               </a:spcAft>
             </a:pPr>
             <a:r>
-              <a:rPr b="0" lang="en-US" sz="2000" spc="-1" strike="noStrike">
+              <a:rPr b="0" lang="es-ES" sz="2000" spc="-1" strike="noStrike">
                 <a:solidFill>
                   <a:srgbClr val="ff0000"/>
                 </a:solidFill>
@@ -7093,7 +6609,7 @@
               <a:t>            </a:t>
             </a:r>
             <a:r>
-              <a:rPr b="0" lang="en-US" sz="2000" spc="-1" strike="noStrike">
+              <a:rPr b="0" lang="es-ES" sz="2000" spc="-1" strike="noStrike">
                 <a:solidFill>
                   <a:srgbClr val="ff0000"/>
                 </a:solidFill>
@@ -7101,11 +6617,8 @@
               </a:rPr>
               <a:t>}</a:t>
             </a:r>
-            <a:endParaRPr b="0" lang="en-US" sz="2000" spc="-1" strike="noStrike">
-              <a:solidFill>
-                <a:srgbClr val="191b0e"/>
-              </a:solidFill>
-              <a:latin typeface="Franklin Gothic Book"/>
+            <a:endParaRPr b="0" lang="es-ES" sz="2000" spc="-1" strike="noStrike">
+              <a:latin typeface="Arial"/>
             </a:endParaRPr>
           </a:p>
         </p:txBody>
@@ -7161,14 +6674,14 @@
       </p:grpSpPr>
       <p:sp>
         <p:nvSpPr>
-          <p:cNvPr id="97" name="TextShape 1"/>
-          <p:cNvSpPr txBox="1"/>
+          <p:cNvPr id="91" name="CustomShape 1"/>
+          <p:cNvSpPr/>
           <p:nvPr/>
         </p:nvSpPr>
         <p:spPr>
           <a:xfrm>
             <a:off x="1371600" y="685800"/>
-            <a:ext cx="9600840" cy="1485720"/>
+            <a:ext cx="9600480" cy="1485360"/>
           </a:xfrm>
           <a:prstGeom prst="rect">
             <a:avLst/>
@@ -7178,8 +6691,14 @@
             <a:noFill/>
           </a:ln>
         </p:spPr>
-        <p:txBody>
-          <a:bodyPr/>
+        <p:style>
+          <a:lnRef idx="0"/>
+          <a:fillRef idx="0"/>
+          <a:effectRef idx="0"/>
+          <a:fontRef idx="minor"/>
+        </p:style>
+        <p:txBody>
+          <a:bodyPr lIns="90000" rIns="90000" tIns="45000" bIns="45000"/>
           <a:p>
             <a:pPr>
               <a:lnSpc>
@@ -7187,7 +6706,7 @@
               </a:lnSpc>
             </a:pPr>
             <a:r>
-              <a:rPr b="0" lang="en-US" sz="4400" spc="-1" strike="noStrike">
+              <a:rPr b="0" lang="es-ES" sz="4400" spc="-1" strike="noStrike">
                 <a:solidFill>
                   <a:srgbClr val="191b0e"/>
                 </a:solidFill>
@@ -7195,25 +6714,22 @@
               </a:rPr>
               <a:t>TestManejoPersonas (1)</a:t>
             </a:r>
-            <a:endParaRPr b="0" lang="en-US" sz="4400" spc="-1" strike="noStrike">
-              <a:solidFill>
-                <a:srgbClr val="000000"/>
-              </a:solidFill>
-              <a:latin typeface="Franklin Gothic Book"/>
-            </a:endParaRPr>
-          </a:p>
-        </p:txBody>
-      </p:sp>
-      <p:sp>
-        <p:nvSpPr>
-          <p:cNvPr id="98" name="TextShape 2"/>
-          <p:cNvSpPr txBox="1"/>
+            <a:endParaRPr b="0" lang="es-ES" sz="4400" spc="-1" strike="noStrike">
+              <a:latin typeface="Arial"/>
+            </a:endParaRPr>
+          </a:p>
+        </p:txBody>
+      </p:sp>
+      <p:sp>
+        <p:nvSpPr>
+          <p:cNvPr id="92" name="CustomShape 2"/>
+          <p:cNvSpPr/>
           <p:nvPr/>
         </p:nvSpPr>
         <p:spPr>
           <a:xfrm>
             <a:off x="1371600" y="2286000"/>
-            <a:ext cx="9600840" cy="4466880"/>
+            <a:ext cx="9600480" cy="4466520"/>
           </a:xfrm>
           <a:prstGeom prst="rect">
             <a:avLst/>
@@ -7223,10 +6739,16 @@
             <a:noFill/>
           </a:ln>
         </p:spPr>
-        <p:txBody>
-          <a:bodyPr/>
-          <a:p>
-            <a:pPr marL="384120" indent="-383760">
+        <p:style>
+          <a:lnRef idx="0"/>
+          <a:fillRef idx="0"/>
+          <a:effectRef idx="0"/>
+          <a:fontRef idx="minor"/>
+        </p:style>
+        <p:txBody>
+          <a:bodyPr lIns="90000" rIns="90000" tIns="45000" bIns="45000"/>
+          <a:p>
+            <a:pPr marL="384120" indent="-383400">
               <a:lnSpc>
                 <a:spcPct val="94000"/>
               </a:lnSpc>
@@ -7243,7 +6765,7 @@
               <a:buChar char="■"/>
             </a:pPr>
             <a:r>
-              <a:rPr b="0" lang="en-US" sz="2000" spc="-1" strike="noStrike">
+              <a:rPr b="0" lang="es-ES" sz="2000" spc="-1" strike="noStrike">
                 <a:solidFill>
                   <a:srgbClr val="191b0e"/>
                 </a:solidFill>
@@ -7251,15 +6773,12 @@
               </a:rPr>
               <a:t>Borramos todo y empezamos desde cero.</a:t>
             </a:r>
-            <a:endParaRPr b="0" lang="en-US" sz="2000" spc="-1" strike="noStrike">
-              <a:solidFill>
-                <a:srgbClr val="191b0e"/>
-              </a:solidFill>
-              <a:latin typeface="Franklin Gothic Book"/>
-            </a:endParaRPr>
-          </a:p>
-          <a:p>
-            <a:pPr marL="384120" indent="-383760">
+            <a:endParaRPr b="0" lang="es-ES" sz="2000" spc="-1" strike="noStrike">
+              <a:latin typeface="Arial"/>
+            </a:endParaRPr>
+          </a:p>
+          <a:p>
+            <a:pPr marL="384120" indent="-383400">
               <a:lnSpc>
                 <a:spcPct val="94000"/>
               </a:lnSpc>
@@ -7276,7 +6795,7 @@
               <a:buChar char="■"/>
             </a:pPr>
             <a:r>
-              <a:rPr b="0" lang="en-US" sz="2000" spc="-1" strike="noStrike">
+              <a:rPr b="0" lang="es-ES" sz="2000" spc="-1" strike="noStrike">
                 <a:solidFill>
                   <a:srgbClr val="191b0e"/>
                 </a:solidFill>
@@ -7284,11 +6803,8 @@
               </a:rPr>
               <a:t>Definimos e inicializamos la variable conexion</a:t>
             </a:r>
-            <a:endParaRPr b="0" lang="en-US" sz="2000" spc="-1" strike="noStrike">
-              <a:solidFill>
-                <a:srgbClr val="191b0e"/>
-              </a:solidFill>
-              <a:latin typeface="Franklin Gothic Book"/>
+            <a:endParaRPr b="0" lang="es-ES" sz="2000" spc="-1" strike="noStrike">
+              <a:latin typeface="Arial"/>
             </a:endParaRPr>
           </a:p>
           <a:p>
@@ -7303,11 +6819,8 @@
                 <a:spcPts val="201"/>
               </a:spcAft>
             </a:pPr>
-            <a:endParaRPr b="0" lang="en-US" sz="2000" spc="-1" strike="noStrike">
-              <a:solidFill>
-                <a:srgbClr val="191b0e"/>
-              </a:solidFill>
-              <a:latin typeface="Franklin Gothic Book"/>
+            <a:endParaRPr b="0" lang="es-ES" sz="2000" spc="-1" strike="noStrike">
+              <a:latin typeface="Arial"/>
             </a:endParaRPr>
           </a:p>
           <a:p>
@@ -7323,7 +6836,7 @@
               </a:spcAft>
             </a:pPr>
             <a:r>
-              <a:rPr b="0" lang="en-US" sz="2000" spc="-1" strike="noStrike">
+              <a:rPr b="0" lang="es-ES" sz="2000" spc="-1" strike="noStrike">
                 <a:solidFill>
                   <a:srgbClr val="191b0e"/>
                 </a:solidFill>
@@ -7331,11 +6844,8 @@
               </a:rPr>
               <a:t>public class ManejoPersonas {</a:t>
             </a:r>
-            <a:endParaRPr b="0" lang="en-US" sz="2000" spc="-1" strike="noStrike">
-              <a:solidFill>
-                <a:srgbClr val="191b0e"/>
-              </a:solidFill>
-              <a:latin typeface="Franklin Gothic Book"/>
+            <a:endParaRPr b="0" lang="es-ES" sz="2000" spc="-1" strike="noStrike">
+              <a:latin typeface="Arial"/>
             </a:endParaRPr>
           </a:p>
           <a:p>
@@ -7350,11 +6860,8 @@
                 <a:spcPts val="201"/>
               </a:spcAft>
             </a:pPr>
-            <a:endParaRPr b="0" lang="en-US" sz="2000" spc="-1" strike="noStrike">
-              <a:solidFill>
-                <a:srgbClr val="191b0e"/>
-              </a:solidFill>
-              <a:latin typeface="Franklin Gothic Book"/>
+            <a:endParaRPr b="0" lang="es-ES" sz="2000" spc="-1" strike="noStrike">
+              <a:latin typeface="Arial"/>
             </a:endParaRPr>
           </a:p>
           <a:p>
@@ -7370,7 +6877,7 @@
               </a:spcAft>
             </a:pPr>
             <a:r>
-              <a:rPr b="0" lang="en-US" sz="2000" spc="-1" strike="noStrike">
+              <a:rPr b="0" lang="es-ES" sz="2000" spc="-1" strike="noStrike">
                 <a:solidFill>
                   <a:srgbClr val="191b0e"/>
                 </a:solidFill>
@@ -7379,7 +6886,7 @@
               <a:t>    </a:t>
             </a:r>
             <a:r>
-              <a:rPr b="0" lang="en-US" sz="2000" spc="-1" strike="noStrike">
+              <a:rPr b="0" lang="es-ES" sz="2000" spc="-1" strike="noStrike">
                 <a:solidFill>
                   <a:srgbClr val="191b0e"/>
                 </a:solidFill>
@@ -7387,11 +6894,8 @@
               </a:rPr>
               <a:t>public static void main(String[] args) {</a:t>
             </a:r>
-            <a:endParaRPr b="0" lang="en-US" sz="2000" spc="-1" strike="noStrike">
-              <a:solidFill>
-                <a:srgbClr val="191b0e"/>
-              </a:solidFill>
-              <a:latin typeface="Franklin Gothic Book"/>
+            <a:endParaRPr b="0" lang="es-ES" sz="2000" spc="-1" strike="noStrike">
+              <a:latin typeface="Arial"/>
             </a:endParaRPr>
           </a:p>
           <a:p>
@@ -7406,11 +6910,8 @@
                 <a:spcPts val="201"/>
               </a:spcAft>
             </a:pPr>
-            <a:endParaRPr b="0" lang="en-US" sz="2000" spc="-1" strike="noStrike">
-              <a:solidFill>
-                <a:srgbClr val="191b0e"/>
-              </a:solidFill>
-              <a:latin typeface="Franklin Gothic Book"/>
+            <a:endParaRPr b="0" lang="es-ES" sz="2000" spc="-1" strike="noStrike">
+              <a:latin typeface="Arial"/>
             </a:endParaRPr>
           </a:p>
           <a:p>
@@ -7426,7 +6927,7 @@
               </a:spcAft>
             </a:pPr>
             <a:r>
-              <a:rPr b="0" lang="en-US" sz="2000" spc="-1" strike="noStrike">
+              <a:rPr b="0" lang="es-ES" sz="2000" spc="-1" strike="noStrike">
                 <a:solidFill>
                   <a:srgbClr val="191b0e"/>
                 </a:solidFill>
@@ -7435,7 +6936,7 @@
               <a:t>        </a:t>
             </a:r>
             <a:r>
-              <a:rPr b="0" lang="en-US" sz="2000" spc="-1" strike="noStrike">
+              <a:rPr b="0" lang="es-ES" sz="2000" spc="-1" strike="noStrike">
                 <a:solidFill>
                   <a:srgbClr val="191b0e"/>
                 </a:solidFill>
@@ -7443,11 +6944,8 @@
               </a:rPr>
               <a:t>Connection conexion = null;</a:t>
             </a:r>
-            <a:endParaRPr b="0" lang="en-US" sz="2000" spc="-1" strike="noStrike">
-              <a:solidFill>
-                <a:srgbClr val="191b0e"/>
-              </a:solidFill>
-              <a:latin typeface="Franklin Gothic Book"/>
+            <a:endParaRPr b="0" lang="es-ES" sz="2000" spc="-1" strike="noStrike">
+              <a:latin typeface="Arial"/>
             </a:endParaRPr>
           </a:p>
           <a:p>
@@ -7462,11 +6960,8 @@
                 <a:spcPts val="201"/>
               </a:spcAft>
             </a:pPr>
-            <a:endParaRPr b="0" lang="en-US" sz="2000" spc="-1" strike="noStrike">
-              <a:solidFill>
-                <a:srgbClr val="191b0e"/>
-              </a:solidFill>
-              <a:latin typeface="Franklin Gothic Book"/>
+            <a:endParaRPr b="0" lang="es-ES" sz="2000" spc="-1" strike="noStrike">
+              <a:latin typeface="Arial"/>
             </a:endParaRPr>
           </a:p>
           <a:p>
@@ -7481,11 +6976,8 @@
                 <a:spcPts val="201"/>
               </a:spcAft>
             </a:pPr>
-            <a:endParaRPr b="0" lang="en-US" sz="2000" spc="-1" strike="noStrike">
-              <a:solidFill>
-                <a:srgbClr val="191b0e"/>
-              </a:solidFill>
-              <a:latin typeface="Franklin Gothic Book"/>
+            <a:endParaRPr b="0" lang="es-ES" sz="2000" spc="-1" strike="noStrike">
+              <a:latin typeface="Arial"/>
             </a:endParaRPr>
           </a:p>
           <a:p>
@@ -7500,11 +6992,8 @@
                 <a:spcPts val="201"/>
               </a:spcAft>
             </a:pPr>
-            <a:endParaRPr b="0" lang="en-US" sz="2000" spc="-1" strike="noStrike">
-              <a:solidFill>
-                <a:srgbClr val="191b0e"/>
-              </a:solidFill>
-              <a:latin typeface="Franklin Gothic Book"/>
+            <a:endParaRPr b="0" lang="es-ES" sz="2000" spc="-1" strike="noStrike">
+              <a:latin typeface="Arial"/>
             </a:endParaRPr>
           </a:p>
           <a:p>
@@ -7519,11 +7008,8 @@
                 <a:spcPts val="201"/>
               </a:spcAft>
             </a:pPr>
-            <a:endParaRPr b="0" lang="en-US" sz="2000" spc="-1" strike="noStrike">
-              <a:solidFill>
-                <a:srgbClr val="191b0e"/>
-              </a:solidFill>
-              <a:latin typeface="Franklin Gothic Book"/>
+            <a:endParaRPr b="0" lang="es-ES" sz="2000" spc="-1" strike="noStrike">
+              <a:latin typeface="Arial"/>
             </a:endParaRPr>
           </a:p>
           <a:p>
@@ -7538,11 +7024,8 @@
                 <a:spcPts val="201"/>
               </a:spcAft>
             </a:pPr>
-            <a:endParaRPr b="0" lang="en-US" sz="2000" spc="-1" strike="noStrike">
-              <a:solidFill>
-                <a:srgbClr val="191b0e"/>
-              </a:solidFill>
-              <a:latin typeface="Franklin Gothic Book"/>
+            <a:endParaRPr b="0" lang="es-ES" sz="2000" spc="-1" strike="noStrike">
+              <a:latin typeface="Arial"/>
             </a:endParaRPr>
           </a:p>
         </p:txBody>
@@ -7598,14 +7081,14 @@
       </p:grpSpPr>
       <p:sp>
         <p:nvSpPr>
-          <p:cNvPr id="99" name="TextShape 1"/>
-          <p:cNvSpPr txBox="1"/>
+          <p:cNvPr id="93" name="CustomShape 1"/>
+          <p:cNvSpPr/>
           <p:nvPr/>
         </p:nvSpPr>
         <p:spPr>
           <a:xfrm>
             <a:off x="1371600" y="685800"/>
-            <a:ext cx="9600840" cy="1485720"/>
+            <a:ext cx="9600480" cy="1485360"/>
           </a:xfrm>
           <a:prstGeom prst="rect">
             <a:avLst/>
@@ -7615,8 +7098,14 @@
             <a:noFill/>
           </a:ln>
         </p:spPr>
-        <p:txBody>
-          <a:bodyPr/>
+        <p:style>
+          <a:lnRef idx="0"/>
+          <a:fillRef idx="0"/>
+          <a:effectRef idx="0"/>
+          <a:fontRef idx="minor"/>
+        </p:style>
+        <p:txBody>
+          <a:bodyPr lIns="90000" rIns="90000" tIns="45000" bIns="45000"/>
           <a:p>
             <a:pPr>
               <a:lnSpc>
@@ -7624,7 +7113,7 @@
               </a:lnSpc>
             </a:pPr>
             <a:r>
-              <a:rPr b="0" lang="en-US" sz="4400" spc="-1" strike="noStrike">
+              <a:rPr b="0" lang="es-ES" sz="4400" spc="-1" strike="noStrike">
                 <a:solidFill>
                   <a:srgbClr val="191b0e"/>
                 </a:solidFill>
@@ -7632,25 +7121,22 @@
               </a:rPr>
               <a:t>TestManejoPersonas (1) – try (1)</a:t>
             </a:r>
-            <a:endParaRPr b="0" lang="en-US" sz="4400" spc="-1" strike="noStrike">
-              <a:solidFill>
-                <a:srgbClr val="000000"/>
-              </a:solidFill>
-              <a:latin typeface="Franklin Gothic Book"/>
-            </a:endParaRPr>
-          </a:p>
-        </p:txBody>
-      </p:sp>
-      <p:sp>
-        <p:nvSpPr>
-          <p:cNvPr id="100" name="TextShape 2"/>
-          <p:cNvSpPr txBox="1"/>
+            <a:endParaRPr b="0" lang="es-ES" sz="4400" spc="-1" strike="noStrike">
+              <a:latin typeface="Arial"/>
+            </a:endParaRPr>
+          </a:p>
+        </p:txBody>
+      </p:sp>
+      <p:sp>
+        <p:nvSpPr>
+          <p:cNvPr id="94" name="CustomShape 2"/>
+          <p:cNvSpPr/>
           <p:nvPr/>
         </p:nvSpPr>
         <p:spPr>
           <a:xfrm>
             <a:off x="1371600" y="1459800"/>
-            <a:ext cx="9600840" cy="5158800"/>
+            <a:ext cx="9600480" cy="5158440"/>
           </a:xfrm>
           <a:prstGeom prst="rect">
             <a:avLst/>
@@ -7660,12 +7146,18 @@
             <a:noFill/>
           </a:ln>
         </p:spPr>
-        <p:txBody>
-          <a:bodyPr>
+        <p:style>
+          <a:lnRef idx="0"/>
+          <a:fillRef idx="0"/>
+          <a:effectRef idx="0"/>
+          <a:fontRef idx="minor"/>
+        </p:style>
+        <p:txBody>
+          <a:bodyPr lIns="90000" rIns="90000" tIns="45000" bIns="45000">
             <a:normAutofit/>
           </a:bodyPr>
           <a:p>
-            <a:pPr marL="384120" indent="-383760">
+            <a:pPr marL="384120" indent="-383400">
               <a:lnSpc>
                 <a:spcPct val="94000"/>
               </a:lnSpc>
@@ -7682,7 +7174,7 @@
               <a:buChar char="■"/>
             </a:pPr>
             <a:r>
-              <a:rPr b="0" lang="en-US" sz="2000" spc="-1" strike="noStrike">
+              <a:rPr b="0" lang="es-ES" sz="2000" spc="-1" strike="noStrike">
                 <a:solidFill>
                   <a:srgbClr val="191b0e"/>
                 </a:solidFill>
@@ -7690,11 +7182,8 @@
               </a:rPr>
               <a:t>Aseguramos que autocommit es falso y adaptamos el código</a:t>
             </a:r>
-            <a:endParaRPr b="0" lang="en-US" sz="2000" spc="-1" strike="noStrike">
-              <a:solidFill>
-                <a:srgbClr val="191b0e"/>
-              </a:solidFill>
-              <a:latin typeface="Franklin Gothic Book"/>
+            <a:endParaRPr b="0" lang="es-ES" sz="2000" spc="-1" strike="noStrike">
+              <a:latin typeface="Arial"/>
             </a:endParaRPr>
           </a:p>
           <a:p>
@@ -7710,7 +7199,7 @@
               </a:spcAft>
             </a:pPr>
             <a:r>
-              <a:rPr b="0" lang="en-US" sz="2000" spc="-1" strike="noStrike">
+              <a:rPr b="0" lang="es-ES" sz="2000" spc="-1" strike="noStrike">
                 <a:solidFill>
                   <a:srgbClr val="191b0e"/>
                 </a:solidFill>
@@ -7718,11 +7207,8 @@
               </a:rPr>
               <a:t>try {</a:t>
             </a:r>
-            <a:endParaRPr b="0" lang="en-US" sz="2000" spc="-1" strike="noStrike">
-              <a:solidFill>
-                <a:srgbClr val="191b0e"/>
-              </a:solidFill>
-              <a:latin typeface="Franklin Gothic Book"/>
+            <a:endParaRPr b="0" lang="es-ES" sz="2000" spc="-1" strike="noStrike">
+              <a:latin typeface="Arial"/>
             </a:endParaRPr>
           </a:p>
           <a:p>
@@ -7738,7 +7224,7 @@
               </a:spcAft>
             </a:pPr>
             <a:r>
-              <a:rPr b="0" lang="en-US" sz="2000" spc="-1" strike="noStrike">
+              <a:rPr b="0" lang="es-ES" sz="2000" spc="-1" strike="noStrike">
                 <a:solidFill>
                   <a:srgbClr val="191b0e"/>
                 </a:solidFill>
@@ -7747,7 +7233,7 @@
               <a:t>            </a:t>
             </a:r>
             <a:r>
-              <a:rPr b="0" lang="en-US" sz="2000" spc="-1" strike="noStrike">
+              <a:rPr b="0" lang="es-ES" sz="2000" spc="-1" strike="noStrike">
                 <a:solidFill>
                   <a:srgbClr val="191b0e"/>
                 </a:solidFill>
@@ -7755,11 +7241,8 @@
               </a:rPr>
               <a:t>conexion = Conexion.getConnection();</a:t>
             </a:r>
-            <a:endParaRPr b="0" lang="en-US" sz="2000" spc="-1" strike="noStrike">
-              <a:solidFill>
-                <a:srgbClr val="191b0e"/>
-              </a:solidFill>
-              <a:latin typeface="Franklin Gothic Book"/>
+            <a:endParaRPr b="0" lang="es-ES" sz="2000" spc="-1" strike="noStrike">
+              <a:latin typeface="Arial"/>
             </a:endParaRPr>
           </a:p>
           <a:p>
@@ -7775,7 +7258,7 @@
               </a:spcAft>
             </a:pPr>
             <a:r>
-              <a:rPr b="0" lang="en-US" sz="2000" spc="-1" strike="noStrike">
+              <a:rPr b="0" lang="es-ES" sz="2000" spc="-1" strike="noStrike">
                 <a:solidFill>
                   <a:srgbClr val="191b0e"/>
                 </a:solidFill>
@@ -7784,7 +7267,7 @@
               <a:t>            </a:t>
             </a:r>
             <a:r>
-              <a:rPr b="0" lang="en-US" sz="2000" spc="-1" strike="noStrike">
+              <a:rPr b="0" lang="es-ES" sz="2000" spc="-1" strike="noStrike">
                 <a:solidFill>
                   <a:srgbClr val="191b0e"/>
                 </a:solidFill>
@@ -7792,11 +7275,8 @@
               </a:rPr>
               <a:t>if (conexion.getAutoCommit()) {</a:t>
             </a:r>
-            <a:endParaRPr b="0" lang="en-US" sz="2000" spc="-1" strike="noStrike">
-              <a:solidFill>
-                <a:srgbClr val="191b0e"/>
-              </a:solidFill>
-              <a:latin typeface="Franklin Gothic Book"/>
+            <a:endParaRPr b="0" lang="es-ES" sz="2000" spc="-1" strike="noStrike">
+              <a:latin typeface="Arial"/>
             </a:endParaRPr>
           </a:p>
           <a:p>
@@ -7812,7 +7292,7 @@
               </a:spcAft>
             </a:pPr>
             <a:r>
-              <a:rPr b="0" lang="en-US" sz="2000" spc="-1" strike="noStrike">
+              <a:rPr b="0" lang="es-ES" sz="2000" spc="-1" strike="noStrike">
                 <a:solidFill>
                   <a:srgbClr val="191b0e"/>
                 </a:solidFill>
@@ -7821,7 +7301,7 @@
               <a:t>                </a:t>
             </a:r>
             <a:r>
-              <a:rPr b="0" lang="en-US" sz="2000" spc="-1" strike="noStrike">
+              <a:rPr b="0" lang="es-ES" sz="2000" spc="-1" strike="noStrike">
                 <a:solidFill>
                   <a:srgbClr val="191b0e"/>
                 </a:solidFill>
@@ -7829,11 +7309,8 @@
               </a:rPr>
               <a:t>conexion.setAutoCommit(false);</a:t>
             </a:r>
-            <a:endParaRPr b="0" lang="en-US" sz="2000" spc="-1" strike="noStrike">
-              <a:solidFill>
-                <a:srgbClr val="191b0e"/>
-              </a:solidFill>
-              <a:latin typeface="Franklin Gothic Book"/>
+            <a:endParaRPr b="0" lang="es-ES" sz="2000" spc="-1" strike="noStrike">
+              <a:latin typeface="Arial"/>
             </a:endParaRPr>
           </a:p>
           <a:p>
@@ -7849,7 +7326,7 @@
               </a:spcAft>
             </a:pPr>
             <a:r>
-              <a:rPr b="0" lang="en-US" sz="2000" spc="-1" strike="noStrike">
+              <a:rPr b="0" lang="es-ES" sz="2000" spc="-1" strike="noStrike">
                 <a:solidFill>
                   <a:srgbClr val="191b0e"/>
                 </a:solidFill>
@@ -7858,7 +7335,7 @@
               <a:t>            </a:t>
             </a:r>
             <a:r>
-              <a:rPr b="0" lang="en-US" sz="2000" spc="-1" strike="noStrike">
+              <a:rPr b="0" lang="es-ES" sz="2000" spc="-1" strike="noStrike">
                 <a:solidFill>
                   <a:srgbClr val="191b0e"/>
                 </a:solidFill>
@@ -7866,11 +7343,8 @@
               </a:rPr>
               <a:t>}</a:t>
             </a:r>
-            <a:endParaRPr b="0" lang="en-US" sz="2000" spc="-1" strike="noStrike">
-              <a:solidFill>
-                <a:srgbClr val="191b0e"/>
-              </a:solidFill>
-              <a:latin typeface="Franklin Gothic Book"/>
+            <a:endParaRPr b="0" lang="es-ES" sz="2000" spc="-1" strike="noStrike">
+              <a:latin typeface="Arial"/>
             </a:endParaRPr>
           </a:p>
           <a:p>
@@ -7885,11 +7359,8 @@
                 <a:spcPts val="201"/>
               </a:spcAft>
             </a:pPr>
-            <a:endParaRPr b="0" lang="en-US" sz="2000" spc="-1" strike="noStrike">
-              <a:solidFill>
-                <a:srgbClr val="191b0e"/>
-              </a:solidFill>
-              <a:latin typeface="Franklin Gothic Book"/>
+            <a:endParaRPr b="0" lang="es-ES" sz="2000" spc="-1" strike="noStrike">
+              <a:latin typeface="Arial"/>
             </a:endParaRPr>
           </a:p>
         </p:txBody>
@@ -7945,14 +7416,14 @@
       </p:grpSpPr>
       <p:sp>
         <p:nvSpPr>
-          <p:cNvPr id="101" name="TextShape 1"/>
-          <p:cNvSpPr txBox="1"/>
+          <p:cNvPr id="95" name="CustomShape 1"/>
+          <p:cNvSpPr/>
           <p:nvPr/>
         </p:nvSpPr>
         <p:spPr>
           <a:xfrm>
             <a:off x="1371600" y="685800"/>
-            <a:ext cx="9600840" cy="1485720"/>
+            <a:ext cx="9600480" cy="1485360"/>
           </a:xfrm>
           <a:prstGeom prst="rect">
             <a:avLst/>
@@ -7962,8 +7433,14 @@
             <a:noFill/>
           </a:ln>
         </p:spPr>
-        <p:txBody>
-          <a:bodyPr/>
+        <p:style>
+          <a:lnRef idx="0"/>
+          <a:fillRef idx="0"/>
+          <a:effectRef idx="0"/>
+          <a:fontRef idx="minor"/>
+        </p:style>
+        <p:txBody>
+          <a:bodyPr lIns="90000" rIns="90000" tIns="45000" bIns="45000"/>
           <a:p>
             <a:pPr>
               <a:lnSpc>
@@ -7971,7 +7448,7 @@
               </a:lnSpc>
             </a:pPr>
             <a:r>
-              <a:rPr b="0" lang="en-US" sz="4400" spc="-1" strike="noStrike">
+              <a:rPr b="0" lang="es-ES" sz="4400" spc="-1" strike="noStrike">
                 <a:solidFill>
                   <a:srgbClr val="191b0e"/>
                 </a:solidFill>
@@ -7979,25 +7456,22 @@
               </a:rPr>
               <a:t>TestManejoPersonas (2) -try (2)</a:t>
             </a:r>
-            <a:endParaRPr b="0" lang="en-US" sz="4400" spc="-1" strike="noStrike">
-              <a:solidFill>
-                <a:srgbClr val="000000"/>
-              </a:solidFill>
-              <a:latin typeface="Franklin Gothic Book"/>
-            </a:endParaRPr>
-          </a:p>
-        </p:txBody>
-      </p:sp>
-      <p:sp>
-        <p:nvSpPr>
-          <p:cNvPr id="102" name="TextShape 2"/>
-          <p:cNvSpPr txBox="1"/>
+            <a:endParaRPr b="0" lang="es-ES" sz="4400" spc="-1" strike="noStrike">
+              <a:latin typeface="Arial"/>
+            </a:endParaRPr>
+          </a:p>
+        </p:txBody>
+      </p:sp>
+      <p:sp>
+        <p:nvSpPr>
+          <p:cNvPr id="96" name="CustomShape 2"/>
+          <p:cNvSpPr/>
           <p:nvPr/>
         </p:nvSpPr>
         <p:spPr>
           <a:xfrm>
             <a:off x="1371600" y="1459800"/>
-            <a:ext cx="9600840" cy="5158800"/>
+            <a:ext cx="9600480" cy="5158440"/>
           </a:xfrm>
           <a:prstGeom prst="rect">
             <a:avLst/>
@@ -8007,12 +7481,18 @@
             <a:noFill/>
           </a:ln>
         </p:spPr>
-        <p:txBody>
-          <a:bodyPr>
+        <p:style>
+          <a:lnRef idx="0"/>
+          <a:fillRef idx="0"/>
+          <a:effectRef idx="0"/>
+          <a:fontRef idx="minor"/>
+        </p:style>
+        <p:txBody>
+          <a:bodyPr lIns="90000" rIns="90000" tIns="45000" bIns="45000">
             <a:normAutofit/>
           </a:bodyPr>
           <a:p>
-            <a:pPr marL="384120" indent="-383760">
+            <a:pPr marL="384120" indent="-383400">
               <a:lnSpc>
                 <a:spcPct val="94000"/>
               </a:lnSpc>
@@ -8029,7 +7509,7 @@
               <a:buChar char="■"/>
             </a:pPr>
             <a:r>
-              <a:rPr b="0" lang="en-US" sz="2000" spc="-1" strike="noStrike">
+              <a:rPr b="0" lang="es-ES" sz="2000" spc="-1" strike="noStrike">
                 <a:solidFill>
                   <a:srgbClr val="191b0e"/>
                 </a:solidFill>
@@ -8037,11 +7517,8 @@
               </a:rPr>
               <a:t>Ahora proporcionamos el objeto conexión para poder aplicar el concepto de transacción          </a:t>
             </a:r>
-            <a:endParaRPr b="0" lang="en-US" sz="2000" spc="-1" strike="noStrike">
-              <a:solidFill>
-                <a:srgbClr val="191b0e"/>
-              </a:solidFill>
-              <a:latin typeface="Franklin Gothic Book"/>
+            <a:endParaRPr b="0" lang="es-ES" sz="2000" spc="-1" strike="noStrike">
+              <a:latin typeface="Arial"/>
             </a:endParaRPr>
           </a:p>
           <a:p>
@@ -8057,7 +7534,7 @@
               </a:spcAft>
             </a:pPr>
             <a:r>
-              <a:rPr b="0" lang="en-US" sz="2000" spc="-1" strike="noStrike">
+              <a:rPr b="0" lang="es-ES" sz="2000" spc="-1" strike="noStrike">
                 <a:solidFill>
                   <a:srgbClr val="191b0e"/>
                 </a:solidFill>
@@ -8066,7 +7543,7 @@
               <a:t>       </a:t>
             </a:r>
             <a:r>
-              <a:rPr b="0" lang="en-US" sz="2000" spc="-1" strike="noStrike">
+              <a:rPr b="0" lang="es-ES" sz="2000" spc="-1" strike="noStrike">
                 <a:solidFill>
                   <a:srgbClr val="191b0e"/>
                 </a:solidFill>
@@ -8074,15 +7551,12 @@
               </a:rPr>
               <a:t>PersonaDAO personaDao = new PersonaDAO(conexion);</a:t>
             </a:r>
-            <a:endParaRPr b="0" lang="en-US" sz="2000" spc="-1" strike="noStrike">
-              <a:solidFill>
-                <a:srgbClr val="191b0e"/>
-              </a:solidFill>
-              <a:latin typeface="Franklin Gothic Book"/>
-            </a:endParaRPr>
-          </a:p>
-          <a:p>
-            <a:pPr marL="384120" indent="-383760">
+            <a:endParaRPr b="0" lang="es-ES" sz="2000" spc="-1" strike="noStrike">
+              <a:latin typeface="Arial"/>
+            </a:endParaRPr>
+          </a:p>
+          <a:p>
+            <a:pPr marL="384120" indent="-383400">
               <a:lnSpc>
                 <a:spcPct val="94000"/>
               </a:lnSpc>
@@ -8099,7 +7573,7 @@
               <a:buChar char="■"/>
             </a:pPr>
             <a:r>
-              <a:rPr b="0" lang="en-US" sz="2000" spc="-1" strike="noStrike">
+              <a:rPr b="0" lang="es-ES" sz="2000" spc="-1" strike="noStrike">
                 <a:solidFill>
                   <a:srgbClr val="191b0e"/>
                 </a:solidFill>
@@ -8108,7 +7582,7 @@
               <a:t> </a:t>
             </a:r>
             <a:r>
-              <a:rPr b="0" lang="en-US" sz="2000" spc="-1" strike="noStrike">
+              <a:rPr b="0" lang="es-ES" sz="2000" spc="-1" strike="noStrike">
                 <a:solidFill>
                   <a:srgbClr val="191b0e"/>
                 </a:solidFill>
@@ -8116,11 +7590,8 @@
               </a:rPr>
               <a:t>Ahora ya hacemos las modificaciones para probar el funcionamiento      </a:t>
             </a:r>
-            <a:endParaRPr b="0" lang="en-US" sz="2000" spc="-1" strike="noStrike">
-              <a:solidFill>
-                <a:srgbClr val="191b0e"/>
-              </a:solidFill>
-              <a:latin typeface="Franklin Gothic Book"/>
+            <a:endParaRPr b="0" lang="es-ES" sz="2000" spc="-1" strike="noStrike">
+              <a:latin typeface="Arial"/>
             </a:endParaRPr>
           </a:p>
           <a:p>
@@ -8136,7 +7607,7 @@
               </a:spcAft>
             </a:pPr>
             <a:r>
-              <a:rPr b="0" lang="en-US" sz="2000" spc="-1" strike="noStrike">
+              <a:rPr b="0" lang="es-ES" sz="2000" spc="-1" strike="noStrike">
                 <a:solidFill>
                   <a:srgbClr val="191b0e"/>
                 </a:solidFill>
@@ -8145,7 +7616,7 @@
               <a:t>          </a:t>
             </a:r>
             <a:r>
-              <a:rPr b="0" lang="en-US" sz="2000" spc="-1" strike="noStrike">
+              <a:rPr b="0" lang="es-ES" sz="2000" spc="-1" strike="noStrike">
                 <a:solidFill>
                   <a:srgbClr val="191b0e"/>
                 </a:solidFill>
@@ -8153,11 +7624,8 @@
               </a:rPr>
               <a:t>Persona cambioPersona = new Persona();</a:t>
             </a:r>
-            <a:endParaRPr b="0" lang="en-US" sz="2000" spc="-1" strike="noStrike">
-              <a:solidFill>
-                <a:srgbClr val="191b0e"/>
-              </a:solidFill>
-              <a:latin typeface="Franklin Gothic Book"/>
+            <a:endParaRPr b="0" lang="es-ES" sz="2000" spc="-1" strike="noStrike">
+              <a:latin typeface="Arial"/>
             </a:endParaRPr>
           </a:p>
           <a:p>
@@ -8173,7 +7641,7 @@
               </a:spcAft>
             </a:pPr>
             <a:r>
-              <a:rPr b="0" lang="en-US" sz="2000" spc="-1" strike="noStrike">
+              <a:rPr b="0" lang="es-ES" sz="2000" spc="-1" strike="noStrike">
                 <a:solidFill>
                   <a:srgbClr val="191b0e"/>
                 </a:solidFill>
@@ -8182,7 +7650,7 @@
               <a:t>            </a:t>
             </a:r>
             <a:r>
-              <a:rPr b="0" lang="en-US" sz="2000" spc="-1" strike="noStrike">
+              <a:rPr b="0" lang="es-ES" sz="2000" spc="-1" strike="noStrike">
                 <a:solidFill>
                   <a:srgbClr val="191b0e"/>
                 </a:solidFill>
@@ -8190,11 +7658,8 @@
               </a:rPr>
               <a:t>cambioPersona.setId_persona(2);</a:t>
             </a:r>
-            <a:endParaRPr b="0" lang="en-US" sz="2000" spc="-1" strike="noStrike">
-              <a:solidFill>
-                <a:srgbClr val="191b0e"/>
-              </a:solidFill>
-              <a:latin typeface="Franklin Gothic Book"/>
+            <a:endParaRPr b="0" lang="es-ES" sz="2000" spc="-1" strike="noStrike">
+              <a:latin typeface="Arial"/>
             </a:endParaRPr>
           </a:p>
           <a:p>
@@ -8210,7 +7675,7 @@
               </a:spcAft>
             </a:pPr>
             <a:r>
-              <a:rPr b="0" lang="en-US" sz="2000" spc="-1" strike="noStrike">
+              <a:rPr b="0" lang="es-ES" sz="2000" spc="-1" strike="noStrike">
                 <a:solidFill>
                   <a:srgbClr val="191b0e"/>
                 </a:solidFill>
@@ -8219,7 +7684,7 @@
               <a:t>            </a:t>
             </a:r>
             <a:r>
-              <a:rPr b="0" lang="en-US" sz="2000" spc="-1" strike="noStrike">
+              <a:rPr b="0" lang="es-ES" sz="2000" spc="-1" strike="noStrike">
                 <a:solidFill>
                   <a:srgbClr val="191b0e"/>
                 </a:solidFill>
@@ -8227,11 +7692,8 @@
               </a:rPr>
               <a:t>cambioPersona.setNombre("Karla Ivonne");</a:t>
             </a:r>
-            <a:endParaRPr b="0" lang="en-US" sz="2000" spc="-1" strike="noStrike">
-              <a:solidFill>
-                <a:srgbClr val="191b0e"/>
-              </a:solidFill>
-              <a:latin typeface="Franklin Gothic Book"/>
+            <a:endParaRPr b="0" lang="es-ES" sz="2000" spc="-1" strike="noStrike">
+              <a:latin typeface="Arial"/>
             </a:endParaRPr>
           </a:p>
           <a:p>
@@ -8247,7 +7709,7 @@
               </a:spcAft>
             </a:pPr>
             <a:r>
-              <a:rPr b="0" lang="en-US" sz="2000" spc="-1" strike="noStrike">
+              <a:rPr b="0" lang="es-ES" sz="2000" spc="-1" strike="noStrike">
                 <a:solidFill>
                   <a:srgbClr val="191b0e"/>
                 </a:solidFill>
@@ -8256,7 +7718,7 @@
               <a:t>            </a:t>
             </a:r>
             <a:r>
-              <a:rPr b="0" lang="en-US" sz="2000" spc="-1" strike="noStrike">
+              <a:rPr b="0" lang="es-ES" sz="2000" spc="-1" strike="noStrike">
                 <a:solidFill>
                   <a:srgbClr val="191b0e"/>
                 </a:solidFill>
@@ -8264,11 +7726,8 @@
               </a:rPr>
               <a:t>cambioPersona.setApellido("Gomez");</a:t>
             </a:r>
-            <a:endParaRPr b="0" lang="en-US" sz="2000" spc="-1" strike="noStrike">
-              <a:solidFill>
-                <a:srgbClr val="191b0e"/>
-              </a:solidFill>
-              <a:latin typeface="Franklin Gothic Book"/>
+            <a:endParaRPr b="0" lang="es-ES" sz="2000" spc="-1" strike="noStrike">
+              <a:latin typeface="Arial"/>
             </a:endParaRPr>
           </a:p>
           <a:p>
@@ -8284,7 +7743,7 @@
               </a:spcAft>
             </a:pPr>
             <a:r>
-              <a:rPr b="0" lang="en-US" sz="2000" spc="-1" strike="noStrike">
+              <a:rPr b="0" lang="es-ES" sz="2000" spc="-1" strike="noStrike">
                 <a:solidFill>
                   <a:srgbClr val="191b0e"/>
                 </a:solidFill>
@@ -8293,7 +7752,7 @@
               <a:t>            </a:t>
             </a:r>
             <a:r>
-              <a:rPr b="0" lang="en-US" sz="2000" spc="-1" strike="noStrike">
+              <a:rPr b="0" lang="es-ES" sz="2000" spc="-1" strike="noStrike">
                 <a:solidFill>
                   <a:srgbClr val="191b0e"/>
                 </a:solidFill>
@@ -8301,11 +7760,8 @@
               </a:rPr>
               <a:t>cambioPersona.setEmail("kgomez@mail.com");</a:t>
             </a:r>
-            <a:endParaRPr b="0" lang="en-US" sz="2000" spc="-1" strike="noStrike">
-              <a:solidFill>
-                <a:srgbClr val="191b0e"/>
-              </a:solidFill>
-              <a:latin typeface="Franklin Gothic Book"/>
+            <a:endParaRPr b="0" lang="es-ES" sz="2000" spc="-1" strike="noStrike">
+              <a:latin typeface="Arial"/>
             </a:endParaRPr>
           </a:p>
           <a:p>
@@ -8321,7 +7777,7 @@
               </a:spcAft>
             </a:pPr>
             <a:r>
-              <a:rPr b="0" lang="en-US" sz="2000" spc="-1" strike="noStrike">
+              <a:rPr b="0" lang="es-ES" sz="2000" spc="-1" strike="noStrike">
                 <a:solidFill>
                   <a:srgbClr val="191b0e"/>
                 </a:solidFill>
@@ -8330,7 +7786,7 @@
               <a:t>            </a:t>
             </a:r>
             <a:r>
-              <a:rPr b="0" lang="en-US" sz="2000" spc="-1" strike="noStrike">
+              <a:rPr b="0" lang="es-ES" sz="2000" spc="-1" strike="noStrike">
                 <a:solidFill>
                   <a:srgbClr val="191b0e"/>
                 </a:solidFill>
@@ -8338,11 +7794,8 @@
               </a:rPr>
               <a:t>cambioPersona.setTelefono("7713445678");</a:t>
             </a:r>
-            <a:endParaRPr b="0" lang="en-US" sz="2000" spc="-1" strike="noStrike">
-              <a:solidFill>
-                <a:srgbClr val="191b0e"/>
-              </a:solidFill>
-              <a:latin typeface="Franklin Gothic Book"/>
+            <a:endParaRPr b="0" lang="es-ES" sz="2000" spc="-1" strike="noStrike">
+              <a:latin typeface="Arial"/>
             </a:endParaRPr>
           </a:p>
           <a:p>
@@ -8358,7 +7811,7 @@
               </a:spcAft>
             </a:pPr>
             <a:r>
-              <a:rPr b="0" lang="en-US" sz="2000" spc="-1" strike="noStrike">
+              <a:rPr b="0" lang="es-ES" sz="2000" spc="-1" strike="noStrike">
                 <a:solidFill>
                   <a:srgbClr val="191b0e"/>
                 </a:solidFill>
@@ -8367,7 +7820,7 @@
               <a:t>            </a:t>
             </a:r>
             <a:r>
-              <a:rPr b="0" lang="en-US" sz="2000" spc="-1" strike="noStrike">
+              <a:rPr b="0" lang="es-ES" sz="2000" spc="-1" strike="noStrike">
                 <a:solidFill>
                   <a:srgbClr val="191b0e"/>
                 </a:solidFill>
@@ -8375,11 +7828,8 @@
               </a:rPr>
               <a:t>personaDao.update(cambioPersona);</a:t>
             </a:r>
-            <a:endParaRPr b="0" lang="en-US" sz="2000" spc="-1" strike="noStrike">
-              <a:solidFill>
-                <a:srgbClr val="191b0e"/>
-              </a:solidFill>
-              <a:latin typeface="Franklin Gothic Book"/>
+            <a:endParaRPr b="0" lang="es-ES" sz="2000" spc="-1" strike="noStrike">
+              <a:latin typeface="Arial"/>
             </a:endParaRPr>
           </a:p>
           <a:p>
@@ -8395,7 +7845,7 @@
               </a:spcAft>
             </a:pPr>
             <a:r>
-              <a:rPr b="0" lang="en-US" sz="2000" spc="-1" strike="noStrike">
+              <a:rPr b="0" lang="es-ES" sz="2000" spc="-1" strike="noStrike">
                 <a:solidFill>
                   <a:srgbClr val="191b0e"/>
                 </a:solidFill>
@@ -8403,11 +7853,8 @@
               </a:rPr>
               <a:t>Persona nuevaPersona = new Persona();</a:t>
             </a:r>
-            <a:endParaRPr b="0" lang="en-US" sz="2000" spc="-1" strike="noStrike">
-              <a:solidFill>
-                <a:srgbClr val="191b0e"/>
-              </a:solidFill>
-              <a:latin typeface="Franklin Gothic Book"/>
+            <a:endParaRPr b="0" lang="es-ES" sz="2000" spc="-1" strike="noStrike">
+              <a:latin typeface="Arial"/>
             </a:endParaRPr>
           </a:p>
           <a:p>
@@ -8423,7 +7870,7 @@
               </a:spcAft>
             </a:pPr>
             <a:r>
-              <a:rPr b="0" lang="en-US" sz="2000" spc="-1" strike="noStrike">
+              <a:rPr b="0" lang="es-ES" sz="2000" spc="-1" strike="noStrike">
                 <a:solidFill>
                   <a:srgbClr val="191b0e"/>
                 </a:solidFill>
@@ -8432,7 +7879,7 @@
               <a:t>            </a:t>
             </a:r>
             <a:r>
-              <a:rPr b="0" lang="en-US" sz="2000" spc="-1" strike="noStrike">
+              <a:rPr b="0" lang="es-ES" sz="2000" spc="-1" strike="noStrike">
                 <a:solidFill>
                   <a:srgbClr val="191b0e"/>
                 </a:solidFill>
@@ -8440,11 +7887,8 @@
               </a:rPr>
               <a:t>nuevaPersona.setNombre("Carlos");</a:t>
             </a:r>
-            <a:endParaRPr b="0" lang="en-US" sz="2000" spc="-1" strike="noStrike">
-              <a:solidFill>
-                <a:srgbClr val="191b0e"/>
-              </a:solidFill>
-              <a:latin typeface="Franklin Gothic Book"/>
+            <a:endParaRPr b="0" lang="es-ES" sz="2000" spc="-1" strike="noStrike">
+              <a:latin typeface="Arial"/>
             </a:endParaRPr>
           </a:p>
           <a:p>
@@ -8460,7 +7904,7 @@
               </a:spcAft>
             </a:pPr>
             <a:r>
-              <a:rPr b="0" lang="en-US" sz="2000" spc="-1" strike="noStrike">
+              <a:rPr b="0" lang="es-ES" sz="2000" spc="-1" strike="noStrike">
                 <a:solidFill>
                   <a:srgbClr val="191b0e"/>
                 </a:solidFill>
@@ -8468,11 +7912,8 @@
               </a:rPr>
               <a:t>nuevaPersona.setApellido("Ramirez");</a:t>
             </a:r>
-            <a:endParaRPr b="0" lang="en-US" sz="2000" spc="-1" strike="noStrike">
-              <a:solidFill>
-                <a:srgbClr val="191b0e"/>
-              </a:solidFill>
-              <a:latin typeface="Franklin Gothic Book"/>
+            <a:endParaRPr b="0" lang="es-ES" sz="2000" spc="-1" strike="noStrike">
+              <a:latin typeface="Arial"/>
             </a:endParaRPr>
           </a:p>
           <a:p>
@@ -8488,7 +7929,7 @@
               </a:spcAft>
             </a:pPr>
             <a:r>
-              <a:rPr b="0" lang="en-US" sz="2000" spc="-1" strike="noStrike">
+              <a:rPr b="0" lang="es-ES" sz="2000" spc="-1" strike="noStrike">
                 <a:solidFill>
                   <a:srgbClr val="191b0e"/>
                 </a:solidFill>
@@ -8497,7 +7938,7 @@
               <a:t>            </a:t>
             </a:r>
             <a:r>
-              <a:rPr b="0" lang="en-US" sz="2000" spc="-1" strike="noStrike">
+              <a:rPr b="0" lang="es-ES" sz="2000" spc="-1" strike="noStrike">
                 <a:solidFill>
                   <a:srgbClr val="191b0e"/>
                 </a:solidFill>
@@ -8505,11 +7946,8 @@
               </a:rPr>
               <a:t>personaDao.insert(nuevaPersona);</a:t>
             </a:r>
-            <a:endParaRPr b="0" lang="en-US" sz="2000" spc="-1" strike="noStrike">
-              <a:solidFill>
-                <a:srgbClr val="191b0e"/>
-              </a:solidFill>
-              <a:latin typeface="Franklin Gothic Book"/>
+            <a:endParaRPr b="0" lang="es-ES" sz="2000" spc="-1" strike="noStrike">
+              <a:latin typeface="Arial"/>
             </a:endParaRPr>
           </a:p>
         </p:txBody>
@@ -8565,14 +8003,14 @@
       </p:grpSpPr>
       <p:sp>
         <p:nvSpPr>
-          <p:cNvPr id="103" name="TextShape 1"/>
-          <p:cNvSpPr txBox="1"/>
+          <p:cNvPr id="97" name="CustomShape 1"/>
+          <p:cNvSpPr/>
           <p:nvPr/>
         </p:nvSpPr>
         <p:spPr>
           <a:xfrm>
             <a:off x="1371600" y="685800"/>
-            <a:ext cx="9600840" cy="1485720"/>
+            <a:ext cx="9600480" cy="1485360"/>
           </a:xfrm>
           <a:prstGeom prst="rect">
             <a:avLst/>
@@ -8582,8 +8020,14 @@
             <a:noFill/>
           </a:ln>
         </p:spPr>
-        <p:txBody>
-          <a:bodyPr/>
+        <p:style>
+          <a:lnRef idx="0"/>
+          <a:fillRef idx="0"/>
+          <a:effectRef idx="0"/>
+          <a:fontRef idx="minor"/>
+        </p:style>
+        <p:txBody>
+          <a:bodyPr lIns="90000" rIns="90000" tIns="45000" bIns="45000"/>
           <a:p>
             <a:pPr>
               <a:lnSpc>
@@ -8591,7 +8035,7 @@
               </a:lnSpc>
             </a:pPr>
             <a:r>
-              <a:rPr b="0" lang="en-US" sz="4400" spc="-1" strike="noStrike">
+              <a:rPr b="0" lang="es-ES" sz="4400" spc="-1" strike="noStrike">
                 <a:solidFill>
                   <a:srgbClr val="191b0e"/>
                 </a:solidFill>
@@ -8599,25 +8043,22 @@
               </a:rPr>
               <a:t>TestManejoPersonas (3) –try (3)</a:t>
             </a:r>
-            <a:endParaRPr b="0" lang="en-US" sz="4400" spc="-1" strike="noStrike">
-              <a:solidFill>
-                <a:srgbClr val="000000"/>
-              </a:solidFill>
-              <a:latin typeface="Franklin Gothic Book"/>
-            </a:endParaRPr>
-          </a:p>
-        </p:txBody>
-      </p:sp>
-      <p:sp>
-        <p:nvSpPr>
-          <p:cNvPr id="104" name="TextShape 2"/>
-          <p:cNvSpPr txBox="1"/>
+            <a:endParaRPr b="0" lang="es-ES" sz="4400" spc="-1" strike="noStrike">
+              <a:latin typeface="Arial"/>
+            </a:endParaRPr>
+          </a:p>
+        </p:txBody>
+      </p:sp>
+      <p:sp>
+        <p:nvSpPr>
+          <p:cNvPr id="98" name="CustomShape 2"/>
+          <p:cNvSpPr/>
           <p:nvPr/>
         </p:nvSpPr>
         <p:spPr>
           <a:xfrm>
             <a:off x="1371600" y="1459800"/>
-            <a:ext cx="9600840" cy="5158800"/>
+            <a:ext cx="9600480" cy="5158440"/>
           </a:xfrm>
           <a:prstGeom prst="rect">
             <a:avLst/>
@@ -8627,12 +8068,18 @@
             <a:noFill/>
           </a:ln>
         </p:spPr>
-        <p:txBody>
-          <a:bodyPr>
+        <p:style>
+          <a:lnRef idx="0"/>
+          <a:fillRef idx="0"/>
+          <a:effectRef idx="0"/>
+          <a:fontRef idx="minor"/>
+        </p:style>
+        <p:txBody>
+          <a:bodyPr lIns="90000" rIns="90000" tIns="45000" bIns="45000">
             <a:normAutofit/>
           </a:bodyPr>
           <a:p>
-            <a:pPr marL="384120" indent="-383760">
+            <a:pPr marL="384120" indent="-383400">
               <a:lnSpc>
                 <a:spcPct val="94000"/>
               </a:lnSpc>
@@ -8649,7 +8096,7 @@
               <a:buChar char="■"/>
             </a:pPr>
             <a:r>
-              <a:rPr b="0" lang="en-US" sz="2000" spc="-1" strike="noStrike">
+              <a:rPr b="0" lang="es-ES" sz="2000" spc="-1" strike="noStrike">
                 <a:solidFill>
                   <a:srgbClr val="191b0e"/>
                 </a:solidFill>
@@ -8657,11 +8104,8 @@
               </a:rPr>
               <a:t>Ahora añadimos la parte de código para confirmar que se ejecuten los cambios</a:t>
             </a:r>
-            <a:endParaRPr b="0" lang="en-US" sz="2000" spc="-1" strike="noStrike">
-              <a:solidFill>
-                <a:srgbClr val="191b0e"/>
-              </a:solidFill>
-              <a:latin typeface="Franklin Gothic Book"/>
+            <a:endParaRPr b="0" lang="es-ES" sz="2000" spc="-1" strike="noStrike">
+              <a:latin typeface="Arial"/>
             </a:endParaRPr>
           </a:p>
           <a:p>
@@ -8677,7 +8121,7 @@
               </a:spcAft>
             </a:pPr>
             <a:r>
-              <a:rPr b="0" lang="en-US" sz="2000" spc="-1" strike="noStrike">
+              <a:rPr b="0" lang="es-ES" sz="2000" spc="-1" strike="noStrike">
                 <a:solidFill>
                   <a:srgbClr val="191b0e"/>
                 </a:solidFill>
@@ -8686,7 +8130,7 @@
               <a:t>           </a:t>
             </a:r>
             <a:r>
-              <a:rPr b="0" lang="en-US" sz="2000" spc="-1" strike="noStrike">
+              <a:rPr b="0" lang="es-ES" sz="2000" spc="-1" strike="noStrike">
                 <a:solidFill>
                   <a:srgbClr val="191b0e"/>
                 </a:solidFill>
@@ -8694,11 +8138,8 @@
               </a:rPr>
               <a:t>conexion.commit();</a:t>
             </a:r>
-            <a:endParaRPr b="0" lang="en-US" sz="2000" spc="-1" strike="noStrike">
-              <a:solidFill>
-                <a:srgbClr val="191b0e"/>
-              </a:solidFill>
-              <a:latin typeface="Franklin Gothic Book"/>
+            <a:endParaRPr b="0" lang="es-ES" sz="2000" spc="-1" strike="noStrike">
+              <a:latin typeface="Arial"/>
             </a:endParaRPr>
           </a:p>
           <a:p>
@@ -8714,7 +8155,7 @@
               </a:spcAft>
             </a:pPr>
             <a:r>
-              <a:rPr b="0" lang="en-US" sz="2000" spc="-1" strike="noStrike">
+              <a:rPr b="0" lang="es-ES" sz="2000" spc="-1" strike="noStrike">
                 <a:solidFill>
                   <a:srgbClr val="191b0e"/>
                 </a:solidFill>
@@ -8723,7 +8164,7 @@
               <a:t>            </a:t>
             </a:r>
             <a:r>
-              <a:rPr b="0" lang="en-US" sz="2000" spc="-1" strike="noStrike">
+              <a:rPr b="0" lang="es-ES" sz="2000" spc="-1" strike="noStrike">
                 <a:solidFill>
                   <a:srgbClr val="191b0e"/>
                 </a:solidFill>
@@ -8731,11 +8172,8 @@
               </a:rPr>
               <a:t>System.out.println("Se ha hecho commit de la transaccion");</a:t>
             </a:r>
-            <a:endParaRPr b="0" lang="en-US" sz="2000" spc="-1" strike="noStrike">
-              <a:solidFill>
-                <a:srgbClr val="191b0e"/>
-              </a:solidFill>
-              <a:latin typeface="Franklin Gothic Book"/>
+            <a:endParaRPr b="0" lang="es-ES" sz="2000" spc="-1" strike="noStrike">
+              <a:latin typeface="Arial"/>
             </a:endParaRPr>
           </a:p>
         </p:txBody>
